--- a/TCCApresentaçãonNovaDefinida.pptx
+++ b/TCCApresentaçãonNovaDefinida.pptx
@@ -14,11 +14,10 @@
     <p:sldId id="295" r:id="rId8"/>
     <p:sldId id="264" r:id="rId9"/>
     <p:sldId id="267" r:id="rId10"/>
-    <p:sldId id="288" r:id="rId11"/>
-    <p:sldId id="299" r:id="rId12"/>
-    <p:sldId id="300" r:id="rId13"/>
-    <p:sldId id="301" r:id="rId14"/>
-    <p:sldId id="302" r:id="rId15"/>
+    <p:sldId id="299" r:id="rId11"/>
+    <p:sldId id="301" r:id="rId12"/>
+    <p:sldId id="288" r:id="rId13"/>
+    <p:sldId id="302" r:id="rId14"/>
   </p:sldIdLst>
   <p:sldSz cx="12192000" cy="6858000"/>
   <p:notesSz cx="6858000" cy="9144000"/>
@@ -1392,7 +1391,7 @@
           <a:p>
             <a:fld id="{C5F47BAE-871B-401A-ADFC-7E274EE33322}" type="datetimeFigureOut">
               <a:rPr lang="pt-BR" smtClean="0"/>
-              <a:t>11/11/2019</a:t>
+              <a:t>14/11/2019</a:t>
             </a:fld>
             <a:endParaRPr lang="pt-BR"/>
           </a:p>
@@ -1590,7 +1589,7 @@
           <a:p>
             <a:fld id="{C5F47BAE-871B-401A-ADFC-7E274EE33322}" type="datetimeFigureOut">
               <a:rPr lang="pt-BR" smtClean="0"/>
-              <a:t>11/11/2019</a:t>
+              <a:t>14/11/2019</a:t>
             </a:fld>
             <a:endParaRPr lang="pt-BR"/>
           </a:p>
@@ -1798,7 +1797,7 @@
           <a:p>
             <a:fld id="{C5F47BAE-871B-401A-ADFC-7E274EE33322}" type="datetimeFigureOut">
               <a:rPr lang="pt-BR" smtClean="0"/>
-              <a:t>11/11/2019</a:t>
+              <a:t>14/11/2019</a:t>
             </a:fld>
             <a:endParaRPr lang="pt-BR"/>
           </a:p>
@@ -1996,7 +1995,7 @@
           <a:p>
             <a:fld id="{C5F47BAE-871B-401A-ADFC-7E274EE33322}" type="datetimeFigureOut">
               <a:rPr lang="pt-BR" smtClean="0"/>
-              <a:t>11/11/2019</a:t>
+              <a:t>14/11/2019</a:t>
             </a:fld>
             <a:endParaRPr lang="pt-BR"/>
           </a:p>
@@ -2271,7 +2270,7 @@
           <a:p>
             <a:fld id="{C5F47BAE-871B-401A-ADFC-7E274EE33322}" type="datetimeFigureOut">
               <a:rPr lang="pt-BR" smtClean="0"/>
-              <a:t>11/11/2019</a:t>
+              <a:t>14/11/2019</a:t>
             </a:fld>
             <a:endParaRPr lang="pt-BR"/>
           </a:p>
@@ -2536,7 +2535,7 @@
           <a:p>
             <a:fld id="{C5F47BAE-871B-401A-ADFC-7E274EE33322}" type="datetimeFigureOut">
               <a:rPr lang="pt-BR" smtClean="0"/>
-              <a:t>11/11/2019</a:t>
+              <a:t>14/11/2019</a:t>
             </a:fld>
             <a:endParaRPr lang="pt-BR"/>
           </a:p>
@@ -2948,7 +2947,7 @@
           <a:p>
             <a:fld id="{C5F47BAE-871B-401A-ADFC-7E274EE33322}" type="datetimeFigureOut">
               <a:rPr lang="pt-BR" smtClean="0"/>
-              <a:t>11/11/2019</a:t>
+              <a:t>14/11/2019</a:t>
             </a:fld>
             <a:endParaRPr lang="pt-BR"/>
           </a:p>
@@ -3089,7 +3088,7 @@
           <a:p>
             <a:fld id="{C5F47BAE-871B-401A-ADFC-7E274EE33322}" type="datetimeFigureOut">
               <a:rPr lang="pt-BR" smtClean="0"/>
-              <a:t>11/11/2019</a:t>
+              <a:t>14/11/2019</a:t>
             </a:fld>
             <a:endParaRPr lang="pt-BR"/>
           </a:p>
@@ -3202,7 +3201,7 @@
           <a:p>
             <a:fld id="{C5F47BAE-871B-401A-ADFC-7E274EE33322}" type="datetimeFigureOut">
               <a:rPr lang="pt-BR" smtClean="0"/>
-              <a:t>11/11/2019</a:t>
+              <a:t>14/11/2019</a:t>
             </a:fld>
             <a:endParaRPr lang="pt-BR"/>
           </a:p>
@@ -3513,7 +3512,7 @@
           <a:p>
             <a:fld id="{C5F47BAE-871B-401A-ADFC-7E274EE33322}" type="datetimeFigureOut">
               <a:rPr lang="pt-BR" smtClean="0"/>
-              <a:t>11/11/2019</a:t>
+              <a:t>14/11/2019</a:t>
             </a:fld>
             <a:endParaRPr lang="pt-BR"/>
           </a:p>
@@ -3801,7 +3800,7 @@
           <a:p>
             <a:fld id="{C5F47BAE-871B-401A-ADFC-7E274EE33322}" type="datetimeFigureOut">
               <a:rPr lang="pt-BR" smtClean="0"/>
-              <a:t>11/11/2019</a:t>
+              <a:t>14/11/2019</a:t>
             </a:fld>
             <a:endParaRPr lang="pt-BR"/>
           </a:p>
@@ -4042,7 +4041,7 @@
           <a:p>
             <a:fld id="{C5F47BAE-871B-401A-ADFC-7E274EE33322}" type="datetimeFigureOut">
               <a:rPr lang="pt-BR" smtClean="0"/>
-              <a:t>11/11/2019</a:t>
+              <a:t>14/11/2019</a:t>
             </a:fld>
             <a:endParaRPr lang="pt-BR"/>
           </a:p>
@@ -4475,7 +4474,7 @@
                 <a16:creationId xmlns:a16="http://schemas.microsoft.com/office/drawing/2014/main" id="{6C2997EE-0889-44C3-AC0D-18F26AC9AAAB}"/>
               </a:ext>
               <a:ext uri="{C183D7F6-B498-43B3-948B-1728B52AA6E4}">
-                <adec:decorative xmlns="" xmlns:adec="http://schemas.microsoft.com/office/drawing/2017/decorative" val="1"/>
+                <adec:decorative xmlns:adec="http://schemas.microsoft.com/office/drawing/2017/decorative" xmlns="" val="1"/>
               </a:ext>
             </a:extLst>
           </p:cNvPr>
@@ -5451,14 +5450,6 @@
 <file path=ppt/slides/slide10.xml><?xml version="1.0" encoding="utf-8"?>
 <p:sld xmlns:a="http://schemas.openxmlformats.org/drawingml/2006/main" xmlns:r="http://schemas.openxmlformats.org/officeDocument/2006/relationships" xmlns:p="http://schemas.openxmlformats.org/presentationml/2006/main">
   <p:cSld>
-    <p:bg>
-      <p:bgPr>
-        <a:solidFill>
-          <a:schemeClr val="tx1"/>
-        </a:solidFill>
-        <a:effectLst/>
-      </p:bgPr>
-    </p:bg>
     <p:spTree>
       <p:nvGrpSpPr>
         <p:cNvPr id="1" name=""/>
@@ -5914,7 +5905,7 @@
         </p:nvSpPr>
         <p:spPr>
           <a:xfrm>
-            <a:off x="1139686" y="21602"/>
+            <a:off x="1139686" y="13289"/>
             <a:ext cx="9910942" cy="6835595"/>
           </a:xfrm>
           <a:prstGeom prst="roundRect">
@@ -6074,8 +6065,8 @@
         </p:nvSpPr>
         <p:spPr>
           <a:xfrm>
-            <a:off x="3810432" y="10597"/>
-            <a:ext cx="4972836" cy="1107996"/>
+            <a:off x="2419005" y="150823"/>
+            <a:ext cx="7498080" cy="784830"/>
           </a:xfrm>
           <a:prstGeom prst="rect">
             <a:avLst/>
@@ -6086,7 +6077,7 @@
           </a:ln>
         </p:spPr>
         <p:txBody>
-          <a:bodyPr wrap="none" lIns="91440" tIns="45720" rIns="91440" bIns="45720">
+          <a:bodyPr wrap="square" lIns="91440" tIns="45720" rIns="91440" bIns="45720">
             <a:spAutoFit/>
             <a:scene3d>
               <a:camera prst="orthographicFront"/>
@@ -6100,7 +6091,7 @@
           <a:p>
             <a:pPr algn="ctr"/>
             <a:r>
-              <a:rPr lang="pt-BR" sz="6600" b="1" dirty="0">
+              <a:rPr lang="pt-BR" sz="4500" b="1" dirty="0" smtClean="0">
                 <a:ln w="19050">
                   <a:solidFill>
                     <a:schemeClr val="tx1"/>
@@ -6118,7 +6109,7 @@
                   </a:outerShdw>
                 </a:effectLst>
               </a:rPr>
-              <a:t>CASO DE USO</a:t>
+              <a:t>Tecnologias e Metodologias</a:t>
             </a:r>
           </a:p>
         </p:txBody>
@@ -6457,14 +6448,14 @@
       </p:pic>
       <p:pic>
         <p:nvPicPr>
-          <p:cNvPr id="3" name="Imagem 2"/>
+          <p:cNvPr id="6" name="Imagem 5"/>
           <p:cNvPicPr>
             <a:picLocks noChangeAspect="1"/>
           </p:cNvPicPr>
           <p:nvPr/>
         </p:nvPicPr>
         <p:blipFill>
-          <a:blip r:embed="rId7">
+          <a:blip r:embed="rId7" cstate="hqprint">
             <a:extLst>
               <a:ext uri="{28A0092B-C50C-407E-A947-70E740481C1C}">
                 <a14:useLocalDpi xmlns:a14="http://schemas.microsoft.com/office/drawing/2010/main" val="0"/>
@@ -6477,1099 +6468,8 @@
         </p:blipFill>
         <p:spPr>
           <a:xfrm>
-            <a:off x="2169615" y="1491806"/>
-            <a:ext cx="7769516" cy="4517857"/>
-          </a:xfrm>
-          <a:prstGeom prst="rect">
-            <a:avLst/>
-          </a:prstGeom>
-        </p:spPr>
-      </p:pic>
-    </p:spTree>
-    <p:extLst>
-      <p:ext uri="{BB962C8B-B14F-4D97-AF65-F5344CB8AC3E}">
-        <p14:creationId xmlns:p14="http://schemas.microsoft.com/office/powerpoint/2010/main" val="3050431724"/>
-      </p:ext>
-    </p:extLst>
-  </p:cSld>
-  <p:clrMapOvr>
-    <a:masterClrMapping/>
-  </p:clrMapOvr>
-  <p:transition spd="med">
-    <p:pull/>
-  </p:transition>
-  <p:timing>
-    <p:tnLst>
-      <p:par>
-        <p:cTn id="1" dur="indefinite" restart="never" nodeType="tmRoot"/>
-      </p:par>
-    </p:tnLst>
-  </p:timing>
-</p:sld>
-</file>
-
-<file path=ppt/slides/slide11.xml><?xml version="1.0" encoding="utf-8"?>
-<p:sld xmlns:a="http://schemas.openxmlformats.org/drawingml/2006/main" xmlns:r="http://schemas.openxmlformats.org/officeDocument/2006/relationships" xmlns:p="http://schemas.openxmlformats.org/presentationml/2006/main">
-  <p:cSld>
-    <p:spTree>
-      <p:nvGrpSpPr>
-        <p:cNvPr id="1" name=""/>
-        <p:cNvGrpSpPr/>
-        <p:nvPr/>
-      </p:nvGrpSpPr>
-      <p:grpSpPr>
-        <a:xfrm>
-          <a:off x="0" y="0"/>
-          <a:ext cx="0" cy="0"/>
-          <a:chOff x="0" y="0"/>
-          <a:chExt cx="0" cy="0"/>
-        </a:xfrm>
-      </p:grpSpPr>
-      <p:pic>
-        <p:nvPicPr>
-          <p:cNvPr id="5" name="Imagem 4">
-            <a:extLst>
-              <a:ext uri="{FF2B5EF4-FFF2-40B4-BE49-F238E27FC236}">
-                <a16:creationId xmlns:a16="http://schemas.microsoft.com/office/drawing/2014/main" id="{F454D47A-AFC7-4E87-AA86-8927748493C0}"/>
-              </a:ext>
-            </a:extLst>
-          </p:cNvPr>
-          <p:cNvPicPr>
-            <a:picLocks noChangeAspect="1"/>
-          </p:cNvPicPr>
-          <p:nvPr/>
-        </p:nvPicPr>
-        <p:blipFill rotWithShape="1">
-          <a:blip r:embed="rId2" cstate="print">
-            <a:extLst>
-              <a:ext uri="{28A0092B-C50C-407E-A947-70E740481C1C}">
-                <a14:useLocalDpi xmlns:a14="http://schemas.microsoft.com/office/drawing/2010/main" val="0"/>
-              </a:ext>
-            </a:extLst>
-          </a:blip>
-          <a:srcRect t="4843" r="-3" b="33505"/>
-          <a:stretch/>
-        </p:blipFill>
-        <p:spPr>
-          <a:xfrm>
-            <a:off x="20" y="10"/>
-            <a:ext cx="7215381" cy="2969294"/>
-          </a:xfrm>
-          <a:custGeom>
-            <a:avLst/>
-            <a:gdLst>
-              <a:gd name="connsiteX0" fmla="*/ 0 w 7215401"/>
-              <a:gd name="connsiteY0" fmla="*/ 0 h 2969304"/>
-              <a:gd name="connsiteX1" fmla="*/ 677334 w 7215401"/>
-              <a:gd name="connsiteY1" fmla="*/ 0 h 2969304"/>
-              <a:gd name="connsiteX2" fmla="*/ 1168036 w 7215401"/>
-              <a:gd name="connsiteY2" fmla="*/ 0 h 2969304"/>
-              <a:gd name="connsiteX3" fmla="*/ 1205499 w 7215401"/>
-              <a:gd name="connsiteY3" fmla="*/ 0 h 2969304"/>
-              <a:gd name="connsiteX4" fmla="*/ 1647632 w 7215401"/>
-              <a:gd name="connsiteY4" fmla="*/ 0 h 2969304"/>
-              <a:gd name="connsiteX5" fmla="*/ 7215401 w 7215401"/>
-              <a:gd name="connsiteY5" fmla="*/ 0 h 2969304"/>
-              <a:gd name="connsiteX6" fmla="*/ 5840224 w 7215401"/>
-              <a:gd name="connsiteY6" fmla="*/ 2969304 h 2969304"/>
-              <a:gd name="connsiteX7" fmla="*/ 0 w 7215401"/>
-              <a:gd name="connsiteY7" fmla="*/ 2969304 h 2969304"/>
-            </a:gdLst>
-            <a:ahLst/>
-            <a:cxnLst>
-              <a:cxn ang="0">
-                <a:pos x="connsiteX0" y="connsiteY0"/>
-              </a:cxn>
-              <a:cxn ang="0">
-                <a:pos x="connsiteX1" y="connsiteY1"/>
-              </a:cxn>
-              <a:cxn ang="0">
-                <a:pos x="connsiteX2" y="connsiteY2"/>
-              </a:cxn>
-              <a:cxn ang="0">
-                <a:pos x="connsiteX3" y="connsiteY3"/>
-              </a:cxn>
-              <a:cxn ang="0">
-                <a:pos x="connsiteX4" y="connsiteY4"/>
-              </a:cxn>
-              <a:cxn ang="0">
-                <a:pos x="connsiteX5" y="connsiteY5"/>
-              </a:cxn>
-              <a:cxn ang="0">
-                <a:pos x="connsiteX6" y="connsiteY6"/>
-              </a:cxn>
-              <a:cxn ang="0">
-                <a:pos x="connsiteX7" y="connsiteY7"/>
-              </a:cxn>
-            </a:cxnLst>
-            <a:rect l="l" t="t" r="r" b="b"/>
-            <a:pathLst>
-              <a:path w="7215401" h="2969304">
-                <a:moveTo>
-                  <a:pt x="0" y="0"/>
-                </a:moveTo>
-                <a:lnTo>
-                  <a:pt x="677334" y="0"/>
-                </a:lnTo>
-                <a:lnTo>
-                  <a:pt x="1168036" y="0"/>
-                </a:lnTo>
-                <a:lnTo>
-                  <a:pt x="1205499" y="0"/>
-                </a:lnTo>
-                <a:lnTo>
-                  <a:pt x="1647632" y="0"/>
-                </a:lnTo>
-                <a:lnTo>
-                  <a:pt x="7215401" y="0"/>
-                </a:lnTo>
-                <a:lnTo>
-                  <a:pt x="5840224" y="2969304"/>
-                </a:lnTo>
-                <a:lnTo>
-                  <a:pt x="0" y="2969304"/>
-                </a:lnTo>
-                <a:close/>
-              </a:path>
-            </a:pathLst>
-          </a:custGeom>
-        </p:spPr>
-      </p:pic>
-      <p:pic>
-        <p:nvPicPr>
-          <p:cNvPr id="12" name="Imagem 11" descr="Uma imagem contendo mesa, interior, de madeira, sentado&#10;&#10;Descrição gerada automaticamente">
-            <a:extLst>
-              <a:ext uri="{FF2B5EF4-FFF2-40B4-BE49-F238E27FC236}">
-                <a16:creationId xmlns:a16="http://schemas.microsoft.com/office/drawing/2014/main" id="{05EF5FD5-D98F-4345-AE38-20798C274C85}"/>
-              </a:ext>
-            </a:extLst>
-          </p:cNvPr>
-          <p:cNvPicPr>
-            <a:picLocks noChangeAspect="1"/>
-          </p:cNvPicPr>
-          <p:nvPr/>
-        </p:nvPicPr>
-        <p:blipFill rotWithShape="1">
-          <a:blip r:embed="rId3" cstate="print">
-            <a:extLst>
-              <a:ext uri="{28A0092B-C50C-407E-A947-70E740481C1C}">
-                <a14:useLocalDpi xmlns:a14="http://schemas.microsoft.com/office/drawing/2010/main" val="0"/>
-              </a:ext>
-            </a:extLst>
-          </a:blip>
-          <a:srcRect t="9810" r="-3" b="4659"/>
-          <a:stretch/>
-        </p:blipFill>
-        <p:spPr>
-          <a:xfrm>
-            <a:off x="5622233" y="10"/>
-            <a:ext cx="6569769" cy="3750724"/>
-          </a:xfrm>
-          <a:custGeom>
-            <a:avLst/>
-            <a:gdLst>
-              <a:gd name="connsiteX0" fmla="*/ 1738471 w 6569769"/>
-              <a:gd name="connsiteY0" fmla="*/ 0 h 3750734"/>
-              <a:gd name="connsiteX1" fmla="*/ 6569769 w 6569769"/>
-              <a:gd name="connsiteY1" fmla="*/ 0 h 3750734"/>
-              <a:gd name="connsiteX2" fmla="*/ 6569769 w 6569769"/>
-              <a:gd name="connsiteY2" fmla="*/ 3750734 h 3750734"/>
-              <a:gd name="connsiteX3" fmla="*/ 0 w 6569769"/>
-              <a:gd name="connsiteY3" fmla="*/ 3750734 h 3750734"/>
-            </a:gdLst>
-            <a:ahLst/>
-            <a:cxnLst>
-              <a:cxn ang="0">
-                <a:pos x="connsiteX0" y="connsiteY0"/>
-              </a:cxn>
-              <a:cxn ang="0">
-                <a:pos x="connsiteX1" y="connsiteY1"/>
-              </a:cxn>
-              <a:cxn ang="0">
-                <a:pos x="connsiteX2" y="connsiteY2"/>
-              </a:cxn>
-              <a:cxn ang="0">
-                <a:pos x="connsiteX3" y="connsiteY3"/>
-              </a:cxn>
-            </a:cxnLst>
-            <a:rect l="l" t="t" r="r" b="b"/>
-            <a:pathLst>
-              <a:path w="6569769" h="3750734">
-                <a:moveTo>
-                  <a:pt x="1738471" y="0"/>
-                </a:moveTo>
-                <a:lnTo>
-                  <a:pt x="6569769" y="0"/>
-                </a:lnTo>
-                <a:lnTo>
-                  <a:pt x="6569769" y="3750734"/>
-                </a:lnTo>
-                <a:lnTo>
-                  <a:pt x="0" y="3750734"/>
-                </a:lnTo>
-                <a:close/>
-              </a:path>
-            </a:pathLst>
-          </a:custGeom>
-        </p:spPr>
-      </p:pic>
-      <p:pic>
-        <p:nvPicPr>
-          <p:cNvPr id="10" name="Imagem 9" descr="Uma imagem contendo chão, mesa, de madeira&#10;&#10;Descrição gerada automaticamente">
-            <a:extLst>
-              <a:ext uri="{FF2B5EF4-FFF2-40B4-BE49-F238E27FC236}">
-                <a16:creationId xmlns:a16="http://schemas.microsoft.com/office/drawing/2014/main" id="{82CA1591-AB94-4749-9C08-F440145076D6}"/>
-              </a:ext>
-            </a:extLst>
-          </p:cNvPr>
-          <p:cNvPicPr>
-            <a:picLocks noChangeAspect="1"/>
-          </p:cNvPicPr>
-          <p:nvPr/>
-        </p:nvPicPr>
-        <p:blipFill rotWithShape="1">
-          <a:blip r:embed="rId4" cstate="print">
-            <a:extLst>
-              <a:ext uri="{28A0092B-C50C-407E-A947-70E740481C1C}">
-                <a14:useLocalDpi xmlns:a14="http://schemas.microsoft.com/office/drawing/2010/main" val="0"/>
-              </a:ext>
-            </a:extLst>
-          </a:blip>
-          <a:srcRect t="8308" b="36141"/>
-          <a:stretch/>
-        </p:blipFill>
-        <p:spPr>
-          <a:xfrm>
-            <a:off x="4182011" y="3887894"/>
-            <a:ext cx="8009991" cy="2970106"/>
-          </a:xfrm>
-          <a:custGeom>
-            <a:avLst/>
-            <a:gdLst>
-              <a:gd name="connsiteX0" fmla="*/ 1376648 w 8009991"/>
-              <a:gd name="connsiteY0" fmla="*/ 0 h 2970106"/>
-              <a:gd name="connsiteX1" fmla="*/ 8009991 w 8009991"/>
-              <a:gd name="connsiteY1" fmla="*/ 0 h 2970106"/>
-              <a:gd name="connsiteX2" fmla="*/ 8009991 w 8009991"/>
-              <a:gd name="connsiteY2" fmla="*/ 2970106 h 2970106"/>
-              <a:gd name="connsiteX3" fmla="*/ 0 w 8009991"/>
-              <a:gd name="connsiteY3" fmla="*/ 2970106 h 2970106"/>
-            </a:gdLst>
-            <a:ahLst/>
-            <a:cxnLst>
-              <a:cxn ang="0">
-                <a:pos x="connsiteX0" y="connsiteY0"/>
-              </a:cxn>
-              <a:cxn ang="0">
-                <a:pos x="connsiteX1" y="connsiteY1"/>
-              </a:cxn>
-              <a:cxn ang="0">
-                <a:pos x="connsiteX2" y="connsiteY2"/>
-              </a:cxn>
-              <a:cxn ang="0">
-                <a:pos x="connsiteX3" y="connsiteY3"/>
-              </a:cxn>
-            </a:cxnLst>
-            <a:rect l="l" t="t" r="r" b="b"/>
-            <a:pathLst>
-              <a:path w="8009991" h="2970106">
-                <a:moveTo>
-                  <a:pt x="1376648" y="0"/>
-                </a:moveTo>
-                <a:lnTo>
-                  <a:pt x="8009991" y="0"/>
-                </a:lnTo>
-                <a:lnTo>
-                  <a:pt x="8009991" y="2970106"/>
-                </a:lnTo>
-                <a:lnTo>
-                  <a:pt x="0" y="2970106"/>
-                </a:lnTo>
-                <a:close/>
-              </a:path>
-            </a:pathLst>
-          </a:custGeom>
-        </p:spPr>
-      </p:pic>
-      <p:pic>
-        <p:nvPicPr>
-          <p:cNvPr id="8" name="Imagem 7" descr="Uma imagem contendo pessoa, interior&#10;&#10;Descrição gerada automaticamente">
-            <a:extLst>
-              <a:ext uri="{FF2B5EF4-FFF2-40B4-BE49-F238E27FC236}">
-                <a16:creationId xmlns:a16="http://schemas.microsoft.com/office/drawing/2014/main" id="{4F13DEB4-A9BE-484E-8A50-19B9EB40CEF6}"/>
-              </a:ext>
-            </a:extLst>
-          </p:cNvPr>
-          <p:cNvPicPr>
-            <a:picLocks noChangeAspect="1"/>
-          </p:cNvPicPr>
-          <p:nvPr/>
-        </p:nvPicPr>
-        <p:blipFill rotWithShape="1">
-          <a:blip r:embed="rId5" cstate="print">
-            <a:extLst>
-              <a:ext uri="{28A0092B-C50C-407E-A947-70E740481C1C}">
-                <a14:useLocalDpi xmlns:a14="http://schemas.microsoft.com/office/drawing/2010/main" val="0"/>
-              </a:ext>
-            </a:extLst>
-          </a:blip>
-          <a:srcRect t="9490" r="1" b="1"/>
-          <a:stretch/>
-        </p:blipFill>
-        <p:spPr>
-          <a:xfrm>
-            <a:off x="1" y="3106464"/>
-            <a:ext cx="6209553" cy="3751536"/>
-          </a:xfrm>
-          <a:custGeom>
-            <a:avLst/>
-            <a:gdLst>
-              <a:gd name="connsiteX0" fmla="*/ 0 w 6209553"/>
-              <a:gd name="connsiteY0" fmla="*/ 0 h 3751536"/>
-              <a:gd name="connsiteX1" fmla="*/ 5776701 w 6209553"/>
-              <a:gd name="connsiteY1" fmla="*/ 0 h 3751536"/>
-              <a:gd name="connsiteX2" fmla="*/ 4041567 w 6209553"/>
-              <a:gd name="connsiteY2" fmla="*/ 3746529 h 3751536"/>
-              <a:gd name="connsiteX3" fmla="*/ 6209553 w 6209553"/>
-              <a:gd name="connsiteY3" fmla="*/ 3746529 h 3751536"/>
-              <a:gd name="connsiteX4" fmla="*/ 6209553 w 6209553"/>
-              <a:gd name="connsiteY4" fmla="*/ 3746530 h 3751536"/>
-              <a:gd name="connsiteX5" fmla="*/ 1647632 w 6209553"/>
-              <a:gd name="connsiteY5" fmla="*/ 3746530 h 3751536"/>
-              <a:gd name="connsiteX6" fmla="*/ 1647632 w 6209553"/>
-              <a:gd name="connsiteY6" fmla="*/ 3751536 h 3751536"/>
-              <a:gd name="connsiteX7" fmla="*/ 0 w 6209553"/>
-              <a:gd name="connsiteY7" fmla="*/ 3751536 h 3751536"/>
-            </a:gdLst>
-            <a:ahLst/>
-            <a:cxnLst>
-              <a:cxn ang="0">
-                <a:pos x="connsiteX0" y="connsiteY0"/>
-              </a:cxn>
-              <a:cxn ang="0">
-                <a:pos x="connsiteX1" y="connsiteY1"/>
-              </a:cxn>
-              <a:cxn ang="0">
-                <a:pos x="connsiteX2" y="connsiteY2"/>
-              </a:cxn>
-              <a:cxn ang="0">
-                <a:pos x="connsiteX3" y="connsiteY3"/>
-              </a:cxn>
-              <a:cxn ang="0">
-                <a:pos x="connsiteX4" y="connsiteY4"/>
-              </a:cxn>
-              <a:cxn ang="0">
-                <a:pos x="connsiteX5" y="connsiteY5"/>
-              </a:cxn>
-              <a:cxn ang="0">
-                <a:pos x="connsiteX6" y="connsiteY6"/>
-              </a:cxn>
-              <a:cxn ang="0">
-                <a:pos x="connsiteX7" y="connsiteY7"/>
-              </a:cxn>
-            </a:cxnLst>
-            <a:rect l="l" t="t" r="r" b="b"/>
-            <a:pathLst>
-              <a:path w="6209553" h="3751536">
-                <a:moveTo>
-                  <a:pt x="0" y="0"/>
-                </a:moveTo>
-                <a:lnTo>
-                  <a:pt x="5776701" y="0"/>
-                </a:lnTo>
-                <a:lnTo>
-                  <a:pt x="4041567" y="3746529"/>
-                </a:lnTo>
-                <a:lnTo>
-                  <a:pt x="6209553" y="3746529"/>
-                </a:lnTo>
-                <a:lnTo>
-                  <a:pt x="6209553" y="3746530"/>
-                </a:lnTo>
-                <a:lnTo>
-                  <a:pt x="1647632" y="3746530"/>
-                </a:lnTo>
-                <a:lnTo>
-                  <a:pt x="1647632" y="3751536"/>
-                </a:lnTo>
-                <a:lnTo>
-                  <a:pt x="0" y="3751536"/>
-                </a:lnTo>
-                <a:close/>
-              </a:path>
-            </a:pathLst>
-          </a:custGeom>
-        </p:spPr>
-      </p:pic>
-      <p:sp>
-        <p:nvSpPr>
-          <p:cNvPr id="15" name="Retângulo 14">
-            <a:extLst>
-              <a:ext uri="{FF2B5EF4-FFF2-40B4-BE49-F238E27FC236}">
-                <a16:creationId xmlns:a16="http://schemas.microsoft.com/office/drawing/2014/main" id="{8CBF1C33-7AB5-4678-8F59-E990711C2766}"/>
-              </a:ext>
-            </a:extLst>
-          </p:cNvPr>
-          <p:cNvSpPr/>
-          <p:nvPr/>
-        </p:nvSpPr>
-        <p:spPr>
-          <a:xfrm>
-            <a:off x="0" y="1"/>
-            <a:ext cx="12192000" cy="6858000"/>
-          </a:xfrm>
-          <a:prstGeom prst="rect">
-            <a:avLst/>
-          </a:prstGeom>
-          <a:solidFill>
-            <a:schemeClr val="tx1">
-              <a:alpha val="66000"/>
-            </a:schemeClr>
-          </a:solidFill>
-        </p:spPr>
-        <p:style>
-          <a:lnRef idx="2">
-            <a:schemeClr val="accent1">
-              <a:shade val="50000"/>
-            </a:schemeClr>
-          </a:lnRef>
-          <a:fillRef idx="1">
-            <a:schemeClr val="accent1"/>
-          </a:fillRef>
-          <a:effectRef idx="0">
-            <a:schemeClr val="accent1"/>
-          </a:effectRef>
-          <a:fontRef idx="minor">
-            <a:schemeClr val="lt1"/>
-          </a:fontRef>
-        </p:style>
-        <p:txBody>
-          <a:bodyPr rtlCol="0" anchor="ctr"/>
-          <a:lstStyle/>
-          <a:p>
-            <a:pPr algn="ctr"/>
-            <a:endParaRPr lang="pt-BR" dirty="0"/>
-          </a:p>
-        </p:txBody>
-      </p:sp>
-      <p:sp>
-        <p:nvSpPr>
-          <p:cNvPr id="2" name="Retângulo: Cantos Arredondados 1">
-            <a:extLst>
-              <a:ext uri="{FF2B5EF4-FFF2-40B4-BE49-F238E27FC236}">
-                <a16:creationId xmlns:a16="http://schemas.microsoft.com/office/drawing/2014/main" id="{95422585-27E9-4EDD-B183-4CD3C76140CF}"/>
-              </a:ext>
-            </a:extLst>
-          </p:cNvPr>
-          <p:cNvSpPr/>
-          <p:nvPr/>
-        </p:nvSpPr>
-        <p:spPr>
-          <a:xfrm>
-            <a:off x="1139686" y="13289"/>
-            <a:ext cx="9910942" cy="6835595"/>
-          </a:xfrm>
-          <a:prstGeom prst="roundRect">
-            <a:avLst>
-              <a:gd name="adj" fmla="val 11252"/>
-            </a:avLst>
-          </a:prstGeom>
-          <a:gradFill>
-            <a:gsLst>
-              <a:gs pos="0">
-                <a:schemeClr val="accent1">
-                  <a:lumMod val="75000"/>
-                </a:schemeClr>
-              </a:gs>
-              <a:gs pos="75000">
-                <a:schemeClr val="accent1">
-                  <a:lumMod val="50000"/>
-                </a:schemeClr>
-              </a:gs>
-            </a:gsLst>
-            <a:path path="circle">
-              <a:fillToRect l="50000" t="50000" r="50000" b="50000"/>
-            </a:path>
-          </a:gradFill>
-          <a:ln w="123825">
-            <a:gradFill>
-              <a:gsLst>
-                <a:gs pos="13000">
-                  <a:schemeClr val="accent4">
-                    <a:lumMod val="60000"/>
-                    <a:lumOff val="40000"/>
-                  </a:schemeClr>
-                </a:gs>
-                <a:gs pos="89381">
-                  <a:schemeClr val="accent4">
-                    <a:lumMod val="60000"/>
-                    <a:lumOff val="40000"/>
-                  </a:schemeClr>
-                </a:gs>
-              </a:gsLst>
-              <a:lin ang="5400000" scaled="1"/>
-            </a:gradFill>
-          </a:ln>
-          <a:effectLst/>
-          <a:scene3d>
-            <a:camera prst="orthographicFront"/>
-            <a:lightRig rig="threePt" dir="t"/>
-          </a:scene3d>
-          <a:sp3d>
-            <a:bevelT w="114300" prst="artDeco"/>
-          </a:sp3d>
-        </p:spPr>
-        <p:style>
-          <a:lnRef idx="2">
-            <a:schemeClr val="accent1">
-              <a:shade val="50000"/>
-            </a:schemeClr>
-          </a:lnRef>
-          <a:fillRef idx="1">
-            <a:schemeClr val="accent1"/>
-          </a:fillRef>
-          <a:effectRef idx="0">
-            <a:schemeClr val="accent1"/>
-          </a:effectRef>
-          <a:fontRef idx="minor">
-            <a:schemeClr val="lt1"/>
-          </a:fontRef>
-        </p:style>
-        <p:txBody>
-          <a:bodyPr rtlCol="0" anchor="ctr"/>
-          <a:lstStyle/>
-          <a:p>
-            <a:pPr algn="ctr"/>
-            <a:endParaRPr lang="pt-BR" dirty="0"/>
-          </a:p>
-        </p:txBody>
-      </p:sp>
-      <p:sp>
-        <p:nvSpPr>
-          <p:cNvPr id="41" name="Retângulo Arredondado 40"/>
-          <p:cNvSpPr/>
-          <p:nvPr/>
-        </p:nvSpPr>
-        <p:spPr>
-          <a:xfrm>
-            <a:off x="1987824" y="154021"/>
-            <a:ext cx="8375374" cy="895927"/>
-          </a:xfrm>
-          <a:prstGeom prst="roundRect">
-            <a:avLst>
-              <a:gd name="adj" fmla="val 44502"/>
-            </a:avLst>
-          </a:prstGeom>
-          <a:gradFill>
-            <a:gsLst>
-              <a:gs pos="13000">
-                <a:schemeClr val="accent4">
-                  <a:lumMod val="60000"/>
-                  <a:lumOff val="40000"/>
-                </a:schemeClr>
-              </a:gs>
-              <a:gs pos="89381">
-                <a:schemeClr val="accent4">
-                  <a:lumMod val="50000"/>
-                </a:schemeClr>
-              </a:gs>
-            </a:gsLst>
-            <a:lin ang="5400000" scaled="1"/>
-          </a:gradFill>
-          <a:ln>
-            <a:solidFill>
-              <a:srgbClr val="632D09"/>
-            </a:solidFill>
-          </a:ln>
-          <a:effectLst>
-            <a:innerShdw blurRad="114300">
-              <a:prstClr val="black"/>
-            </a:innerShdw>
-          </a:effectLst>
-        </p:spPr>
-        <p:style>
-          <a:lnRef idx="2">
-            <a:schemeClr val="accent1">
-              <a:shade val="50000"/>
-            </a:schemeClr>
-          </a:lnRef>
-          <a:fillRef idx="1">
-            <a:schemeClr val="accent1"/>
-          </a:fillRef>
-          <a:effectRef idx="0">
-            <a:schemeClr val="accent1"/>
-          </a:effectRef>
-          <a:fontRef idx="minor">
-            <a:schemeClr val="lt1"/>
-          </a:fontRef>
-        </p:style>
-        <p:txBody>
-          <a:bodyPr rtlCol="0" anchor="ctr"/>
-          <a:lstStyle/>
-          <a:p>
-            <a:pPr algn="ctr"/>
-            <a:endParaRPr lang="pt-BR"/>
-          </a:p>
-        </p:txBody>
-      </p:sp>
-      <p:sp>
-        <p:nvSpPr>
-          <p:cNvPr id="42" name="Retângulo 41">
-            <a:extLst>
-              <a:ext uri="{FF2B5EF4-FFF2-40B4-BE49-F238E27FC236}">
-                <a16:creationId xmlns:a16="http://schemas.microsoft.com/office/drawing/2014/main" id="{FC31F8A5-78DF-4EC7-A974-819F912A3AEB}"/>
-              </a:ext>
-            </a:extLst>
-          </p:cNvPr>
-          <p:cNvSpPr/>
-          <p:nvPr/>
-        </p:nvSpPr>
-        <p:spPr>
-          <a:xfrm>
-            <a:off x="4172424" y="10597"/>
-            <a:ext cx="4248855" cy="1107996"/>
-          </a:xfrm>
-          <a:prstGeom prst="rect">
-            <a:avLst/>
-          </a:prstGeom>
-          <a:noFill/>
-          <a:ln>
-            <a:noFill/>
-          </a:ln>
-        </p:spPr>
-        <p:txBody>
-          <a:bodyPr wrap="none" lIns="91440" tIns="45720" rIns="91440" bIns="45720">
-            <a:spAutoFit/>
-            <a:scene3d>
-              <a:camera prst="orthographicFront"/>
-              <a:lightRig rig="threePt" dir="t"/>
-            </a:scene3d>
-            <a:sp3d extrusionH="57150">
-              <a:bevelT w="38100" h="38100"/>
-            </a:sp3d>
-          </a:bodyPr>
-          <a:lstStyle/>
-          <a:p>
-            <a:pPr algn="ctr"/>
-            <a:r>
-              <a:rPr lang="pt-BR" sz="6600" b="1" dirty="0" smtClean="0">
-                <a:ln w="19050">
-                  <a:solidFill>
-                    <a:schemeClr val="tx1"/>
-                  </a:solidFill>
-                  <a:prstDash val="solid"/>
-                </a:ln>
-                <a:solidFill>
-                  <a:srgbClr val="FFFFFF"/>
-                </a:solidFill>
-                <a:effectLst>
-                  <a:outerShdw blurRad="50800" dist="38100" dir="5400000" algn="t" rotWithShape="0">
-                    <a:prstClr val="black">
-                      <a:alpha val="40000"/>
-                    </a:prstClr>
-                  </a:outerShdw>
-                </a:effectLst>
-              </a:rPr>
-              <a:t>Tecnologia</a:t>
-            </a:r>
-            <a:r>
-              <a:rPr lang="pt-BR" sz="6600" b="1" dirty="0">
-                <a:ln w="19050">
-                  <a:solidFill>
-                    <a:schemeClr val="tx1"/>
-                  </a:solidFill>
-                  <a:prstDash val="solid"/>
-                </a:ln>
-                <a:solidFill>
-                  <a:srgbClr val="FFFFFF"/>
-                </a:solidFill>
-                <a:effectLst>
-                  <a:outerShdw blurRad="50800" dist="38100" dir="5400000" algn="t" rotWithShape="0">
-                    <a:prstClr val="black">
-                      <a:alpha val="40000"/>
-                    </a:prstClr>
-                  </a:outerShdw>
-                </a:effectLst>
-              </a:rPr>
-              <a:t>s</a:t>
-            </a:r>
-            <a:endParaRPr lang="pt-BR" sz="6600" b="1" dirty="0" smtClean="0">
-              <a:ln w="19050">
-                <a:solidFill>
-                  <a:schemeClr val="tx1"/>
-                </a:solidFill>
-                <a:prstDash val="solid"/>
-              </a:ln>
-              <a:solidFill>
-                <a:srgbClr val="FFFFFF"/>
-              </a:solidFill>
-              <a:effectLst>
-                <a:outerShdw blurRad="50800" dist="38100" dir="5400000" algn="t" rotWithShape="0">
-                  <a:prstClr val="black">
-                    <a:alpha val="40000"/>
-                  </a:prstClr>
-                </a:outerShdw>
-              </a:effectLst>
-            </a:endParaRPr>
-          </a:p>
-        </p:txBody>
-      </p:sp>
-      <p:pic>
-        <p:nvPicPr>
-          <p:cNvPr id="43" name="Picture 12" descr="Imagem relacionada">
-            <a:extLst>
-              <a:ext uri="{FF2B5EF4-FFF2-40B4-BE49-F238E27FC236}">
-                <a16:creationId xmlns:a16="http://schemas.microsoft.com/office/drawing/2014/main" id="{26744707-BF06-4221-A39B-9EC73F83897E}"/>
-              </a:ext>
-            </a:extLst>
-          </p:cNvPr>
-          <p:cNvPicPr>
-            <a:picLocks noChangeAspect="1" noChangeArrowheads="1"/>
-          </p:cNvPicPr>
-          <p:nvPr/>
-        </p:nvPicPr>
-        <p:blipFill>
-          <a:blip r:embed="rId6" cstate="print">
-            <a:extLst>
-              <a:ext uri="{28A0092B-C50C-407E-A947-70E740481C1C}">
-                <a14:useLocalDpi xmlns:a14="http://schemas.microsoft.com/office/drawing/2010/main" val="0"/>
-              </a:ext>
-            </a:extLst>
-          </a:blip>
-          <a:srcRect/>
-          <a:stretch>
-            <a:fillRect/>
-          </a:stretch>
-        </p:blipFill>
-        <p:spPr bwMode="auto">
-          <a:xfrm>
-            <a:off x="9756813" y="318970"/>
-            <a:ext cx="535798" cy="566027"/>
-          </a:xfrm>
-          <a:prstGeom prst="rect">
-            <a:avLst/>
-          </a:prstGeom>
-          <a:noFill/>
-          <a:extLst>
-            <a:ext uri="{909E8E84-426E-40DD-AFC4-6F175D3DCCD1}">
-              <a14:hiddenFill xmlns:a14="http://schemas.microsoft.com/office/drawing/2010/main">
-                <a:solidFill>
-                  <a:srgbClr val="FFFFFF"/>
-                </a:solidFill>
-              </a14:hiddenFill>
-            </a:ext>
-          </a:extLst>
-        </p:spPr>
-      </p:pic>
-      <p:pic>
-        <p:nvPicPr>
-          <p:cNvPr id="44" name="Picture 12" descr="Imagem relacionada">
-            <a:extLst>
-              <a:ext uri="{FF2B5EF4-FFF2-40B4-BE49-F238E27FC236}">
-                <a16:creationId xmlns:a16="http://schemas.microsoft.com/office/drawing/2014/main" id="{26744707-BF06-4221-A39B-9EC73F83897E}"/>
-              </a:ext>
-            </a:extLst>
-          </p:cNvPr>
-          <p:cNvPicPr>
-            <a:picLocks noChangeAspect="1" noChangeArrowheads="1"/>
-          </p:cNvPicPr>
-          <p:nvPr/>
-        </p:nvPicPr>
-        <p:blipFill>
-          <a:blip r:embed="rId6" cstate="print">
-            <a:extLst>
-              <a:ext uri="{28A0092B-C50C-407E-A947-70E740481C1C}">
-                <a14:useLocalDpi xmlns:a14="http://schemas.microsoft.com/office/drawing/2010/main" val="0"/>
-              </a:ext>
-            </a:extLst>
-          </a:blip>
-          <a:srcRect/>
-          <a:stretch>
-            <a:fillRect/>
-          </a:stretch>
-        </p:blipFill>
-        <p:spPr bwMode="auto">
-          <a:xfrm>
-            <a:off x="2053302" y="299619"/>
-            <a:ext cx="535798" cy="566027"/>
-          </a:xfrm>
-          <a:prstGeom prst="rect">
-            <a:avLst/>
-          </a:prstGeom>
-          <a:noFill/>
-          <a:extLst>
-            <a:ext uri="{909E8E84-426E-40DD-AFC4-6F175D3DCCD1}">
-              <a14:hiddenFill xmlns:a14="http://schemas.microsoft.com/office/drawing/2010/main">
-                <a:solidFill>
-                  <a:srgbClr val="FFFFFF"/>
-                </a:solidFill>
-              </a14:hiddenFill>
-            </a:ext>
-          </a:extLst>
-        </p:spPr>
-      </p:pic>
-      <p:sp>
-        <p:nvSpPr>
-          <p:cNvPr id="25" name="Retângulo 24">
-            <a:extLst>
-              <a:ext uri="{FF2B5EF4-FFF2-40B4-BE49-F238E27FC236}">
-                <a16:creationId xmlns:a16="http://schemas.microsoft.com/office/drawing/2014/main" id="{6E026030-2D84-48A1-9CA0-DDC71776A48B}"/>
-              </a:ext>
-            </a:extLst>
-          </p:cNvPr>
-          <p:cNvSpPr/>
-          <p:nvPr/>
-        </p:nvSpPr>
-        <p:spPr>
-          <a:xfrm>
-            <a:off x="1" y="3156216"/>
-            <a:ext cx="1627614" cy="644270"/>
-          </a:xfrm>
-          <a:prstGeom prst="rect">
-            <a:avLst/>
-          </a:prstGeom>
-          <a:gradFill>
-            <a:gsLst>
-              <a:gs pos="13000">
-                <a:schemeClr val="accent4">
-                  <a:lumMod val="60000"/>
-                  <a:lumOff val="40000"/>
-                </a:schemeClr>
-              </a:gs>
-              <a:gs pos="89381">
-                <a:schemeClr val="accent4">
-                  <a:lumMod val="50000"/>
-                </a:schemeClr>
-              </a:gs>
-            </a:gsLst>
-            <a:lin ang="5400000" scaled="1"/>
-          </a:gradFill>
-          <a:ln>
-            <a:solidFill>
-              <a:srgbClr val="632D09"/>
-            </a:solidFill>
-          </a:ln>
-          <a:effectLst>
-            <a:innerShdw blurRad="114300">
-              <a:prstClr val="black"/>
-            </a:innerShdw>
-          </a:effectLst>
-        </p:spPr>
-        <p:style>
-          <a:lnRef idx="2">
-            <a:schemeClr val="accent1">
-              <a:shade val="50000"/>
-            </a:schemeClr>
-          </a:lnRef>
-          <a:fillRef idx="1">
-            <a:schemeClr val="accent1"/>
-          </a:fillRef>
-          <a:effectRef idx="0">
-            <a:schemeClr val="accent1"/>
-          </a:effectRef>
-          <a:fontRef idx="minor">
-            <a:schemeClr val="lt1"/>
-          </a:fontRef>
-        </p:style>
-        <p:txBody>
-          <a:bodyPr rtlCol="0" anchor="ctr"/>
-          <a:lstStyle/>
-          <a:p>
-            <a:pPr algn="ctr"/>
-            <a:endParaRPr lang="pt-BR" dirty="0"/>
-          </a:p>
-        </p:txBody>
-      </p:sp>
-      <p:sp>
-        <p:nvSpPr>
-          <p:cNvPr id="26" name="Retângulo 25">
-            <a:extLst>
-              <a:ext uri="{FF2B5EF4-FFF2-40B4-BE49-F238E27FC236}">
-                <a16:creationId xmlns:a16="http://schemas.microsoft.com/office/drawing/2014/main" id="{66EAEDDB-5C2E-44C0-8333-57FE5AC98957}"/>
-              </a:ext>
-            </a:extLst>
-          </p:cNvPr>
-          <p:cNvSpPr/>
-          <p:nvPr/>
-        </p:nvSpPr>
-        <p:spPr>
-          <a:xfrm>
-            <a:off x="10508974" y="3156216"/>
-            <a:ext cx="1678263" cy="644270"/>
-          </a:xfrm>
-          <a:prstGeom prst="rect">
-            <a:avLst/>
-          </a:prstGeom>
-          <a:gradFill>
-            <a:gsLst>
-              <a:gs pos="13000">
-                <a:schemeClr val="accent4">
-                  <a:lumMod val="60000"/>
-                  <a:lumOff val="40000"/>
-                </a:schemeClr>
-              </a:gs>
-              <a:gs pos="89381">
-                <a:schemeClr val="accent4">
-                  <a:lumMod val="50000"/>
-                </a:schemeClr>
-              </a:gs>
-            </a:gsLst>
-            <a:lin ang="5400000" scaled="1"/>
-          </a:gradFill>
-          <a:ln>
-            <a:solidFill>
-              <a:srgbClr val="632D09"/>
-            </a:solidFill>
-          </a:ln>
-          <a:effectLst>
-            <a:innerShdw blurRad="114300">
-              <a:prstClr val="black"/>
-            </a:innerShdw>
-          </a:effectLst>
-        </p:spPr>
-        <p:style>
-          <a:lnRef idx="2">
-            <a:schemeClr val="accent1">
-              <a:shade val="50000"/>
-            </a:schemeClr>
-          </a:lnRef>
-          <a:fillRef idx="1">
-            <a:schemeClr val="accent1"/>
-          </a:fillRef>
-          <a:effectRef idx="0">
-            <a:schemeClr val="accent1"/>
-          </a:effectRef>
-          <a:fontRef idx="minor">
-            <a:schemeClr val="lt1"/>
-          </a:fontRef>
-        </p:style>
-        <p:txBody>
-          <a:bodyPr rtlCol="0" anchor="ctr"/>
-          <a:lstStyle/>
-          <a:p>
-            <a:pPr algn="ctr"/>
-            <a:endParaRPr lang="pt-BR" dirty="0"/>
-          </a:p>
-        </p:txBody>
-      </p:sp>
-      <p:pic>
-        <p:nvPicPr>
-          <p:cNvPr id="27" name="Picture 12" descr="Imagem relacionada">
-            <a:extLst>
-              <a:ext uri="{FF2B5EF4-FFF2-40B4-BE49-F238E27FC236}">
-                <a16:creationId xmlns:a16="http://schemas.microsoft.com/office/drawing/2014/main" id="{1A49CB54-DE29-4AF7-A2BB-B92400E5381D}"/>
-              </a:ext>
-            </a:extLst>
-          </p:cNvPr>
-          <p:cNvPicPr>
-            <a:picLocks noChangeAspect="1" noChangeArrowheads="1"/>
-          </p:cNvPicPr>
-          <p:nvPr/>
-        </p:nvPicPr>
-        <p:blipFill>
-          <a:blip r:embed="rId6" cstate="print">
-            <a:extLst>
-              <a:ext uri="{28A0092B-C50C-407E-A947-70E740481C1C}">
-                <a14:useLocalDpi xmlns:a14="http://schemas.microsoft.com/office/drawing/2010/main" val="0"/>
-              </a:ext>
-            </a:extLst>
-          </a:blip>
-          <a:srcRect/>
-          <a:stretch>
-            <a:fillRect/>
-          </a:stretch>
-        </p:blipFill>
-        <p:spPr bwMode="auto">
-          <a:xfrm>
-            <a:off x="11156289" y="3184707"/>
-            <a:ext cx="535798" cy="566027"/>
-          </a:xfrm>
-          <a:prstGeom prst="rect">
-            <a:avLst/>
-          </a:prstGeom>
-          <a:noFill/>
-          <a:extLst>
-            <a:ext uri="{909E8E84-426E-40DD-AFC4-6F175D3DCCD1}">
-              <a14:hiddenFill xmlns:a14="http://schemas.microsoft.com/office/drawing/2010/main">
-                <a:solidFill>
-                  <a:srgbClr val="FFFFFF"/>
-                </a:solidFill>
-              </a14:hiddenFill>
-            </a:ext>
-          </a:extLst>
-        </p:spPr>
-      </p:pic>
-      <p:pic>
-        <p:nvPicPr>
-          <p:cNvPr id="28" name="Picture 12" descr="Imagem relacionada">
-            <a:extLst>
-              <a:ext uri="{FF2B5EF4-FFF2-40B4-BE49-F238E27FC236}">
-                <a16:creationId xmlns:a16="http://schemas.microsoft.com/office/drawing/2014/main" id="{544B1FB8-2DC9-4002-91E9-9E8B99605A45}"/>
-              </a:ext>
-            </a:extLst>
-          </p:cNvPr>
-          <p:cNvPicPr>
-            <a:picLocks noChangeAspect="1" noChangeArrowheads="1"/>
-          </p:cNvPicPr>
-          <p:nvPr/>
-        </p:nvPicPr>
-        <p:blipFill>
-          <a:blip r:embed="rId6" cstate="print">
-            <a:extLst>
-              <a:ext uri="{28A0092B-C50C-407E-A947-70E740481C1C}">
-                <a14:useLocalDpi xmlns:a14="http://schemas.microsoft.com/office/drawing/2010/main" val="0"/>
-              </a:ext>
-            </a:extLst>
-          </a:blip>
-          <a:srcRect/>
-          <a:stretch>
-            <a:fillRect/>
-          </a:stretch>
-        </p:blipFill>
-        <p:spPr bwMode="auto">
-          <a:xfrm>
-            <a:off x="564238" y="3209393"/>
-            <a:ext cx="535798" cy="566027"/>
-          </a:xfrm>
-          <a:prstGeom prst="rect">
-            <a:avLst/>
-          </a:prstGeom>
-          <a:noFill/>
-          <a:extLst>
-            <a:ext uri="{909E8E84-426E-40DD-AFC4-6F175D3DCCD1}">
-              <a14:hiddenFill xmlns:a14="http://schemas.microsoft.com/office/drawing/2010/main">
-                <a:solidFill>
-                  <a:srgbClr val="FFFFFF"/>
-                </a:solidFill>
-              </a14:hiddenFill>
-            </a:ext>
-          </a:extLst>
-        </p:spPr>
-      </p:pic>
-      <p:pic>
-        <p:nvPicPr>
-          <p:cNvPr id="6" name="Imagem 5"/>
-          <p:cNvPicPr>
-            <a:picLocks noChangeAspect="1"/>
-          </p:cNvPicPr>
-          <p:nvPr/>
-        </p:nvPicPr>
-        <p:blipFill>
-          <a:blip r:embed="rId7" cstate="hqprint">
-            <a:extLst>
-              <a:ext uri="{28A0092B-C50C-407E-A947-70E740481C1C}">
-                <a14:useLocalDpi xmlns:a14="http://schemas.microsoft.com/office/drawing/2010/main" val="0"/>
-              </a:ext>
-            </a:extLst>
-          </a:blip>
-          <a:stretch>
-            <a:fillRect/>
-          </a:stretch>
-        </p:blipFill>
-        <p:spPr>
-          <a:xfrm>
-            <a:off x="9068390" y="1156328"/>
-            <a:ext cx="1376845" cy="1841068"/>
+            <a:off x="6980198" y="1527729"/>
+            <a:ext cx="913271" cy="1248566"/>
           </a:xfrm>
           <a:prstGeom prst="rect">
             <a:avLst/>
@@ -7598,8 +6498,8 @@
         </p:blipFill>
         <p:spPr>
           <a:xfrm>
-            <a:off x="1266648" y="1185360"/>
-            <a:ext cx="1920953" cy="1864914"/>
+            <a:off x="2623704" y="1537203"/>
+            <a:ext cx="1324829" cy="1247420"/>
           </a:xfrm>
           <a:prstGeom prst="rect">
             <a:avLst/>
@@ -7628,8 +6528,8 @@
         </p:blipFill>
         <p:spPr>
           <a:xfrm>
-            <a:off x="6640972" y="1473294"/>
-            <a:ext cx="1613063" cy="1563431"/>
+            <a:off x="8235639" y="1699695"/>
+            <a:ext cx="1094630" cy="1085151"/>
           </a:xfrm>
           <a:prstGeom prst="rect">
             <a:avLst/>
@@ -7658,8 +6558,8 @@
         </p:blipFill>
         <p:spPr>
           <a:xfrm>
-            <a:off x="3720523" y="1485218"/>
-            <a:ext cx="1600452" cy="1491567"/>
+            <a:off x="4150275" y="1678075"/>
+            <a:ext cx="1025068" cy="1090396"/>
           </a:xfrm>
           <a:prstGeom prst="rect">
             <a:avLst/>
@@ -7688,8 +6588,8 @@
         </p:blipFill>
         <p:spPr>
           <a:xfrm>
-            <a:off x="6412381" y="4910031"/>
-            <a:ext cx="1718791" cy="1718791"/>
+            <a:off x="7893469" y="3250088"/>
+            <a:ext cx="1001291" cy="1001291"/>
           </a:xfrm>
           <a:prstGeom prst="rect">
             <a:avLst/>
@@ -7718,38 +6618,8 @@
         </p:blipFill>
         <p:spPr>
           <a:xfrm>
-            <a:off x="7677926" y="2910149"/>
-            <a:ext cx="1896106" cy="1896106"/>
-          </a:xfrm>
-          <a:prstGeom prst="rect">
-            <a:avLst/>
-          </a:prstGeom>
-        </p:spPr>
-      </p:pic>
-      <p:pic>
-        <p:nvPicPr>
-          <p:cNvPr id="35" name="Imagem 34"/>
-          <p:cNvPicPr>
-            <a:picLocks noChangeAspect="1"/>
-          </p:cNvPicPr>
-          <p:nvPr/>
-        </p:nvPicPr>
-        <p:blipFill>
-          <a:blip r:embed="rId13">
-            <a:extLst>
-              <a:ext uri="{28A0092B-C50C-407E-A947-70E740481C1C}">
-                <a14:useLocalDpi xmlns:a14="http://schemas.microsoft.com/office/drawing/2010/main" val="0"/>
-              </a:ext>
-            </a:extLst>
-          </a:blip>
-          <a:stretch>
-            <a:fillRect/>
-          </a:stretch>
-        </p:blipFill>
-        <p:spPr>
-          <a:xfrm>
-            <a:off x="8934304" y="4897900"/>
-            <a:ext cx="1574670" cy="1463493"/>
+            <a:off x="5492863" y="1580124"/>
+            <a:ext cx="1256378" cy="1256378"/>
           </a:xfrm>
           <a:prstGeom prst="rect">
             <a:avLst/>
@@ -7765,7 +6635,7 @@
           <p:nvPr/>
         </p:nvPicPr>
         <p:blipFill>
-          <a:blip r:embed="rId14" cstate="hqprint">
+          <a:blip r:embed="rId13" cstate="hqprint">
             <a:extLst>
               <a:ext uri="{28A0092B-C50C-407E-A947-70E740481C1C}">
                 <a14:useLocalDpi xmlns:a14="http://schemas.microsoft.com/office/drawing/2010/main" val="0"/>
@@ -7778,8 +6648,8 @@
         </p:blipFill>
         <p:spPr>
           <a:xfrm>
-            <a:off x="4052241" y="4897900"/>
-            <a:ext cx="1505818" cy="1499958"/>
+            <a:off x="6527793" y="3190430"/>
+            <a:ext cx="985272" cy="981438"/>
           </a:xfrm>
           <a:prstGeom prst="rect">
             <a:avLst/>
@@ -7795,7 +6665,7 @@
           <p:nvPr/>
         </p:nvPicPr>
         <p:blipFill>
-          <a:blip r:embed="rId15">
+          <a:blip r:embed="rId14" cstate="hqprint">
             <a:extLst>
               <a:ext uri="{28A0092B-C50C-407E-A947-70E740481C1C}">
                 <a14:useLocalDpi xmlns:a14="http://schemas.microsoft.com/office/drawing/2010/main" val="0"/>
@@ -7808,8 +6678,8 @@
         </p:blipFill>
         <p:spPr>
           <a:xfrm>
-            <a:off x="1395162" y="4800143"/>
-            <a:ext cx="1694605" cy="1694605"/>
+            <a:off x="2012538" y="3106463"/>
+            <a:ext cx="1023842" cy="1023842"/>
           </a:xfrm>
           <a:prstGeom prst="rect">
             <a:avLst/>
@@ -7825,7 +6695,7 @@
           <p:nvPr/>
         </p:nvPicPr>
         <p:blipFill>
-          <a:blip r:embed="rId16">
+          <a:blip r:embed="rId15">
             <a:extLst>
               <a:ext uri="{28A0092B-C50C-407E-A947-70E740481C1C}">
                 <a14:useLocalDpi xmlns:a14="http://schemas.microsoft.com/office/drawing/2010/main" val="0"/>
@@ -7838,8 +6708,8 @@
         </p:blipFill>
         <p:spPr>
           <a:xfrm>
-            <a:off x="2617528" y="3241876"/>
-            <a:ext cx="1667880" cy="1667880"/>
+            <a:off x="3465440" y="3119824"/>
+            <a:ext cx="1069333" cy="1069333"/>
           </a:xfrm>
           <a:prstGeom prst="rect">
             <a:avLst/>
@@ -7855,7 +6725,7 @@
           <p:nvPr/>
         </p:nvPicPr>
         <p:blipFill>
-          <a:blip r:embed="rId17">
+          <a:blip r:embed="rId16">
             <a:extLst>
               <a:ext uri="{28A0092B-C50C-407E-A947-70E740481C1C}">
                 <a14:useLocalDpi xmlns:a14="http://schemas.microsoft.com/office/drawing/2010/main" val="0"/>
@@ -7868,8 +6738,207 @@
         </p:blipFill>
         <p:spPr>
           <a:xfrm>
-            <a:off x="5141183" y="2940811"/>
-            <a:ext cx="1722388" cy="1722388"/>
+            <a:off x="4963833" y="3004437"/>
+            <a:ext cx="1138591" cy="1138591"/>
+          </a:xfrm>
+          <a:prstGeom prst="rect">
+            <a:avLst/>
+          </a:prstGeom>
+        </p:spPr>
+      </p:pic>
+      <p:sp>
+        <p:nvSpPr>
+          <p:cNvPr id="4" name="CaixaDeTexto 3"/>
+          <p:cNvSpPr txBox="1"/>
+          <p:nvPr/>
+        </p:nvSpPr>
+        <p:spPr>
+          <a:xfrm>
+            <a:off x="1828800" y="1155468"/>
+            <a:ext cx="1896499" cy="369332"/>
+          </a:xfrm>
+          <a:prstGeom prst="rect">
+            <a:avLst/>
+          </a:prstGeom>
+          <a:noFill/>
+        </p:spPr>
+        <p:txBody>
+          <a:bodyPr wrap="square" rtlCol="0">
+            <a:spAutoFit/>
+          </a:bodyPr>
+          <a:lstStyle/>
+          <a:p>
+            <a:r>
+              <a:rPr lang="pt-BR" dirty="0" smtClean="0">
+                <a:solidFill>
+                  <a:srgbClr val="E2C560"/>
+                </a:solidFill>
+              </a:rPr>
+              <a:t>Tecnologias:</a:t>
+            </a:r>
+            <a:endParaRPr lang="pt-BR" dirty="0"/>
+          </a:p>
+        </p:txBody>
+      </p:sp>
+      <p:sp>
+        <p:nvSpPr>
+          <p:cNvPr id="30" name="CaixaDeTexto 29"/>
+          <p:cNvSpPr txBox="1"/>
+          <p:nvPr/>
+        </p:nvSpPr>
+        <p:spPr>
+          <a:xfrm>
+            <a:off x="1652739" y="4489406"/>
+            <a:ext cx="1896499" cy="369332"/>
+          </a:xfrm>
+          <a:prstGeom prst="rect">
+            <a:avLst/>
+          </a:prstGeom>
+          <a:noFill/>
+        </p:spPr>
+        <p:txBody>
+          <a:bodyPr wrap="square" rtlCol="0">
+            <a:spAutoFit/>
+          </a:bodyPr>
+          <a:lstStyle/>
+          <a:p>
+            <a:r>
+              <a:rPr lang="pt-BR" dirty="0" smtClean="0">
+                <a:solidFill>
+                  <a:srgbClr val="E2C560"/>
+                </a:solidFill>
+              </a:rPr>
+              <a:t>Metodologia: </a:t>
+            </a:r>
+            <a:endParaRPr lang="pt-BR" dirty="0"/>
+          </a:p>
+        </p:txBody>
+      </p:sp>
+      <p:sp>
+        <p:nvSpPr>
+          <p:cNvPr id="31" name="CaixaDeTexto 30"/>
+          <p:cNvSpPr txBox="1"/>
+          <p:nvPr/>
+        </p:nvSpPr>
+        <p:spPr>
+          <a:xfrm>
+            <a:off x="1673558" y="4893871"/>
+            <a:ext cx="7967684" cy="1785104"/>
+          </a:xfrm>
+          <a:prstGeom prst="rect">
+            <a:avLst/>
+          </a:prstGeom>
+          <a:noFill/>
+        </p:spPr>
+        <p:txBody>
+          <a:bodyPr wrap="square" rtlCol="0">
+            <a:spAutoFit/>
+          </a:bodyPr>
+          <a:lstStyle/>
+          <a:p>
+            <a:r>
+              <a:rPr lang="pt-BR" sz="1500" dirty="0" smtClean="0">
+                <a:solidFill>
+                  <a:srgbClr val="E2C560"/>
+                </a:solidFill>
+              </a:rPr>
+              <a:t>- </a:t>
+            </a:r>
+            <a:r>
+              <a:rPr lang="pt-BR" sz="2000" dirty="0" smtClean="0">
+                <a:solidFill>
+                  <a:srgbClr val="E2C560"/>
+                </a:solidFill>
+              </a:rPr>
+              <a:t>A </a:t>
+            </a:r>
+            <a:r>
+              <a:rPr lang="pt-BR" sz="2000" dirty="0" smtClean="0">
+                <a:solidFill>
+                  <a:srgbClr val="E2C560"/>
+                </a:solidFill>
+              </a:rPr>
+              <a:t>metodologia utilizada no Desenvolvimento do Sistema </a:t>
+            </a:r>
+            <a:r>
+              <a:rPr lang="pt-BR" sz="2000" dirty="0">
+                <a:solidFill>
+                  <a:srgbClr val="E2C560"/>
+                </a:solidFill>
+              </a:rPr>
+              <a:t>Ferragens e Acessórios André Medeiros Ltda</a:t>
+            </a:r>
+            <a:r>
+              <a:rPr lang="pt-BR" sz="2000" dirty="0" smtClean="0">
+                <a:solidFill>
+                  <a:srgbClr val="E2C560"/>
+                </a:solidFill>
+              </a:rPr>
+              <a:t>. foi em cascata, na qual o plano segue uma série de passos ordenados </a:t>
+            </a:r>
+            <a:r>
+              <a:rPr lang="pt-BR" sz="2000" dirty="0" smtClean="0">
+                <a:solidFill>
+                  <a:srgbClr val="E2C560"/>
+                </a:solidFill>
+              </a:rPr>
+              <a:t>como o levantamento </a:t>
+            </a:r>
+            <a:r>
+              <a:rPr lang="pt-BR" sz="2000" dirty="0" smtClean="0">
+                <a:solidFill>
+                  <a:srgbClr val="E2C560"/>
+                </a:solidFill>
+              </a:rPr>
+              <a:t>de requisitos, concepção, modelagem, codificação e </a:t>
+            </a:r>
+            <a:r>
+              <a:rPr lang="pt-BR" sz="2000" dirty="0" smtClean="0">
+                <a:solidFill>
+                  <a:srgbClr val="E2C560"/>
+                </a:solidFill>
+              </a:rPr>
+              <a:t>testes.</a:t>
+            </a:r>
+            <a:endParaRPr lang="pt-BR" sz="2000" dirty="0">
+              <a:solidFill>
+                <a:srgbClr val="E2C560"/>
+              </a:solidFill>
+            </a:endParaRPr>
+          </a:p>
+          <a:p>
+            <a:endParaRPr lang="pt-BR" sz="3000" dirty="0">
+              <a:solidFill>
+                <a:srgbClr val="E2C560"/>
+              </a:solidFill>
+            </a:endParaRPr>
+          </a:p>
+        </p:txBody>
+      </p:sp>
+      <p:pic>
+        <p:nvPicPr>
+          <p:cNvPr id="9" name="Imagem 8"/>
+          <p:cNvPicPr>
+            <a:picLocks noChangeAspect="1"/>
+          </p:cNvPicPr>
+          <p:nvPr/>
+        </p:nvPicPr>
+        <p:blipFill>
+          <a:blip r:embed="rId17" cstate="hqprint">
+            <a:extLst>
+              <a:ext uri="{28A0092B-C50C-407E-A947-70E740481C1C}">
+                <a14:useLocalDpi xmlns:a14="http://schemas.microsoft.com/office/drawing/2010/main" val="0"/>
+              </a:ext>
+            </a:extLst>
+          </a:blip>
+          <a:stretch>
+            <a:fillRect/>
+          </a:stretch>
+        </p:blipFill>
+        <p:spPr>
+          <a:xfrm>
+            <a:off x="9281738" y="3191961"/>
+            <a:ext cx="950149" cy="950149"/>
           </a:xfrm>
           <a:prstGeom prst="rect">
             <a:avLst/>
@@ -7899,1047 +6968,7 @@
 </p:sld>
 </file>
 
-<file path=ppt/slides/slide12.xml><?xml version="1.0" encoding="utf-8"?>
-<p:sld xmlns:a="http://schemas.openxmlformats.org/drawingml/2006/main" xmlns:r="http://schemas.openxmlformats.org/officeDocument/2006/relationships" xmlns:p="http://schemas.openxmlformats.org/presentationml/2006/main">
-  <p:cSld>
-    <p:spTree>
-      <p:nvGrpSpPr>
-        <p:cNvPr id="1" name=""/>
-        <p:cNvGrpSpPr/>
-        <p:nvPr/>
-      </p:nvGrpSpPr>
-      <p:grpSpPr>
-        <a:xfrm>
-          <a:off x="0" y="0"/>
-          <a:ext cx="0" cy="0"/>
-          <a:chOff x="0" y="0"/>
-          <a:chExt cx="0" cy="0"/>
-        </a:xfrm>
-      </p:grpSpPr>
-      <p:pic>
-        <p:nvPicPr>
-          <p:cNvPr id="5" name="Imagem 4">
-            <a:extLst>
-              <a:ext uri="{FF2B5EF4-FFF2-40B4-BE49-F238E27FC236}">
-                <a16:creationId xmlns:a16="http://schemas.microsoft.com/office/drawing/2014/main" id="{F454D47A-AFC7-4E87-AA86-8927748493C0}"/>
-              </a:ext>
-            </a:extLst>
-          </p:cNvPr>
-          <p:cNvPicPr>
-            <a:picLocks noChangeAspect="1"/>
-          </p:cNvPicPr>
-          <p:nvPr/>
-        </p:nvPicPr>
-        <p:blipFill rotWithShape="1">
-          <a:blip r:embed="rId2" cstate="print">
-            <a:extLst>
-              <a:ext uri="{28A0092B-C50C-407E-A947-70E740481C1C}">
-                <a14:useLocalDpi xmlns:a14="http://schemas.microsoft.com/office/drawing/2010/main" val="0"/>
-              </a:ext>
-            </a:extLst>
-          </a:blip>
-          <a:srcRect t="4843" r="-3" b="33505"/>
-          <a:stretch/>
-        </p:blipFill>
-        <p:spPr>
-          <a:xfrm>
-            <a:off x="20" y="10"/>
-            <a:ext cx="7215381" cy="2969294"/>
-          </a:xfrm>
-          <a:custGeom>
-            <a:avLst/>
-            <a:gdLst>
-              <a:gd name="connsiteX0" fmla="*/ 0 w 7215401"/>
-              <a:gd name="connsiteY0" fmla="*/ 0 h 2969304"/>
-              <a:gd name="connsiteX1" fmla="*/ 677334 w 7215401"/>
-              <a:gd name="connsiteY1" fmla="*/ 0 h 2969304"/>
-              <a:gd name="connsiteX2" fmla="*/ 1168036 w 7215401"/>
-              <a:gd name="connsiteY2" fmla="*/ 0 h 2969304"/>
-              <a:gd name="connsiteX3" fmla="*/ 1205499 w 7215401"/>
-              <a:gd name="connsiteY3" fmla="*/ 0 h 2969304"/>
-              <a:gd name="connsiteX4" fmla="*/ 1647632 w 7215401"/>
-              <a:gd name="connsiteY4" fmla="*/ 0 h 2969304"/>
-              <a:gd name="connsiteX5" fmla="*/ 7215401 w 7215401"/>
-              <a:gd name="connsiteY5" fmla="*/ 0 h 2969304"/>
-              <a:gd name="connsiteX6" fmla="*/ 5840224 w 7215401"/>
-              <a:gd name="connsiteY6" fmla="*/ 2969304 h 2969304"/>
-              <a:gd name="connsiteX7" fmla="*/ 0 w 7215401"/>
-              <a:gd name="connsiteY7" fmla="*/ 2969304 h 2969304"/>
-            </a:gdLst>
-            <a:ahLst/>
-            <a:cxnLst>
-              <a:cxn ang="0">
-                <a:pos x="connsiteX0" y="connsiteY0"/>
-              </a:cxn>
-              <a:cxn ang="0">
-                <a:pos x="connsiteX1" y="connsiteY1"/>
-              </a:cxn>
-              <a:cxn ang="0">
-                <a:pos x="connsiteX2" y="connsiteY2"/>
-              </a:cxn>
-              <a:cxn ang="0">
-                <a:pos x="connsiteX3" y="connsiteY3"/>
-              </a:cxn>
-              <a:cxn ang="0">
-                <a:pos x="connsiteX4" y="connsiteY4"/>
-              </a:cxn>
-              <a:cxn ang="0">
-                <a:pos x="connsiteX5" y="connsiteY5"/>
-              </a:cxn>
-              <a:cxn ang="0">
-                <a:pos x="connsiteX6" y="connsiteY6"/>
-              </a:cxn>
-              <a:cxn ang="0">
-                <a:pos x="connsiteX7" y="connsiteY7"/>
-              </a:cxn>
-            </a:cxnLst>
-            <a:rect l="l" t="t" r="r" b="b"/>
-            <a:pathLst>
-              <a:path w="7215401" h="2969304">
-                <a:moveTo>
-                  <a:pt x="0" y="0"/>
-                </a:moveTo>
-                <a:lnTo>
-                  <a:pt x="677334" y="0"/>
-                </a:lnTo>
-                <a:lnTo>
-                  <a:pt x="1168036" y="0"/>
-                </a:lnTo>
-                <a:lnTo>
-                  <a:pt x="1205499" y="0"/>
-                </a:lnTo>
-                <a:lnTo>
-                  <a:pt x="1647632" y="0"/>
-                </a:lnTo>
-                <a:lnTo>
-                  <a:pt x="7215401" y="0"/>
-                </a:lnTo>
-                <a:lnTo>
-                  <a:pt x="5840224" y="2969304"/>
-                </a:lnTo>
-                <a:lnTo>
-                  <a:pt x="0" y="2969304"/>
-                </a:lnTo>
-                <a:close/>
-              </a:path>
-            </a:pathLst>
-          </a:custGeom>
-        </p:spPr>
-      </p:pic>
-      <p:pic>
-        <p:nvPicPr>
-          <p:cNvPr id="12" name="Imagem 11" descr="Uma imagem contendo mesa, interior, de madeira, sentado&#10;&#10;Descrição gerada automaticamente">
-            <a:extLst>
-              <a:ext uri="{FF2B5EF4-FFF2-40B4-BE49-F238E27FC236}">
-                <a16:creationId xmlns:a16="http://schemas.microsoft.com/office/drawing/2014/main" id="{05EF5FD5-D98F-4345-AE38-20798C274C85}"/>
-              </a:ext>
-            </a:extLst>
-          </p:cNvPr>
-          <p:cNvPicPr>
-            <a:picLocks noChangeAspect="1"/>
-          </p:cNvPicPr>
-          <p:nvPr/>
-        </p:nvPicPr>
-        <p:blipFill rotWithShape="1">
-          <a:blip r:embed="rId3" cstate="print">
-            <a:extLst>
-              <a:ext uri="{28A0092B-C50C-407E-A947-70E740481C1C}">
-                <a14:useLocalDpi xmlns:a14="http://schemas.microsoft.com/office/drawing/2010/main" val="0"/>
-              </a:ext>
-            </a:extLst>
-          </a:blip>
-          <a:srcRect t="9810" r="-3" b="4659"/>
-          <a:stretch/>
-        </p:blipFill>
-        <p:spPr>
-          <a:xfrm>
-            <a:off x="5622233" y="10"/>
-            <a:ext cx="6569769" cy="3750724"/>
-          </a:xfrm>
-          <a:custGeom>
-            <a:avLst/>
-            <a:gdLst>
-              <a:gd name="connsiteX0" fmla="*/ 1738471 w 6569769"/>
-              <a:gd name="connsiteY0" fmla="*/ 0 h 3750734"/>
-              <a:gd name="connsiteX1" fmla="*/ 6569769 w 6569769"/>
-              <a:gd name="connsiteY1" fmla="*/ 0 h 3750734"/>
-              <a:gd name="connsiteX2" fmla="*/ 6569769 w 6569769"/>
-              <a:gd name="connsiteY2" fmla="*/ 3750734 h 3750734"/>
-              <a:gd name="connsiteX3" fmla="*/ 0 w 6569769"/>
-              <a:gd name="connsiteY3" fmla="*/ 3750734 h 3750734"/>
-            </a:gdLst>
-            <a:ahLst/>
-            <a:cxnLst>
-              <a:cxn ang="0">
-                <a:pos x="connsiteX0" y="connsiteY0"/>
-              </a:cxn>
-              <a:cxn ang="0">
-                <a:pos x="connsiteX1" y="connsiteY1"/>
-              </a:cxn>
-              <a:cxn ang="0">
-                <a:pos x="connsiteX2" y="connsiteY2"/>
-              </a:cxn>
-              <a:cxn ang="0">
-                <a:pos x="connsiteX3" y="connsiteY3"/>
-              </a:cxn>
-            </a:cxnLst>
-            <a:rect l="l" t="t" r="r" b="b"/>
-            <a:pathLst>
-              <a:path w="6569769" h="3750734">
-                <a:moveTo>
-                  <a:pt x="1738471" y="0"/>
-                </a:moveTo>
-                <a:lnTo>
-                  <a:pt x="6569769" y="0"/>
-                </a:lnTo>
-                <a:lnTo>
-                  <a:pt x="6569769" y="3750734"/>
-                </a:lnTo>
-                <a:lnTo>
-                  <a:pt x="0" y="3750734"/>
-                </a:lnTo>
-                <a:close/>
-              </a:path>
-            </a:pathLst>
-          </a:custGeom>
-        </p:spPr>
-      </p:pic>
-      <p:pic>
-        <p:nvPicPr>
-          <p:cNvPr id="10" name="Imagem 9" descr="Uma imagem contendo chão, mesa, de madeira&#10;&#10;Descrição gerada automaticamente">
-            <a:extLst>
-              <a:ext uri="{FF2B5EF4-FFF2-40B4-BE49-F238E27FC236}">
-                <a16:creationId xmlns:a16="http://schemas.microsoft.com/office/drawing/2014/main" id="{82CA1591-AB94-4749-9C08-F440145076D6}"/>
-              </a:ext>
-            </a:extLst>
-          </p:cNvPr>
-          <p:cNvPicPr>
-            <a:picLocks noChangeAspect="1"/>
-          </p:cNvPicPr>
-          <p:nvPr/>
-        </p:nvPicPr>
-        <p:blipFill rotWithShape="1">
-          <a:blip r:embed="rId4" cstate="print">
-            <a:extLst>
-              <a:ext uri="{28A0092B-C50C-407E-A947-70E740481C1C}">
-                <a14:useLocalDpi xmlns:a14="http://schemas.microsoft.com/office/drawing/2010/main" val="0"/>
-              </a:ext>
-            </a:extLst>
-          </a:blip>
-          <a:srcRect t="8308" b="36141"/>
-          <a:stretch/>
-        </p:blipFill>
-        <p:spPr>
-          <a:xfrm>
-            <a:off x="4182011" y="3887894"/>
-            <a:ext cx="8009991" cy="2970106"/>
-          </a:xfrm>
-          <a:custGeom>
-            <a:avLst/>
-            <a:gdLst>
-              <a:gd name="connsiteX0" fmla="*/ 1376648 w 8009991"/>
-              <a:gd name="connsiteY0" fmla="*/ 0 h 2970106"/>
-              <a:gd name="connsiteX1" fmla="*/ 8009991 w 8009991"/>
-              <a:gd name="connsiteY1" fmla="*/ 0 h 2970106"/>
-              <a:gd name="connsiteX2" fmla="*/ 8009991 w 8009991"/>
-              <a:gd name="connsiteY2" fmla="*/ 2970106 h 2970106"/>
-              <a:gd name="connsiteX3" fmla="*/ 0 w 8009991"/>
-              <a:gd name="connsiteY3" fmla="*/ 2970106 h 2970106"/>
-            </a:gdLst>
-            <a:ahLst/>
-            <a:cxnLst>
-              <a:cxn ang="0">
-                <a:pos x="connsiteX0" y="connsiteY0"/>
-              </a:cxn>
-              <a:cxn ang="0">
-                <a:pos x="connsiteX1" y="connsiteY1"/>
-              </a:cxn>
-              <a:cxn ang="0">
-                <a:pos x="connsiteX2" y="connsiteY2"/>
-              </a:cxn>
-              <a:cxn ang="0">
-                <a:pos x="connsiteX3" y="connsiteY3"/>
-              </a:cxn>
-            </a:cxnLst>
-            <a:rect l="l" t="t" r="r" b="b"/>
-            <a:pathLst>
-              <a:path w="8009991" h="2970106">
-                <a:moveTo>
-                  <a:pt x="1376648" y="0"/>
-                </a:moveTo>
-                <a:lnTo>
-                  <a:pt x="8009991" y="0"/>
-                </a:lnTo>
-                <a:lnTo>
-                  <a:pt x="8009991" y="2970106"/>
-                </a:lnTo>
-                <a:lnTo>
-                  <a:pt x="0" y="2970106"/>
-                </a:lnTo>
-                <a:close/>
-              </a:path>
-            </a:pathLst>
-          </a:custGeom>
-        </p:spPr>
-      </p:pic>
-      <p:pic>
-        <p:nvPicPr>
-          <p:cNvPr id="8" name="Imagem 7" descr="Uma imagem contendo pessoa, interior&#10;&#10;Descrição gerada automaticamente">
-            <a:extLst>
-              <a:ext uri="{FF2B5EF4-FFF2-40B4-BE49-F238E27FC236}">
-                <a16:creationId xmlns:a16="http://schemas.microsoft.com/office/drawing/2014/main" id="{4F13DEB4-A9BE-484E-8A50-19B9EB40CEF6}"/>
-              </a:ext>
-            </a:extLst>
-          </p:cNvPr>
-          <p:cNvPicPr>
-            <a:picLocks noChangeAspect="1"/>
-          </p:cNvPicPr>
-          <p:nvPr/>
-        </p:nvPicPr>
-        <p:blipFill rotWithShape="1">
-          <a:blip r:embed="rId5" cstate="print">
-            <a:extLst>
-              <a:ext uri="{28A0092B-C50C-407E-A947-70E740481C1C}">
-                <a14:useLocalDpi xmlns:a14="http://schemas.microsoft.com/office/drawing/2010/main" val="0"/>
-              </a:ext>
-            </a:extLst>
-          </a:blip>
-          <a:srcRect t="9490" r="1" b="1"/>
-          <a:stretch/>
-        </p:blipFill>
-        <p:spPr>
-          <a:xfrm>
-            <a:off x="1" y="3106464"/>
-            <a:ext cx="6209553" cy="3751536"/>
-          </a:xfrm>
-          <a:custGeom>
-            <a:avLst/>
-            <a:gdLst>
-              <a:gd name="connsiteX0" fmla="*/ 0 w 6209553"/>
-              <a:gd name="connsiteY0" fmla="*/ 0 h 3751536"/>
-              <a:gd name="connsiteX1" fmla="*/ 5776701 w 6209553"/>
-              <a:gd name="connsiteY1" fmla="*/ 0 h 3751536"/>
-              <a:gd name="connsiteX2" fmla="*/ 4041567 w 6209553"/>
-              <a:gd name="connsiteY2" fmla="*/ 3746529 h 3751536"/>
-              <a:gd name="connsiteX3" fmla="*/ 6209553 w 6209553"/>
-              <a:gd name="connsiteY3" fmla="*/ 3746529 h 3751536"/>
-              <a:gd name="connsiteX4" fmla="*/ 6209553 w 6209553"/>
-              <a:gd name="connsiteY4" fmla="*/ 3746530 h 3751536"/>
-              <a:gd name="connsiteX5" fmla="*/ 1647632 w 6209553"/>
-              <a:gd name="connsiteY5" fmla="*/ 3746530 h 3751536"/>
-              <a:gd name="connsiteX6" fmla="*/ 1647632 w 6209553"/>
-              <a:gd name="connsiteY6" fmla="*/ 3751536 h 3751536"/>
-              <a:gd name="connsiteX7" fmla="*/ 0 w 6209553"/>
-              <a:gd name="connsiteY7" fmla="*/ 3751536 h 3751536"/>
-            </a:gdLst>
-            <a:ahLst/>
-            <a:cxnLst>
-              <a:cxn ang="0">
-                <a:pos x="connsiteX0" y="connsiteY0"/>
-              </a:cxn>
-              <a:cxn ang="0">
-                <a:pos x="connsiteX1" y="connsiteY1"/>
-              </a:cxn>
-              <a:cxn ang="0">
-                <a:pos x="connsiteX2" y="connsiteY2"/>
-              </a:cxn>
-              <a:cxn ang="0">
-                <a:pos x="connsiteX3" y="connsiteY3"/>
-              </a:cxn>
-              <a:cxn ang="0">
-                <a:pos x="connsiteX4" y="connsiteY4"/>
-              </a:cxn>
-              <a:cxn ang="0">
-                <a:pos x="connsiteX5" y="connsiteY5"/>
-              </a:cxn>
-              <a:cxn ang="0">
-                <a:pos x="connsiteX6" y="connsiteY6"/>
-              </a:cxn>
-              <a:cxn ang="0">
-                <a:pos x="connsiteX7" y="connsiteY7"/>
-              </a:cxn>
-            </a:cxnLst>
-            <a:rect l="l" t="t" r="r" b="b"/>
-            <a:pathLst>
-              <a:path w="6209553" h="3751536">
-                <a:moveTo>
-                  <a:pt x="0" y="0"/>
-                </a:moveTo>
-                <a:lnTo>
-                  <a:pt x="5776701" y="0"/>
-                </a:lnTo>
-                <a:lnTo>
-                  <a:pt x="4041567" y="3746529"/>
-                </a:lnTo>
-                <a:lnTo>
-                  <a:pt x="6209553" y="3746529"/>
-                </a:lnTo>
-                <a:lnTo>
-                  <a:pt x="6209553" y="3746530"/>
-                </a:lnTo>
-                <a:lnTo>
-                  <a:pt x="1647632" y="3746530"/>
-                </a:lnTo>
-                <a:lnTo>
-                  <a:pt x="1647632" y="3751536"/>
-                </a:lnTo>
-                <a:lnTo>
-                  <a:pt x="0" y="3751536"/>
-                </a:lnTo>
-                <a:close/>
-              </a:path>
-            </a:pathLst>
-          </a:custGeom>
-        </p:spPr>
-      </p:pic>
-      <p:sp>
-        <p:nvSpPr>
-          <p:cNvPr id="15" name="Retângulo 14">
-            <a:extLst>
-              <a:ext uri="{FF2B5EF4-FFF2-40B4-BE49-F238E27FC236}">
-                <a16:creationId xmlns:a16="http://schemas.microsoft.com/office/drawing/2014/main" id="{8CBF1C33-7AB5-4678-8F59-E990711C2766}"/>
-              </a:ext>
-            </a:extLst>
-          </p:cNvPr>
-          <p:cNvSpPr/>
-          <p:nvPr/>
-        </p:nvSpPr>
-        <p:spPr>
-          <a:xfrm>
-            <a:off x="0" y="1"/>
-            <a:ext cx="12192000" cy="6858000"/>
-          </a:xfrm>
-          <a:prstGeom prst="rect">
-            <a:avLst/>
-          </a:prstGeom>
-          <a:solidFill>
-            <a:schemeClr val="tx1">
-              <a:alpha val="66000"/>
-            </a:schemeClr>
-          </a:solidFill>
-        </p:spPr>
-        <p:style>
-          <a:lnRef idx="2">
-            <a:schemeClr val="accent1">
-              <a:shade val="50000"/>
-            </a:schemeClr>
-          </a:lnRef>
-          <a:fillRef idx="1">
-            <a:schemeClr val="accent1"/>
-          </a:fillRef>
-          <a:effectRef idx="0">
-            <a:schemeClr val="accent1"/>
-          </a:effectRef>
-          <a:fontRef idx="minor">
-            <a:schemeClr val="lt1"/>
-          </a:fontRef>
-        </p:style>
-        <p:txBody>
-          <a:bodyPr rtlCol="0" anchor="ctr"/>
-          <a:lstStyle/>
-          <a:p>
-            <a:pPr algn="ctr"/>
-            <a:endParaRPr lang="pt-BR" dirty="0"/>
-          </a:p>
-        </p:txBody>
-      </p:sp>
-      <p:sp>
-        <p:nvSpPr>
-          <p:cNvPr id="2" name="Retângulo: Cantos Arredondados 1">
-            <a:extLst>
-              <a:ext uri="{FF2B5EF4-FFF2-40B4-BE49-F238E27FC236}">
-                <a16:creationId xmlns:a16="http://schemas.microsoft.com/office/drawing/2014/main" id="{95422585-27E9-4EDD-B183-4CD3C76140CF}"/>
-              </a:ext>
-            </a:extLst>
-          </p:cNvPr>
-          <p:cNvSpPr/>
-          <p:nvPr/>
-        </p:nvSpPr>
-        <p:spPr>
-          <a:xfrm>
-            <a:off x="1139686" y="21602"/>
-            <a:ext cx="9910942" cy="6835595"/>
-          </a:xfrm>
-          <a:prstGeom prst="roundRect">
-            <a:avLst>
-              <a:gd name="adj" fmla="val 11252"/>
-            </a:avLst>
-          </a:prstGeom>
-          <a:gradFill>
-            <a:gsLst>
-              <a:gs pos="0">
-                <a:schemeClr val="accent1">
-                  <a:lumMod val="75000"/>
-                </a:schemeClr>
-              </a:gs>
-              <a:gs pos="75000">
-                <a:schemeClr val="accent1">
-                  <a:lumMod val="50000"/>
-                </a:schemeClr>
-              </a:gs>
-            </a:gsLst>
-            <a:path path="circle">
-              <a:fillToRect l="50000" t="50000" r="50000" b="50000"/>
-            </a:path>
-          </a:gradFill>
-          <a:ln w="123825">
-            <a:gradFill>
-              <a:gsLst>
-                <a:gs pos="13000">
-                  <a:schemeClr val="accent4">
-                    <a:lumMod val="60000"/>
-                    <a:lumOff val="40000"/>
-                  </a:schemeClr>
-                </a:gs>
-                <a:gs pos="89381">
-                  <a:schemeClr val="accent4">
-                    <a:lumMod val="60000"/>
-                    <a:lumOff val="40000"/>
-                  </a:schemeClr>
-                </a:gs>
-              </a:gsLst>
-              <a:lin ang="5400000" scaled="1"/>
-            </a:gradFill>
-          </a:ln>
-          <a:effectLst/>
-          <a:scene3d>
-            <a:camera prst="orthographicFront"/>
-            <a:lightRig rig="threePt" dir="t"/>
-          </a:scene3d>
-          <a:sp3d>
-            <a:bevelT w="114300" prst="artDeco"/>
-          </a:sp3d>
-        </p:spPr>
-        <p:style>
-          <a:lnRef idx="2">
-            <a:schemeClr val="accent1">
-              <a:shade val="50000"/>
-            </a:schemeClr>
-          </a:lnRef>
-          <a:fillRef idx="1">
-            <a:schemeClr val="accent1"/>
-          </a:fillRef>
-          <a:effectRef idx="0">
-            <a:schemeClr val="accent1"/>
-          </a:effectRef>
-          <a:fontRef idx="minor">
-            <a:schemeClr val="lt1"/>
-          </a:fontRef>
-        </p:style>
-        <p:txBody>
-          <a:bodyPr rtlCol="0" anchor="ctr"/>
-          <a:lstStyle/>
-          <a:p>
-            <a:pPr algn="ctr"/>
-            <a:endParaRPr lang="pt-BR" dirty="0"/>
-          </a:p>
-        </p:txBody>
-      </p:sp>
-      <p:sp>
-        <p:nvSpPr>
-          <p:cNvPr id="41" name="Retângulo Arredondado 40"/>
-          <p:cNvSpPr/>
-          <p:nvPr/>
-        </p:nvSpPr>
-        <p:spPr>
-          <a:xfrm>
-            <a:off x="1987824" y="154021"/>
-            <a:ext cx="8375374" cy="895927"/>
-          </a:xfrm>
-          <a:prstGeom prst="roundRect">
-            <a:avLst>
-              <a:gd name="adj" fmla="val 44502"/>
-            </a:avLst>
-          </a:prstGeom>
-          <a:gradFill>
-            <a:gsLst>
-              <a:gs pos="13000">
-                <a:schemeClr val="accent4">
-                  <a:lumMod val="60000"/>
-                  <a:lumOff val="40000"/>
-                </a:schemeClr>
-              </a:gs>
-              <a:gs pos="89381">
-                <a:schemeClr val="accent4">
-                  <a:lumMod val="50000"/>
-                </a:schemeClr>
-              </a:gs>
-            </a:gsLst>
-            <a:lin ang="5400000" scaled="1"/>
-          </a:gradFill>
-          <a:ln>
-            <a:solidFill>
-              <a:srgbClr val="632D09"/>
-            </a:solidFill>
-          </a:ln>
-          <a:effectLst>
-            <a:innerShdw blurRad="114300">
-              <a:prstClr val="black"/>
-            </a:innerShdw>
-          </a:effectLst>
-        </p:spPr>
-        <p:style>
-          <a:lnRef idx="2">
-            <a:schemeClr val="accent1">
-              <a:shade val="50000"/>
-            </a:schemeClr>
-          </a:lnRef>
-          <a:fillRef idx="1">
-            <a:schemeClr val="accent1"/>
-          </a:fillRef>
-          <a:effectRef idx="0">
-            <a:schemeClr val="accent1"/>
-          </a:effectRef>
-          <a:fontRef idx="minor">
-            <a:schemeClr val="lt1"/>
-          </a:fontRef>
-        </p:style>
-        <p:txBody>
-          <a:bodyPr rtlCol="0" anchor="ctr"/>
-          <a:lstStyle/>
-          <a:p>
-            <a:pPr algn="ctr"/>
-            <a:endParaRPr lang="pt-BR"/>
-          </a:p>
-        </p:txBody>
-      </p:sp>
-      <p:sp>
-        <p:nvSpPr>
-          <p:cNvPr id="42" name="Retângulo 41">
-            <a:extLst>
-              <a:ext uri="{FF2B5EF4-FFF2-40B4-BE49-F238E27FC236}">
-                <a16:creationId xmlns:a16="http://schemas.microsoft.com/office/drawing/2014/main" id="{FC31F8A5-78DF-4EC7-A974-819F912A3AEB}"/>
-              </a:ext>
-            </a:extLst>
-          </p:cNvPr>
-          <p:cNvSpPr/>
-          <p:nvPr/>
-        </p:nvSpPr>
-        <p:spPr>
-          <a:xfrm>
-            <a:off x="3954512" y="10597"/>
-            <a:ext cx="4684680" cy="1107996"/>
-          </a:xfrm>
-          <a:prstGeom prst="rect">
-            <a:avLst/>
-          </a:prstGeom>
-          <a:noFill/>
-          <a:ln>
-            <a:noFill/>
-          </a:ln>
-        </p:spPr>
-        <p:txBody>
-          <a:bodyPr wrap="none" lIns="91440" tIns="45720" rIns="91440" bIns="45720">
-            <a:spAutoFit/>
-            <a:scene3d>
-              <a:camera prst="orthographicFront"/>
-              <a:lightRig rig="threePt" dir="t"/>
-            </a:scene3d>
-            <a:sp3d extrusionH="57150">
-              <a:bevelT w="38100" h="38100"/>
-            </a:sp3d>
-          </a:bodyPr>
-          <a:lstStyle/>
-          <a:p>
-            <a:pPr algn="ctr"/>
-            <a:r>
-              <a:rPr lang="pt-BR" sz="6600" b="1" dirty="0" smtClean="0">
-                <a:ln w="19050">
-                  <a:solidFill>
-                    <a:schemeClr val="tx1"/>
-                  </a:solidFill>
-                  <a:prstDash val="solid"/>
-                </a:ln>
-                <a:solidFill>
-                  <a:srgbClr val="FFFFFF"/>
-                </a:solidFill>
-                <a:effectLst>
-                  <a:outerShdw blurRad="50800" dist="38100" dir="5400000" algn="t" rotWithShape="0">
-                    <a:prstClr val="black">
-                      <a:alpha val="40000"/>
-                    </a:prstClr>
-                  </a:outerShdw>
-                </a:effectLst>
-              </a:rPr>
-              <a:t>Metodologia</a:t>
-            </a:r>
-            <a:endParaRPr lang="pt-BR" sz="6600" b="1" dirty="0">
-              <a:ln w="19050">
-                <a:solidFill>
-                  <a:schemeClr val="tx1"/>
-                </a:solidFill>
-                <a:prstDash val="solid"/>
-              </a:ln>
-              <a:solidFill>
-                <a:srgbClr val="FFFFFF"/>
-              </a:solidFill>
-              <a:effectLst>
-                <a:outerShdw blurRad="50800" dist="38100" dir="5400000" algn="t" rotWithShape="0">
-                  <a:prstClr val="black">
-                    <a:alpha val="40000"/>
-                  </a:prstClr>
-                </a:outerShdw>
-              </a:effectLst>
-            </a:endParaRPr>
-          </a:p>
-        </p:txBody>
-      </p:sp>
-      <p:pic>
-        <p:nvPicPr>
-          <p:cNvPr id="43" name="Picture 12" descr="Imagem relacionada">
-            <a:extLst>
-              <a:ext uri="{FF2B5EF4-FFF2-40B4-BE49-F238E27FC236}">
-                <a16:creationId xmlns:a16="http://schemas.microsoft.com/office/drawing/2014/main" id="{26744707-BF06-4221-A39B-9EC73F83897E}"/>
-              </a:ext>
-            </a:extLst>
-          </p:cNvPr>
-          <p:cNvPicPr>
-            <a:picLocks noChangeAspect="1" noChangeArrowheads="1"/>
-          </p:cNvPicPr>
-          <p:nvPr/>
-        </p:nvPicPr>
-        <p:blipFill>
-          <a:blip r:embed="rId6" cstate="print">
-            <a:extLst>
-              <a:ext uri="{28A0092B-C50C-407E-A947-70E740481C1C}">
-                <a14:useLocalDpi xmlns:a14="http://schemas.microsoft.com/office/drawing/2010/main" val="0"/>
-              </a:ext>
-            </a:extLst>
-          </a:blip>
-          <a:srcRect/>
-          <a:stretch>
-            <a:fillRect/>
-          </a:stretch>
-        </p:blipFill>
-        <p:spPr bwMode="auto">
-          <a:xfrm>
-            <a:off x="9756813" y="318970"/>
-            <a:ext cx="535798" cy="566027"/>
-          </a:xfrm>
-          <a:prstGeom prst="rect">
-            <a:avLst/>
-          </a:prstGeom>
-          <a:noFill/>
-          <a:extLst>
-            <a:ext uri="{909E8E84-426E-40DD-AFC4-6F175D3DCCD1}">
-              <a14:hiddenFill xmlns:a14="http://schemas.microsoft.com/office/drawing/2010/main">
-                <a:solidFill>
-                  <a:srgbClr val="FFFFFF"/>
-                </a:solidFill>
-              </a14:hiddenFill>
-            </a:ext>
-          </a:extLst>
-        </p:spPr>
-      </p:pic>
-      <p:pic>
-        <p:nvPicPr>
-          <p:cNvPr id="44" name="Picture 12" descr="Imagem relacionada">
-            <a:extLst>
-              <a:ext uri="{FF2B5EF4-FFF2-40B4-BE49-F238E27FC236}">
-                <a16:creationId xmlns:a16="http://schemas.microsoft.com/office/drawing/2014/main" id="{26744707-BF06-4221-A39B-9EC73F83897E}"/>
-              </a:ext>
-            </a:extLst>
-          </p:cNvPr>
-          <p:cNvPicPr>
-            <a:picLocks noChangeAspect="1" noChangeArrowheads="1"/>
-          </p:cNvPicPr>
-          <p:nvPr/>
-        </p:nvPicPr>
-        <p:blipFill>
-          <a:blip r:embed="rId6" cstate="print">
-            <a:extLst>
-              <a:ext uri="{28A0092B-C50C-407E-A947-70E740481C1C}">
-                <a14:useLocalDpi xmlns:a14="http://schemas.microsoft.com/office/drawing/2010/main" val="0"/>
-              </a:ext>
-            </a:extLst>
-          </a:blip>
-          <a:srcRect/>
-          <a:stretch>
-            <a:fillRect/>
-          </a:stretch>
-        </p:blipFill>
-        <p:spPr bwMode="auto">
-          <a:xfrm>
-            <a:off x="2053302" y="299619"/>
-            <a:ext cx="535798" cy="566027"/>
-          </a:xfrm>
-          <a:prstGeom prst="rect">
-            <a:avLst/>
-          </a:prstGeom>
-          <a:noFill/>
-          <a:extLst>
-            <a:ext uri="{909E8E84-426E-40DD-AFC4-6F175D3DCCD1}">
-              <a14:hiddenFill xmlns:a14="http://schemas.microsoft.com/office/drawing/2010/main">
-                <a:solidFill>
-                  <a:srgbClr val="FFFFFF"/>
-                </a:solidFill>
-              </a14:hiddenFill>
-            </a:ext>
-          </a:extLst>
-        </p:spPr>
-      </p:pic>
-      <p:sp>
-        <p:nvSpPr>
-          <p:cNvPr id="25" name="Retângulo 24">
-            <a:extLst>
-              <a:ext uri="{FF2B5EF4-FFF2-40B4-BE49-F238E27FC236}">
-                <a16:creationId xmlns:a16="http://schemas.microsoft.com/office/drawing/2014/main" id="{6E026030-2D84-48A1-9CA0-DDC71776A48B}"/>
-              </a:ext>
-            </a:extLst>
-          </p:cNvPr>
-          <p:cNvSpPr/>
-          <p:nvPr/>
-        </p:nvSpPr>
-        <p:spPr>
-          <a:xfrm>
-            <a:off x="1" y="3156216"/>
-            <a:ext cx="1627614" cy="644270"/>
-          </a:xfrm>
-          <a:prstGeom prst="rect">
-            <a:avLst/>
-          </a:prstGeom>
-          <a:gradFill>
-            <a:gsLst>
-              <a:gs pos="13000">
-                <a:schemeClr val="accent4">
-                  <a:lumMod val="60000"/>
-                  <a:lumOff val="40000"/>
-                </a:schemeClr>
-              </a:gs>
-              <a:gs pos="89381">
-                <a:schemeClr val="accent4">
-                  <a:lumMod val="50000"/>
-                </a:schemeClr>
-              </a:gs>
-            </a:gsLst>
-            <a:lin ang="5400000" scaled="1"/>
-          </a:gradFill>
-          <a:ln>
-            <a:solidFill>
-              <a:srgbClr val="632D09"/>
-            </a:solidFill>
-          </a:ln>
-          <a:effectLst>
-            <a:innerShdw blurRad="114300">
-              <a:prstClr val="black"/>
-            </a:innerShdw>
-          </a:effectLst>
-        </p:spPr>
-        <p:style>
-          <a:lnRef idx="2">
-            <a:schemeClr val="accent1">
-              <a:shade val="50000"/>
-            </a:schemeClr>
-          </a:lnRef>
-          <a:fillRef idx="1">
-            <a:schemeClr val="accent1"/>
-          </a:fillRef>
-          <a:effectRef idx="0">
-            <a:schemeClr val="accent1"/>
-          </a:effectRef>
-          <a:fontRef idx="minor">
-            <a:schemeClr val="lt1"/>
-          </a:fontRef>
-        </p:style>
-        <p:txBody>
-          <a:bodyPr rtlCol="0" anchor="ctr"/>
-          <a:lstStyle/>
-          <a:p>
-            <a:pPr algn="ctr"/>
-            <a:endParaRPr lang="pt-BR" dirty="0"/>
-          </a:p>
-        </p:txBody>
-      </p:sp>
-      <p:sp>
-        <p:nvSpPr>
-          <p:cNvPr id="26" name="Retângulo 25">
-            <a:extLst>
-              <a:ext uri="{FF2B5EF4-FFF2-40B4-BE49-F238E27FC236}">
-                <a16:creationId xmlns:a16="http://schemas.microsoft.com/office/drawing/2014/main" id="{66EAEDDB-5C2E-44C0-8333-57FE5AC98957}"/>
-              </a:ext>
-            </a:extLst>
-          </p:cNvPr>
-          <p:cNvSpPr/>
-          <p:nvPr/>
-        </p:nvSpPr>
-        <p:spPr>
-          <a:xfrm>
-            <a:off x="10508974" y="3156216"/>
-            <a:ext cx="1678263" cy="644270"/>
-          </a:xfrm>
-          <a:prstGeom prst="rect">
-            <a:avLst/>
-          </a:prstGeom>
-          <a:gradFill>
-            <a:gsLst>
-              <a:gs pos="13000">
-                <a:schemeClr val="accent4">
-                  <a:lumMod val="60000"/>
-                  <a:lumOff val="40000"/>
-                </a:schemeClr>
-              </a:gs>
-              <a:gs pos="89381">
-                <a:schemeClr val="accent4">
-                  <a:lumMod val="50000"/>
-                </a:schemeClr>
-              </a:gs>
-            </a:gsLst>
-            <a:lin ang="5400000" scaled="1"/>
-          </a:gradFill>
-          <a:ln>
-            <a:solidFill>
-              <a:srgbClr val="632D09"/>
-            </a:solidFill>
-          </a:ln>
-          <a:effectLst>
-            <a:innerShdw blurRad="114300">
-              <a:prstClr val="black"/>
-            </a:innerShdw>
-          </a:effectLst>
-        </p:spPr>
-        <p:style>
-          <a:lnRef idx="2">
-            <a:schemeClr val="accent1">
-              <a:shade val="50000"/>
-            </a:schemeClr>
-          </a:lnRef>
-          <a:fillRef idx="1">
-            <a:schemeClr val="accent1"/>
-          </a:fillRef>
-          <a:effectRef idx="0">
-            <a:schemeClr val="accent1"/>
-          </a:effectRef>
-          <a:fontRef idx="minor">
-            <a:schemeClr val="lt1"/>
-          </a:fontRef>
-        </p:style>
-        <p:txBody>
-          <a:bodyPr rtlCol="0" anchor="ctr"/>
-          <a:lstStyle/>
-          <a:p>
-            <a:pPr algn="ctr"/>
-            <a:endParaRPr lang="pt-BR" dirty="0"/>
-          </a:p>
-        </p:txBody>
-      </p:sp>
-      <p:pic>
-        <p:nvPicPr>
-          <p:cNvPr id="27" name="Picture 12" descr="Imagem relacionada">
-            <a:extLst>
-              <a:ext uri="{FF2B5EF4-FFF2-40B4-BE49-F238E27FC236}">
-                <a16:creationId xmlns:a16="http://schemas.microsoft.com/office/drawing/2014/main" id="{1A49CB54-DE29-4AF7-A2BB-B92400E5381D}"/>
-              </a:ext>
-            </a:extLst>
-          </p:cNvPr>
-          <p:cNvPicPr>
-            <a:picLocks noChangeAspect="1" noChangeArrowheads="1"/>
-          </p:cNvPicPr>
-          <p:nvPr/>
-        </p:nvPicPr>
-        <p:blipFill>
-          <a:blip r:embed="rId6" cstate="print">
-            <a:extLst>
-              <a:ext uri="{28A0092B-C50C-407E-A947-70E740481C1C}">
-                <a14:useLocalDpi xmlns:a14="http://schemas.microsoft.com/office/drawing/2010/main" val="0"/>
-              </a:ext>
-            </a:extLst>
-          </a:blip>
-          <a:srcRect/>
-          <a:stretch>
-            <a:fillRect/>
-          </a:stretch>
-        </p:blipFill>
-        <p:spPr bwMode="auto">
-          <a:xfrm>
-            <a:off x="11156289" y="3184707"/>
-            <a:ext cx="535798" cy="566027"/>
-          </a:xfrm>
-          <a:prstGeom prst="rect">
-            <a:avLst/>
-          </a:prstGeom>
-          <a:noFill/>
-          <a:extLst>
-            <a:ext uri="{909E8E84-426E-40DD-AFC4-6F175D3DCCD1}">
-              <a14:hiddenFill xmlns:a14="http://schemas.microsoft.com/office/drawing/2010/main">
-                <a:solidFill>
-                  <a:srgbClr val="FFFFFF"/>
-                </a:solidFill>
-              </a14:hiddenFill>
-            </a:ext>
-          </a:extLst>
-        </p:spPr>
-      </p:pic>
-      <p:pic>
-        <p:nvPicPr>
-          <p:cNvPr id="28" name="Picture 12" descr="Imagem relacionada">
-            <a:extLst>
-              <a:ext uri="{FF2B5EF4-FFF2-40B4-BE49-F238E27FC236}">
-                <a16:creationId xmlns:a16="http://schemas.microsoft.com/office/drawing/2014/main" id="{544B1FB8-2DC9-4002-91E9-9E8B99605A45}"/>
-              </a:ext>
-            </a:extLst>
-          </p:cNvPr>
-          <p:cNvPicPr>
-            <a:picLocks noChangeAspect="1" noChangeArrowheads="1"/>
-          </p:cNvPicPr>
-          <p:nvPr/>
-        </p:nvPicPr>
-        <p:blipFill>
-          <a:blip r:embed="rId6" cstate="print">
-            <a:extLst>
-              <a:ext uri="{28A0092B-C50C-407E-A947-70E740481C1C}">
-                <a14:useLocalDpi xmlns:a14="http://schemas.microsoft.com/office/drawing/2010/main" val="0"/>
-              </a:ext>
-            </a:extLst>
-          </a:blip>
-          <a:srcRect/>
-          <a:stretch>
-            <a:fillRect/>
-          </a:stretch>
-        </p:blipFill>
-        <p:spPr bwMode="auto">
-          <a:xfrm>
-            <a:off x="564238" y="3209393"/>
-            <a:ext cx="535798" cy="566027"/>
-          </a:xfrm>
-          <a:prstGeom prst="rect">
-            <a:avLst/>
-          </a:prstGeom>
-          <a:noFill/>
-          <a:extLst>
-            <a:ext uri="{909E8E84-426E-40DD-AFC4-6F175D3DCCD1}">
-              <a14:hiddenFill xmlns:a14="http://schemas.microsoft.com/office/drawing/2010/main">
-                <a:solidFill>
-                  <a:srgbClr val="FFFFFF"/>
-                </a:solidFill>
-              </a14:hiddenFill>
-            </a:ext>
-          </a:extLst>
-        </p:spPr>
-      </p:pic>
-    </p:spTree>
-    <p:extLst>
-      <p:ext uri="{BB962C8B-B14F-4D97-AF65-F5344CB8AC3E}">
-        <p14:creationId xmlns:p14="http://schemas.microsoft.com/office/powerpoint/2010/main" val="171541618"/>
-      </p:ext>
-    </p:extLst>
-  </p:cSld>
-  <p:clrMapOvr>
-    <a:masterClrMapping/>
-  </p:clrMapOvr>
-  <p:transition spd="med">
-    <p:pull/>
-  </p:transition>
-  <p:timing>
-    <p:tnLst>
-      <p:par>
-        <p:cTn id="1" dur="indefinite" restart="never" nodeType="tmRoot"/>
-      </p:par>
-    </p:tnLst>
-  </p:timing>
-</p:sld>
-</file>
-
-<file path=ppt/slides/slide13.xml><?xml version="1.0" encoding="utf-8"?>
+<file path=ppt/slides/slide11.xml><?xml version="1.0" encoding="utf-8"?>
 <p:sld xmlns:a="http://schemas.openxmlformats.org/drawingml/2006/main" xmlns:r="http://schemas.openxmlformats.org/officeDocument/2006/relationships" xmlns:p="http://schemas.openxmlformats.org/presentationml/2006/main">
   <p:cSld>
     <p:spTree>
@@ -10009,7 +8038,1067 @@
 </p:sld>
 </file>
 
-<file path=ppt/slides/slide14.xml><?xml version="1.0" encoding="utf-8"?>
+<file path=ppt/slides/slide12.xml><?xml version="1.0" encoding="utf-8"?>
+<p:sld xmlns:a="http://schemas.openxmlformats.org/drawingml/2006/main" xmlns:r="http://schemas.openxmlformats.org/officeDocument/2006/relationships" xmlns:p="http://schemas.openxmlformats.org/presentationml/2006/main">
+  <p:cSld>
+    <p:bg>
+      <p:bgPr>
+        <a:solidFill>
+          <a:schemeClr val="tx1"/>
+        </a:solidFill>
+        <a:effectLst/>
+      </p:bgPr>
+    </p:bg>
+    <p:spTree>
+      <p:nvGrpSpPr>
+        <p:cNvPr id="1" name=""/>
+        <p:cNvGrpSpPr/>
+        <p:nvPr/>
+      </p:nvGrpSpPr>
+      <p:grpSpPr>
+        <a:xfrm>
+          <a:off x="0" y="0"/>
+          <a:ext cx="0" cy="0"/>
+          <a:chOff x="0" y="0"/>
+          <a:chExt cx="0" cy="0"/>
+        </a:xfrm>
+      </p:grpSpPr>
+      <p:pic>
+        <p:nvPicPr>
+          <p:cNvPr id="5" name="Imagem 4">
+            <a:extLst>
+              <a:ext uri="{FF2B5EF4-FFF2-40B4-BE49-F238E27FC236}">
+                <a16:creationId xmlns:a16="http://schemas.microsoft.com/office/drawing/2014/main" id="{F454D47A-AFC7-4E87-AA86-8927748493C0}"/>
+              </a:ext>
+            </a:extLst>
+          </p:cNvPr>
+          <p:cNvPicPr>
+            <a:picLocks noChangeAspect="1"/>
+          </p:cNvPicPr>
+          <p:nvPr/>
+        </p:nvPicPr>
+        <p:blipFill rotWithShape="1">
+          <a:blip r:embed="rId2" cstate="print">
+            <a:extLst>
+              <a:ext uri="{28A0092B-C50C-407E-A947-70E740481C1C}">
+                <a14:useLocalDpi xmlns:a14="http://schemas.microsoft.com/office/drawing/2010/main" val="0"/>
+              </a:ext>
+            </a:extLst>
+          </a:blip>
+          <a:srcRect t="4843" r="-3" b="33505"/>
+          <a:stretch/>
+        </p:blipFill>
+        <p:spPr>
+          <a:xfrm>
+            <a:off x="20" y="10"/>
+            <a:ext cx="7215381" cy="2969294"/>
+          </a:xfrm>
+          <a:custGeom>
+            <a:avLst/>
+            <a:gdLst>
+              <a:gd name="connsiteX0" fmla="*/ 0 w 7215401"/>
+              <a:gd name="connsiteY0" fmla="*/ 0 h 2969304"/>
+              <a:gd name="connsiteX1" fmla="*/ 677334 w 7215401"/>
+              <a:gd name="connsiteY1" fmla="*/ 0 h 2969304"/>
+              <a:gd name="connsiteX2" fmla="*/ 1168036 w 7215401"/>
+              <a:gd name="connsiteY2" fmla="*/ 0 h 2969304"/>
+              <a:gd name="connsiteX3" fmla="*/ 1205499 w 7215401"/>
+              <a:gd name="connsiteY3" fmla="*/ 0 h 2969304"/>
+              <a:gd name="connsiteX4" fmla="*/ 1647632 w 7215401"/>
+              <a:gd name="connsiteY4" fmla="*/ 0 h 2969304"/>
+              <a:gd name="connsiteX5" fmla="*/ 7215401 w 7215401"/>
+              <a:gd name="connsiteY5" fmla="*/ 0 h 2969304"/>
+              <a:gd name="connsiteX6" fmla="*/ 5840224 w 7215401"/>
+              <a:gd name="connsiteY6" fmla="*/ 2969304 h 2969304"/>
+              <a:gd name="connsiteX7" fmla="*/ 0 w 7215401"/>
+              <a:gd name="connsiteY7" fmla="*/ 2969304 h 2969304"/>
+            </a:gdLst>
+            <a:ahLst/>
+            <a:cxnLst>
+              <a:cxn ang="0">
+                <a:pos x="connsiteX0" y="connsiteY0"/>
+              </a:cxn>
+              <a:cxn ang="0">
+                <a:pos x="connsiteX1" y="connsiteY1"/>
+              </a:cxn>
+              <a:cxn ang="0">
+                <a:pos x="connsiteX2" y="connsiteY2"/>
+              </a:cxn>
+              <a:cxn ang="0">
+                <a:pos x="connsiteX3" y="connsiteY3"/>
+              </a:cxn>
+              <a:cxn ang="0">
+                <a:pos x="connsiteX4" y="connsiteY4"/>
+              </a:cxn>
+              <a:cxn ang="0">
+                <a:pos x="connsiteX5" y="connsiteY5"/>
+              </a:cxn>
+              <a:cxn ang="0">
+                <a:pos x="connsiteX6" y="connsiteY6"/>
+              </a:cxn>
+              <a:cxn ang="0">
+                <a:pos x="connsiteX7" y="connsiteY7"/>
+              </a:cxn>
+            </a:cxnLst>
+            <a:rect l="l" t="t" r="r" b="b"/>
+            <a:pathLst>
+              <a:path w="7215401" h="2969304">
+                <a:moveTo>
+                  <a:pt x="0" y="0"/>
+                </a:moveTo>
+                <a:lnTo>
+                  <a:pt x="677334" y="0"/>
+                </a:lnTo>
+                <a:lnTo>
+                  <a:pt x="1168036" y="0"/>
+                </a:lnTo>
+                <a:lnTo>
+                  <a:pt x="1205499" y="0"/>
+                </a:lnTo>
+                <a:lnTo>
+                  <a:pt x="1647632" y="0"/>
+                </a:lnTo>
+                <a:lnTo>
+                  <a:pt x="7215401" y="0"/>
+                </a:lnTo>
+                <a:lnTo>
+                  <a:pt x="5840224" y="2969304"/>
+                </a:lnTo>
+                <a:lnTo>
+                  <a:pt x="0" y="2969304"/>
+                </a:lnTo>
+                <a:close/>
+              </a:path>
+            </a:pathLst>
+          </a:custGeom>
+        </p:spPr>
+      </p:pic>
+      <p:pic>
+        <p:nvPicPr>
+          <p:cNvPr id="12" name="Imagem 11" descr="Uma imagem contendo mesa, interior, de madeira, sentado&#10;&#10;Descrição gerada automaticamente">
+            <a:extLst>
+              <a:ext uri="{FF2B5EF4-FFF2-40B4-BE49-F238E27FC236}">
+                <a16:creationId xmlns:a16="http://schemas.microsoft.com/office/drawing/2014/main" id="{05EF5FD5-D98F-4345-AE38-20798C274C85}"/>
+              </a:ext>
+            </a:extLst>
+          </p:cNvPr>
+          <p:cNvPicPr>
+            <a:picLocks noChangeAspect="1"/>
+          </p:cNvPicPr>
+          <p:nvPr/>
+        </p:nvPicPr>
+        <p:blipFill rotWithShape="1">
+          <a:blip r:embed="rId3" cstate="print">
+            <a:extLst>
+              <a:ext uri="{28A0092B-C50C-407E-A947-70E740481C1C}">
+                <a14:useLocalDpi xmlns:a14="http://schemas.microsoft.com/office/drawing/2010/main" val="0"/>
+              </a:ext>
+            </a:extLst>
+          </a:blip>
+          <a:srcRect t="9810" r="-3" b="4659"/>
+          <a:stretch/>
+        </p:blipFill>
+        <p:spPr>
+          <a:xfrm>
+            <a:off x="5622233" y="10"/>
+            <a:ext cx="6569769" cy="3750724"/>
+          </a:xfrm>
+          <a:custGeom>
+            <a:avLst/>
+            <a:gdLst>
+              <a:gd name="connsiteX0" fmla="*/ 1738471 w 6569769"/>
+              <a:gd name="connsiteY0" fmla="*/ 0 h 3750734"/>
+              <a:gd name="connsiteX1" fmla="*/ 6569769 w 6569769"/>
+              <a:gd name="connsiteY1" fmla="*/ 0 h 3750734"/>
+              <a:gd name="connsiteX2" fmla="*/ 6569769 w 6569769"/>
+              <a:gd name="connsiteY2" fmla="*/ 3750734 h 3750734"/>
+              <a:gd name="connsiteX3" fmla="*/ 0 w 6569769"/>
+              <a:gd name="connsiteY3" fmla="*/ 3750734 h 3750734"/>
+            </a:gdLst>
+            <a:ahLst/>
+            <a:cxnLst>
+              <a:cxn ang="0">
+                <a:pos x="connsiteX0" y="connsiteY0"/>
+              </a:cxn>
+              <a:cxn ang="0">
+                <a:pos x="connsiteX1" y="connsiteY1"/>
+              </a:cxn>
+              <a:cxn ang="0">
+                <a:pos x="connsiteX2" y="connsiteY2"/>
+              </a:cxn>
+              <a:cxn ang="0">
+                <a:pos x="connsiteX3" y="connsiteY3"/>
+              </a:cxn>
+            </a:cxnLst>
+            <a:rect l="l" t="t" r="r" b="b"/>
+            <a:pathLst>
+              <a:path w="6569769" h="3750734">
+                <a:moveTo>
+                  <a:pt x="1738471" y="0"/>
+                </a:moveTo>
+                <a:lnTo>
+                  <a:pt x="6569769" y="0"/>
+                </a:lnTo>
+                <a:lnTo>
+                  <a:pt x="6569769" y="3750734"/>
+                </a:lnTo>
+                <a:lnTo>
+                  <a:pt x="0" y="3750734"/>
+                </a:lnTo>
+                <a:close/>
+              </a:path>
+            </a:pathLst>
+          </a:custGeom>
+        </p:spPr>
+      </p:pic>
+      <p:pic>
+        <p:nvPicPr>
+          <p:cNvPr id="10" name="Imagem 9" descr="Uma imagem contendo chão, mesa, de madeira&#10;&#10;Descrição gerada automaticamente">
+            <a:extLst>
+              <a:ext uri="{FF2B5EF4-FFF2-40B4-BE49-F238E27FC236}">
+                <a16:creationId xmlns:a16="http://schemas.microsoft.com/office/drawing/2014/main" id="{82CA1591-AB94-4749-9C08-F440145076D6}"/>
+              </a:ext>
+            </a:extLst>
+          </p:cNvPr>
+          <p:cNvPicPr>
+            <a:picLocks noChangeAspect="1"/>
+          </p:cNvPicPr>
+          <p:nvPr/>
+        </p:nvPicPr>
+        <p:blipFill rotWithShape="1">
+          <a:blip r:embed="rId4" cstate="print">
+            <a:extLst>
+              <a:ext uri="{28A0092B-C50C-407E-A947-70E740481C1C}">
+                <a14:useLocalDpi xmlns:a14="http://schemas.microsoft.com/office/drawing/2010/main" val="0"/>
+              </a:ext>
+            </a:extLst>
+          </a:blip>
+          <a:srcRect t="8308" b="36141"/>
+          <a:stretch/>
+        </p:blipFill>
+        <p:spPr>
+          <a:xfrm>
+            <a:off x="4182011" y="3887894"/>
+            <a:ext cx="8009991" cy="2970106"/>
+          </a:xfrm>
+          <a:custGeom>
+            <a:avLst/>
+            <a:gdLst>
+              <a:gd name="connsiteX0" fmla="*/ 1376648 w 8009991"/>
+              <a:gd name="connsiteY0" fmla="*/ 0 h 2970106"/>
+              <a:gd name="connsiteX1" fmla="*/ 8009991 w 8009991"/>
+              <a:gd name="connsiteY1" fmla="*/ 0 h 2970106"/>
+              <a:gd name="connsiteX2" fmla="*/ 8009991 w 8009991"/>
+              <a:gd name="connsiteY2" fmla="*/ 2970106 h 2970106"/>
+              <a:gd name="connsiteX3" fmla="*/ 0 w 8009991"/>
+              <a:gd name="connsiteY3" fmla="*/ 2970106 h 2970106"/>
+            </a:gdLst>
+            <a:ahLst/>
+            <a:cxnLst>
+              <a:cxn ang="0">
+                <a:pos x="connsiteX0" y="connsiteY0"/>
+              </a:cxn>
+              <a:cxn ang="0">
+                <a:pos x="connsiteX1" y="connsiteY1"/>
+              </a:cxn>
+              <a:cxn ang="0">
+                <a:pos x="connsiteX2" y="connsiteY2"/>
+              </a:cxn>
+              <a:cxn ang="0">
+                <a:pos x="connsiteX3" y="connsiteY3"/>
+              </a:cxn>
+            </a:cxnLst>
+            <a:rect l="l" t="t" r="r" b="b"/>
+            <a:pathLst>
+              <a:path w="8009991" h="2970106">
+                <a:moveTo>
+                  <a:pt x="1376648" y="0"/>
+                </a:moveTo>
+                <a:lnTo>
+                  <a:pt x="8009991" y="0"/>
+                </a:lnTo>
+                <a:lnTo>
+                  <a:pt x="8009991" y="2970106"/>
+                </a:lnTo>
+                <a:lnTo>
+                  <a:pt x="0" y="2970106"/>
+                </a:lnTo>
+                <a:close/>
+              </a:path>
+            </a:pathLst>
+          </a:custGeom>
+        </p:spPr>
+      </p:pic>
+      <p:pic>
+        <p:nvPicPr>
+          <p:cNvPr id="8" name="Imagem 7" descr="Uma imagem contendo pessoa, interior&#10;&#10;Descrição gerada automaticamente">
+            <a:extLst>
+              <a:ext uri="{FF2B5EF4-FFF2-40B4-BE49-F238E27FC236}">
+                <a16:creationId xmlns:a16="http://schemas.microsoft.com/office/drawing/2014/main" id="{4F13DEB4-A9BE-484E-8A50-19B9EB40CEF6}"/>
+              </a:ext>
+            </a:extLst>
+          </p:cNvPr>
+          <p:cNvPicPr>
+            <a:picLocks noChangeAspect="1"/>
+          </p:cNvPicPr>
+          <p:nvPr/>
+        </p:nvPicPr>
+        <p:blipFill rotWithShape="1">
+          <a:blip r:embed="rId5" cstate="print">
+            <a:extLst>
+              <a:ext uri="{28A0092B-C50C-407E-A947-70E740481C1C}">
+                <a14:useLocalDpi xmlns:a14="http://schemas.microsoft.com/office/drawing/2010/main" val="0"/>
+              </a:ext>
+            </a:extLst>
+          </a:blip>
+          <a:srcRect t="9490" r="1" b="1"/>
+          <a:stretch/>
+        </p:blipFill>
+        <p:spPr>
+          <a:xfrm>
+            <a:off x="1" y="3106464"/>
+            <a:ext cx="6209553" cy="3751536"/>
+          </a:xfrm>
+          <a:custGeom>
+            <a:avLst/>
+            <a:gdLst>
+              <a:gd name="connsiteX0" fmla="*/ 0 w 6209553"/>
+              <a:gd name="connsiteY0" fmla="*/ 0 h 3751536"/>
+              <a:gd name="connsiteX1" fmla="*/ 5776701 w 6209553"/>
+              <a:gd name="connsiteY1" fmla="*/ 0 h 3751536"/>
+              <a:gd name="connsiteX2" fmla="*/ 4041567 w 6209553"/>
+              <a:gd name="connsiteY2" fmla="*/ 3746529 h 3751536"/>
+              <a:gd name="connsiteX3" fmla="*/ 6209553 w 6209553"/>
+              <a:gd name="connsiteY3" fmla="*/ 3746529 h 3751536"/>
+              <a:gd name="connsiteX4" fmla="*/ 6209553 w 6209553"/>
+              <a:gd name="connsiteY4" fmla="*/ 3746530 h 3751536"/>
+              <a:gd name="connsiteX5" fmla="*/ 1647632 w 6209553"/>
+              <a:gd name="connsiteY5" fmla="*/ 3746530 h 3751536"/>
+              <a:gd name="connsiteX6" fmla="*/ 1647632 w 6209553"/>
+              <a:gd name="connsiteY6" fmla="*/ 3751536 h 3751536"/>
+              <a:gd name="connsiteX7" fmla="*/ 0 w 6209553"/>
+              <a:gd name="connsiteY7" fmla="*/ 3751536 h 3751536"/>
+            </a:gdLst>
+            <a:ahLst/>
+            <a:cxnLst>
+              <a:cxn ang="0">
+                <a:pos x="connsiteX0" y="connsiteY0"/>
+              </a:cxn>
+              <a:cxn ang="0">
+                <a:pos x="connsiteX1" y="connsiteY1"/>
+              </a:cxn>
+              <a:cxn ang="0">
+                <a:pos x="connsiteX2" y="connsiteY2"/>
+              </a:cxn>
+              <a:cxn ang="0">
+                <a:pos x="connsiteX3" y="connsiteY3"/>
+              </a:cxn>
+              <a:cxn ang="0">
+                <a:pos x="connsiteX4" y="connsiteY4"/>
+              </a:cxn>
+              <a:cxn ang="0">
+                <a:pos x="connsiteX5" y="connsiteY5"/>
+              </a:cxn>
+              <a:cxn ang="0">
+                <a:pos x="connsiteX6" y="connsiteY6"/>
+              </a:cxn>
+              <a:cxn ang="0">
+                <a:pos x="connsiteX7" y="connsiteY7"/>
+              </a:cxn>
+            </a:cxnLst>
+            <a:rect l="l" t="t" r="r" b="b"/>
+            <a:pathLst>
+              <a:path w="6209553" h="3751536">
+                <a:moveTo>
+                  <a:pt x="0" y="0"/>
+                </a:moveTo>
+                <a:lnTo>
+                  <a:pt x="5776701" y="0"/>
+                </a:lnTo>
+                <a:lnTo>
+                  <a:pt x="4041567" y="3746529"/>
+                </a:lnTo>
+                <a:lnTo>
+                  <a:pt x="6209553" y="3746529"/>
+                </a:lnTo>
+                <a:lnTo>
+                  <a:pt x="6209553" y="3746530"/>
+                </a:lnTo>
+                <a:lnTo>
+                  <a:pt x="1647632" y="3746530"/>
+                </a:lnTo>
+                <a:lnTo>
+                  <a:pt x="1647632" y="3751536"/>
+                </a:lnTo>
+                <a:lnTo>
+                  <a:pt x="0" y="3751536"/>
+                </a:lnTo>
+                <a:close/>
+              </a:path>
+            </a:pathLst>
+          </a:custGeom>
+        </p:spPr>
+      </p:pic>
+      <p:sp>
+        <p:nvSpPr>
+          <p:cNvPr id="15" name="Retângulo 14">
+            <a:extLst>
+              <a:ext uri="{FF2B5EF4-FFF2-40B4-BE49-F238E27FC236}">
+                <a16:creationId xmlns:a16="http://schemas.microsoft.com/office/drawing/2014/main" id="{8CBF1C33-7AB5-4678-8F59-E990711C2766}"/>
+              </a:ext>
+            </a:extLst>
+          </p:cNvPr>
+          <p:cNvSpPr/>
+          <p:nvPr/>
+        </p:nvSpPr>
+        <p:spPr>
+          <a:xfrm>
+            <a:off x="0" y="1"/>
+            <a:ext cx="12192000" cy="6858000"/>
+          </a:xfrm>
+          <a:prstGeom prst="rect">
+            <a:avLst/>
+          </a:prstGeom>
+          <a:solidFill>
+            <a:schemeClr val="tx1">
+              <a:alpha val="66000"/>
+            </a:schemeClr>
+          </a:solidFill>
+        </p:spPr>
+        <p:style>
+          <a:lnRef idx="2">
+            <a:schemeClr val="accent1">
+              <a:shade val="50000"/>
+            </a:schemeClr>
+          </a:lnRef>
+          <a:fillRef idx="1">
+            <a:schemeClr val="accent1"/>
+          </a:fillRef>
+          <a:effectRef idx="0">
+            <a:schemeClr val="accent1"/>
+          </a:effectRef>
+          <a:fontRef idx="minor">
+            <a:schemeClr val="lt1"/>
+          </a:fontRef>
+        </p:style>
+        <p:txBody>
+          <a:bodyPr rtlCol="0" anchor="ctr"/>
+          <a:lstStyle/>
+          <a:p>
+            <a:pPr algn="ctr"/>
+            <a:endParaRPr lang="pt-BR" dirty="0"/>
+          </a:p>
+        </p:txBody>
+      </p:sp>
+      <p:sp>
+        <p:nvSpPr>
+          <p:cNvPr id="2" name="Retângulo: Cantos Arredondados 1">
+            <a:extLst>
+              <a:ext uri="{FF2B5EF4-FFF2-40B4-BE49-F238E27FC236}">
+                <a16:creationId xmlns:a16="http://schemas.microsoft.com/office/drawing/2014/main" id="{95422585-27E9-4EDD-B183-4CD3C76140CF}"/>
+              </a:ext>
+            </a:extLst>
+          </p:cNvPr>
+          <p:cNvSpPr/>
+          <p:nvPr/>
+        </p:nvSpPr>
+        <p:spPr>
+          <a:xfrm>
+            <a:off x="1139686" y="21602"/>
+            <a:ext cx="9910942" cy="6835595"/>
+          </a:xfrm>
+          <a:prstGeom prst="roundRect">
+            <a:avLst>
+              <a:gd name="adj" fmla="val 11252"/>
+            </a:avLst>
+          </a:prstGeom>
+          <a:gradFill>
+            <a:gsLst>
+              <a:gs pos="0">
+                <a:schemeClr val="accent1">
+                  <a:lumMod val="75000"/>
+                </a:schemeClr>
+              </a:gs>
+              <a:gs pos="75000">
+                <a:schemeClr val="accent1">
+                  <a:lumMod val="50000"/>
+                </a:schemeClr>
+              </a:gs>
+            </a:gsLst>
+            <a:path path="circle">
+              <a:fillToRect l="50000" t="50000" r="50000" b="50000"/>
+            </a:path>
+          </a:gradFill>
+          <a:ln w="123825">
+            <a:gradFill>
+              <a:gsLst>
+                <a:gs pos="13000">
+                  <a:schemeClr val="accent4">
+                    <a:lumMod val="60000"/>
+                    <a:lumOff val="40000"/>
+                  </a:schemeClr>
+                </a:gs>
+                <a:gs pos="89381">
+                  <a:schemeClr val="accent4">
+                    <a:lumMod val="60000"/>
+                    <a:lumOff val="40000"/>
+                  </a:schemeClr>
+                </a:gs>
+              </a:gsLst>
+              <a:lin ang="5400000" scaled="1"/>
+            </a:gradFill>
+          </a:ln>
+          <a:effectLst/>
+          <a:scene3d>
+            <a:camera prst="orthographicFront"/>
+            <a:lightRig rig="threePt" dir="t"/>
+          </a:scene3d>
+          <a:sp3d>
+            <a:bevelT w="114300" prst="artDeco"/>
+          </a:sp3d>
+        </p:spPr>
+        <p:style>
+          <a:lnRef idx="2">
+            <a:schemeClr val="accent1">
+              <a:shade val="50000"/>
+            </a:schemeClr>
+          </a:lnRef>
+          <a:fillRef idx="1">
+            <a:schemeClr val="accent1"/>
+          </a:fillRef>
+          <a:effectRef idx="0">
+            <a:schemeClr val="accent1"/>
+          </a:effectRef>
+          <a:fontRef idx="minor">
+            <a:schemeClr val="lt1"/>
+          </a:fontRef>
+        </p:style>
+        <p:txBody>
+          <a:bodyPr rtlCol="0" anchor="ctr"/>
+          <a:lstStyle/>
+          <a:p>
+            <a:pPr algn="ctr"/>
+            <a:endParaRPr lang="pt-BR" dirty="0"/>
+          </a:p>
+        </p:txBody>
+      </p:sp>
+      <p:sp>
+        <p:nvSpPr>
+          <p:cNvPr id="41" name="Retângulo Arredondado 40"/>
+          <p:cNvSpPr/>
+          <p:nvPr/>
+        </p:nvSpPr>
+        <p:spPr>
+          <a:xfrm>
+            <a:off x="1987824" y="154021"/>
+            <a:ext cx="8375374" cy="895927"/>
+          </a:xfrm>
+          <a:prstGeom prst="roundRect">
+            <a:avLst>
+              <a:gd name="adj" fmla="val 44502"/>
+            </a:avLst>
+          </a:prstGeom>
+          <a:gradFill>
+            <a:gsLst>
+              <a:gs pos="13000">
+                <a:schemeClr val="accent4">
+                  <a:lumMod val="60000"/>
+                  <a:lumOff val="40000"/>
+                </a:schemeClr>
+              </a:gs>
+              <a:gs pos="89381">
+                <a:schemeClr val="accent4">
+                  <a:lumMod val="50000"/>
+                </a:schemeClr>
+              </a:gs>
+            </a:gsLst>
+            <a:lin ang="5400000" scaled="1"/>
+          </a:gradFill>
+          <a:ln>
+            <a:solidFill>
+              <a:srgbClr val="632D09"/>
+            </a:solidFill>
+          </a:ln>
+          <a:effectLst>
+            <a:innerShdw blurRad="114300">
+              <a:prstClr val="black"/>
+            </a:innerShdw>
+          </a:effectLst>
+        </p:spPr>
+        <p:style>
+          <a:lnRef idx="2">
+            <a:schemeClr val="accent1">
+              <a:shade val="50000"/>
+            </a:schemeClr>
+          </a:lnRef>
+          <a:fillRef idx="1">
+            <a:schemeClr val="accent1"/>
+          </a:fillRef>
+          <a:effectRef idx="0">
+            <a:schemeClr val="accent1"/>
+          </a:effectRef>
+          <a:fontRef idx="minor">
+            <a:schemeClr val="lt1"/>
+          </a:fontRef>
+        </p:style>
+        <p:txBody>
+          <a:bodyPr rtlCol="0" anchor="ctr"/>
+          <a:lstStyle/>
+          <a:p>
+            <a:pPr algn="ctr"/>
+            <a:endParaRPr lang="pt-BR"/>
+          </a:p>
+        </p:txBody>
+      </p:sp>
+      <p:sp>
+        <p:nvSpPr>
+          <p:cNvPr id="42" name="Retângulo 41">
+            <a:extLst>
+              <a:ext uri="{FF2B5EF4-FFF2-40B4-BE49-F238E27FC236}">
+                <a16:creationId xmlns:a16="http://schemas.microsoft.com/office/drawing/2014/main" id="{FC31F8A5-78DF-4EC7-A974-819F912A3AEB}"/>
+              </a:ext>
+            </a:extLst>
+          </p:cNvPr>
+          <p:cNvSpPr/>
+          <p:nvPr/>
+        </p:nvSpPr>
+        <p:spPr>
+          <a:xfrm>
+            <a:off x="3810432" y="10597"/>
+            <a:ext cx="4972836" cy="1107996"/>
+          </a:xfrm>
+          <a:prstGeom prst="rect">
+            <a:avLst/>
+          </a:prstGeom>
+          <a:noFill/>
+          <a:ln>
+            <a:noFill/>
+          </a:ln>
+        </p:spPr>
+        <p:txBody>
+          <a:bodyPr wrap="none" lIns="91440" tIns="45720" rIns="91440" bIns="45720">
+            <a:spAutoFit/>
+            <a:scene3d>
+              <a:camera prst="orthographicFront"/>
+              <a:lightRig rig="threePt" dir="t"/>
+            </a:scene3d>
+            <a:sp3d extrusionH="57150">
+              <a:bevelT w="38100" h="38100"/>
+            </a:sp3d>
+          </a:bodyPr>
+          <a:lstStyle/>
+          <a:p>
+            <a:pPr algn="ctr"/>
+            <a:r>
+              <a:rPr lang="pt-BR" sz="6600" b="1" dirty="0">
+                <a:ln w="19050">
+                  <a:solidFill>
+                    <a:schemeClr val="tx1"/>
+                  </a:solidFill>
+                  <a:prstDash val="solid"/>
+                </a:ln>
+                <a:solidFill>
+                  <a:srgbClr val="FFFFFF"/>
+                </a:solidFill>
+                <a:effectLst>
+                  <a:outerShdw blurRad="50800" dist="38100" dir="5400000" algn="t" rotWithShape="0">
+                    <a:prstClr val="black">
+                      <a:alpha val="40000"/>
+                    </a:prstClr>
+                  </a:outerShdw>
+                </a:effectLst>
+              </a:rPr>
+              <a:t>CASO DE USO</a:t>
+            </a:r>
+          </a:p>
+        </p:txBody>
+      </p:sp>
+      <p:pic>
+        <p:nvPicPr>
+          <p:cNvPr id="43" name="Picture 12" descr="Imagem relacionada">
+            <a:extLst>
+              <a:ext uri="{FF2B5EF4-FFF2-40B4-BE49-F238E27FC236}">
+                <a16:creationId xmlns:a16="http://schemas.microsoft.com/office/drawing/2014/main" id="{26744707-BF06-4221-A39B-9EC73F83897E}"/>
+              </a:ext>
+            </a:extLst>
+          </p:cNvPr>
+          <p:cNvPicPr>
+            <a:picLocks noChangeAspect="1" noChangeArrowheads="1"/>
+          </p:cNvPicPr>
+          <p:nvPr/>
+        </p:nvPicPr>
+        <p:blipFill>
+          <a:blip r:embed="rId6" cstate="print">
+            <a:extLst>
+              <a:ext uri="{28A0092B-C50C-407E-A947-70E740481C1C}">
+                <a14:useLocalDpi xmlns:a14="http://schemas.microsoft.com/office/drawing/2010/main" val="0"/>
+              </a:ext>
+            </a:extLst>
+          </a:blip>
+          <a:srcRect/>
+          <a:stretch>
+            <a:fillRect/>
+          </a:stretch>
+        </p:blipFill>
+        <p:spPr bwMode="auto">
+          <a:xfrm>
+            <a:off x="9756813" y="318970"/>
+            <a:ext cx="535798" cy="566027"/>
+          </a:xfrm>
+          <a:prstGeom prst="rect">
+            <a:avLst/>
+          </a:prstGeom>
+          <a:noFill/>
+          <a:extLst>
+            <a:ext uri="{909E8E84-426E-40DD-AFC4-6F175D3DCCD1}">
+              <a14:hiddenFill xmlns:a14="http://schemas.microsoft.com/office/drawing/2010/main">
+                <a:solidFill>
+                  <a:srgbClr val="FFFFFF"/>
+                </a:solidFill>
+              </a14:hiddenFill>
+            </a:ext>
+          </a:extLst>
+        </p:spPr>
+      </p:pic>
+      <p:pic>
+        <p:nvPicPr>
+          <p:cNvPr id="44" name="Picture 12" descr="Imagem relacionada">
+            <a:extLst>
+              <a:ext uri="{FF2B5EF4-FFF2-40B4-BE49-F238E27FC236}">
+                <a16:creationId xmlns:a16="http://schemas.microsoft.com/office/drawing/2014/main" id="{26744707-BF06-4221-A39B-9EC73F83897E}"/>
+              </a:ext>
+            </a:extLst>
+          </p:cNvPr>
+          <p:cNvPicPr>
+            <a:picLocks noChangeAspect="1" noChangeArrowheads="1"/>
+          </p:cNvPicPr>
+          <p:nvPr/>
+        </p:nvPicPr>
+        <p:blipFill>
+          <a:blip r:embed="rId6" cstate="print">
+            <a:extLst>
+              <a:ext uri="{28A0092B-C50C-407E-A947-70E740481C1C}">
+                <a14:useLocalDpi xmlns:a14="http://schemas.microsoft.com/office/drawing/2010/main" val="0"/>
+              </a:ext>
+            </a:extLst>
+          </a:blip>
+          <a:srcRect/>
+          <a:stretch>
+            <a:fillRect/>
+          </a:stretch>
+        </p:blipFill>
+        <p:spPr bwMode="auto">
+          <a:xfrm>
+            <a:off x="2053302" y="299619"/>
+            <a:ext cx="535798" cy="566027"/>
+          </a:xfrm>
+          <a:prstGeom prst="rect">
+            <a:avLst/>
+          </a:prstGeom>
+          <a:noFill/>
+          <a:extLst>
+            <a:ext uri="{909E8E84-426E-40DD-AFC4-6F175D3DCCD1}">
+              <a14:hiddenFill xmlns:a14="http://schemas.microsoft.com/office/drawing/2010/main">
+                <a:solidFill>
+                  <a:srgbClr val="FFFFFF"/>
+                </a:solidFill>
+              </a14:hiddenFill>
+            </a:ext>
+          </a:extLst>
+        </p:spPr>
+      </p:pic>
+      <p:sp>
+        <p:nvSpPr>
+          <p:cNvPr id="25" name="Retângulo 24">
+            <a:extLst>
+              <a:ext uri="{FF2B5EF4-FFF2-40B4-BE49-F238E27FC236}">
+                <a16:creationId xmlns:a16="http://schemas.microsoft.com/office/drawing/2014/main" id="{6E026030-2D84-48A1-9CA0-DDC71776A48B}"/>
+              </a:ext>
+            </a:extLst>
+          </p:cNvPr>
+          <p:cNvSpPr/>
+          <p:nvPr/>
+        </p:nvSpPr>
+        <p:spPr>
+          <a:xfrm>
+            <a:off x="1" y="3156216"/>
+            <a:ext cx="1627614" cy="644270"/>
+          </a:xfrm>
+          <a:prstGeom prst="rect">
+            <a:avLst/>
+          </a:prstGeom>
+          <a:gradFill>
+            <a:gsLst>
+              <a:gs pos="13000">
+                <a:schemeClr val="accent4">
+                  <a:lumMod val="60000"/>
+                  <a:lumOff val="40000"/>
+                </a:schemeClr>
+              </a:gs>
+              <a:gs pos="89381">
+                <a:schemeClr val="accent4">
+                  <a:lumMod val="50000"/>
+                </a:schemeClr>
+              </a:gs>
+            </a:gsLst>
+            <a:lin ang="5400000" scaled="1"/>
+          </a:gradFill>
+          <a:ln>
+            <a:solidFill>
+              <a:srgbClr val="632D09"/>
+            </a:solidFill>
+          </a:ln>
+          <a:effectLst>
+            <a:innerShdw blurRad="114300">
+              <a:prstClr val="black"/>
+            </a:innerShdw>
+          </a:effectLst>
+        </p:spPr>
+        <p:style>
+          <a:lnRef idx="2">
+            <a:schemeClr val="accent1">
+              <a:shade val="50000"/>
+            </a:schemeClr>
+          </a:lnRef>
+          <a:fillRef idx="1">
+            <a:schemeClr val="accent1"/>
+          </a:fillRef>
+          <a:effectRef idx="0">
+            <a:schemeClr val="accent1"/>
+          </a:effectRef>
+          <a:fontRef idx="minor">
+            <a:schemeClr val="lt1"/>
+          </a:fontRef>
+        </p:style>
+        <p:txBody>
+          <a:bodyPr rtlCol="0" anchor="ctr"/>
+          <a:lstStyle/>
+          <a:p>
+            <a:pPr algn="ctr"/>
+            <a:endParaRPr lang="pt-BR" dirty="0"/>
+          </a:p>
+        </p:txBody>
+      </p:sp>
+      <p:sp>
+        <p:nvSpPr>
+          <p:cNvPr id="26" name="Retângulo 25">
+            <a:extLst>
+              <a:ext uri="{FF2B5EF4-FFF2-40B4-BE49-F238E27FC236}">
+                <a16:creationId xmlns:a16="http://schemas.microsoft.com/office/drawing/2014/main" id="{66EAEDDB-5C2E-44C0-8333-57FE5AC98957}"/>
+              </a:ext>
+            </a:extLst>
+          </p:cNvPr>
+          <p:cNvSpPr/>
+          <p:nvPr/>
+        </p:nvSpPr>
+        <p:spPr>
+          <a:xfrm>
+            <a:off x="10508974" y="3156216"/>
+            <a:ext cx="1678263" cy="644270"/>
+          </a:xfrm>
+          <a:prstGeom prst="rect">
+            <a:avLst/>
+          </a:prstGeom>
+          <a:gradFill>
+            <a:gsLst>
+              <a:gs pos="13000">
+                <a:schemeClr val="accent4">
+                  <a:lumMod val="60000"/>
+                  <a:lumOff val="40000"/>
+                </a:schemeClr>
+              </a:gs>
+              <a:gs pos="89381">
+                <a:schemeClr val="accent4">
+                  <a:lumMod val="50000"/>
+                </a:schemeClr>
+              </a:gs>
+            </a:gsLst>
+            <a:lin ang="5400000" scaled="1"/>
+          </a:gradFill>
+          <a:ln>
+            <a:solidFill>
+              <a:srgbClr val="632D09"/>
+            </a:solidFill>
+          </a:ln>
+          <a:effectLst>
+            <a:innerShdw blurRad="114300">
+              <a:prstClr val="black"/>
+            </a:innerShdw>
+          </a:effectLst>
+        </p:spPr>
+        <p:style>
+          <a:lnRef idx="2">
+            <a:schemeClr val="accent1">
+              <a:shade val="50000"/>
+            </a:schemeClr>
+          </a:lnRef>
+          <a:fillRef idx="1">
+            <a:schemeClr val="accent1"/>
+          </a:fillRef>
+          <a:effectRef idx="0">
+            <a:schemeClr val="accent1"/>
+          </a:effectRef>
+          <a:fontRef idx="minor">
+            <a:schemeClr val="lt1"/>
+          </a:fontRef>
+        </p:style>
+        <p:txBody>
+          <a:bodyPr rtlCol="0" anchor="ctr"/>
+          <a:lstStyle/>
+          <a:p>
+            <a:pPr algn="ctr"/>
+            <a:endParaRPr lang="pt-BR" dirty="0"/>
+          </a:p>
+        </p:txBody>
+      </p:sp>
+      <p:pic>
+        <p:nvPicPr>
+          <p:cNvPr id="27" name="Picture 12" descr="Imagem relacionada">
+            <a:extLst>
+              <a:ext uri="{FF2B5EF4-FFF2-40B4-BE49-F238E27FC236}">
+                <a16:creationId xmlns:a16="http://schemas.microsoft.com/office/drawing/2014/main" id="{1A49CB54-DE29-4AF7-A2BB-B92400E5381D}"/>
+              </a:ext>
+            </a:extLst>
+          </p:cNvPr>
+          <p:cNvPicPr>
+            <a:picLocks noChangeAspect="1" noChangeArrowheads="1"/>
+          </p:cNvPicPr>
+          <p:nvPr/>
+        </p:nvPicPr>
+        <p:blipFill>
+          <a:blip r:embed="rId6" cstate="print">
+            <a:extLst>
+              <a:ext uri="{28A0092B-C50C-407E-A947-70E740481C1C}">
+                <a14:useLocalDpi xmlns:a14="http://schemas.microsoft.com/office/drawing/2010/main" val="0"/>
+              </a:ext>
+            </a:extLst>
+          </a:blip>
+          <a:srcRect/>
+          <a:stretch>
+            <a:fillRect/>
+          </a:stretch>
+        </p:blipFill>
+        <p:spPr bwMode="auto">
+          <a:xfrm>
+            <a:off x="11156289" y="3184707"/>
+            <a:ext cx="535798" cy="566027"/>
+          </a:xfrm>
+          <a:prstGeom prst="rect">
+            <a:avLst/>
+          </a:prstGeom>
+          <a:noFill/>
+          <a:extLst>
+            <a:ext uri="{909E8E84-426E-40DD-AFC4-6F175D3DCCD1}">
+              <a14:hiddenFill xmlns:a14="http://schemas.microsoft.com/office/drawing/2010/main">
+                <a:solidFill>
+                  <a:srgbClr val="FFFFFF"/>
+                </a:solidFill>
+              </a14:hiddenFill>
+            </a:ext>
+          </a:extLst>
+        </p:spPr>
+      </p:pic>
+      <p:pic>
+        <p:nvPicPr>
+          <p:cNvPr id="28" name="Picture 12" descr="Imagem relacionada">
+            <a:extLst>
+              <a:ext uri="{FF2B5EF4-FFF2-40B4-BE49-F238E27FC236}">
+                <a16:creationId xmlns:a16="http://schemas.microsoft.com/office/drawing/2014/main" id="{544B1FB8-2DC9-4002-91E9-9E8B99605A45}"/>
+              </a:ext>
+            </a:extLst>
+          </p:cNvPr>
+          <p:cNvPicPr>
+            <a:picLocks noChangeAspect="1" noChangeArrowheads="1"/>
+          </p:cNvPicPr>
+          <p:nvPr/>
+        </p:nvPicPr>
+        <p:blipFill>
+          <a:blip r:embed="rId6" cstate="print">
+            <a:extLst>
+              <a:ext uri="{28A0092B-C50C-407E-A947-70E740481C1C}">
+                <a14:useLocalDpi xmlns:a14="http://schemas.microsoft.com/office/drawing/2010/main" val="0"/>
+              </a:ext>
+            </a:extLst>
+          </a:blip>
+          <a:srcRect/>
+          <a:stretch>
+            <a:fillRect/>
+          </a:stretch>
+        </p:blipFill>
+        <p:spPr bwMode="auto">
+          <a:xfrm>
+            <a:off x="564238" y="3209393"/>
+            <a:ext cx="535798" cy="566027"/>
+          </a:xfrm>
+          <a:prstGeom prst="rect">
+            <a:avLst/>
+          </a:prstGeom>
+          <a:noFill/>
+          <a:extLst>
+            <a:ext uri="{909E8E84-426E-40DD-AFC4-6F175D3DCCD1}">
+              <a14:hiddenFill xmlns:a14="http://schemas.microsoft.com/office/drawing/2010/main">
+                <a:solidFill>
+                  <a:srgbClr val="FFFFFF"/>
+                </a:solidFill>
+              </a14:hiddenFill>
+            </a:ext>
+          </a:extLst>
+        </p:spPr>
+      </p:pic>
+      <p:pic>
+        <p:nvPicPr>
+          <p:cNvPr id="3" name="Imagem 2"/>
+          <p:cNvPicPr>
+            <a:picLocks noChangeAspect="1"/>
+          </p:cNvPicPr>
+          <p:nvPr/>
+        </p:nvPicPr>
+        <p:blipFill>
+          <a:blip r:embed="rId7">
+            <a:extLst>
+              <a:ext uri="{28A0092B-C50C-407E-A947-70E740481C1C}">
+                <a14:useLocalDpi xmlns:a14="http://schemas.microsoft.com/office/drawing/2010/main" val="0"/>
+              </a:ext>
+            </a:extLst>
+          </a:blip>
+          <a:stretch>
+            <a:fillRect/>
+          </a:stretch>
+        </p:blipFill>
+        <p:spPr>
+          <a:xfrm>
+            <a:off x="2169615" y="1491806"/>
+            <a:ext cx="7769516" cy="4517857"/>
+          </a:xfrm>
+          <a:prstGeom prst="rect">
+            <a:avLst/>
+          </a:prstGeom>
+        </p:spPr>
+      </p:pic>
+    </p:spTree>
+    <p:extLst>
+      <p:ext uri="{BB962C8B-B14F-4D97-AF65-F5344CB8AC3E}">
+        <p14:creationId xmlns:p14="http://schemas.microsoft.com/office/powerpoint/2010/main" val="3050431724"/>
+      </p:ext>
+    </p:extLst>
+  </p:cSld>
+  <p:clrMapOvr>
+    <a:masterClrMapping/>
+  </p:clrMapOvr>
+  <p:transition spd="med">
+    <p:pull/>
+  </p:transition>
+  <p:timing>
+    <p:tnLst>
+      <p:par>
+        <p:cTn id="1" dur="indefinite" restart="never" nodeType="tmRoot"/>
+      </p:par>
+    </p:tnLst>
+  </p:timing>
+</p:sld>
+</file>
+
+<file path=ppt/slides/slide13.xml><?xml version="1.0" encoding="utf-8"?>
 <p:sld xmlns:a="http://schemas.openxmlformats.org/drawingml/2006/main" xmlns:r="http://schemas.openxmlformats.org/officeDocument/2006/relationships" xmlns:p="http://schemas.openxmlformats.org/presentationml/2006/main">
   <p:cSld>
     <p:spTree>
@@ -15258,7 +14347,7 @@
         </p:nvSpPr>
         <p:spPr>
           <a:xfrm>
-            <a:off x="528864" y="282121"/>
+            <a:off x="562116" y="257936"/>
             <a:ext cx="11061520" cy="6299200"/>
           </a:xfrm>
           <a:prstGeom prst="roundRect">
@@ -15350,8 +14439,8 @@
         </p:nvSpPr>
         <p:spPr>
           <a:xfrm>
-            <a:off x="547398" y="1751075"/>
-            <a:ext cx="3657326" cy="523220"/>
+            <a:off x="2249247" y="1761691"/>
+            <a:ext cx="7358006" cy="954107"/>
           </a:xfrm>
           <a:prstGeom prst="rect">
             <a:avLst/>
@@ -15405,9 +14494,52 @@
                   </a:outerShdw>
                 </a:effectLst>
               </a:rPr>
-              <a:t>     -André Medeiros</a:t>
+              <a:t>Professor Orientador:</a:t>
             </a:r>
-            <a:endParaRPr lang="pt-BR" sz="2800" b="1" i="1" dirty="0">
+            <a:r>
+              <a:rPr lang="pt-BR" sz="2800" b="1" i="1" dirty="0">
+                <a:ln w="0">
+                  <a:solidFill>
+                    <a:schemeClr val="tx1"/>
+                  </a:solidFill>
+                </a:ln>
+                <a:gradFill flip="none" rotWithShape="1">
+                  <a:gsLst>
+                    <a:gs pos="0">
+                      <a:schemeClr val="accent4">
+                        <a:lumMod val="40000"/>
+                        <a:lumOff val="60000"/>
+                      </a:schemeClr>
+                    </a:gs>
+                    <a:gs pos="49000">
+                      <a:schemeClr val="accent4">
+                        <a:lumMod val="40000"/>
+                        <a:lumOff val="60000"/>
+                      </a:schemeClr>
+                    </a:gs>
+                    <a:gs pos="100000">
+                      <a:schemeClr val="accent4">
+                        <a:lumMod val="20000"/>
+                        <a:lumOff val="80000"/>
+                      </a:schemeClr>
+                    </a:gs>
+                  </a:gsLst>
+                  <a:path path="circle">
+                    <a:fillToRect l="50000" t="50000" r="50000" b="50000"/>
+                  </a:path>
+                  <a:tileRect/>
+                </a:gradFill>
+                <a:effectLst>
+                  <a:outerShdw blurRad="88900" dist="19050" dir="2700000" algn="tl" rotWithShape="0">
+                    <a:schemeClr val="dk1">
+                      <a:alpha val="40000"/>
+                    </a:schemeClr>
+                  </a:outerShdw>
+                </a:effectLst>
+              </a:rPr>
+              <a:t> </a:t>
+            </a:r>
+            <a:endParaRPr lang="pt-BR" sz="2800" b="1" i="1" dirty="0" smtClean="0">
               <a:ln w="0">
                 <a:solidFill>
                   <a:schemeClr val="tx1"/>
@@ -15448,34 +14580,6 @@
               </a:effectLst>
             </a:endParaRPr>
           </a:p>
-        </p:txBody>
-      </p:sp>
-      <p:sp>
-        <p:nvSpPr>
-          <p:cNvPr id="30" name="Retângulo 29">
-            <a:extLst>
-              <a:ext uri="{FF2B5EF4-FFF2-40B4-BE49-F238E27FC236}">
-                <a16:creationId xmlns:a16="http://schemas.microsoft.com/office/drawing/2014/main" id="{FC31F8A5-78DF-4EC7-A974-819F912A3AEB}"/>
-              </a:ext>
-            </a:extLst>
-          </p:cNvPr>
-          <p:cNvSpPr/>
-          <p:nvPr/>
-        </p:nvSpPr>
-        <p:spPr>
-          <a:xfrm>
-            <a:off x="867655" y="2636396"/>
-            <a:ext cx="1919560" cy="523220"/>
-          </a:xfrm>
-          <a:prstGeom prst="rect">
-            <a:avLst/>
-          </a:prstGeom>
-        </p:spPr>
-        <p:txBody>
-          <a:bodyPr wrap="square" lIns="91440" tIns="45720" rIns="91440" bIns="45720">
-            <a:spAutoFit/>
-          </a:bodyPr>
-          <a:lstStyle/>
           <a:p>
             <a:pPr algn="ctr"/>
             <a:r>
@@ -15519,48 +14623,8 @@
                   </a:outerShdw>
                 </a:effectLst>
               </a:rPr>
-              <a:t>-Idade</a:t>
+              <a:t>-André Neves</a:t>
             </a:r>
-            <a:endParaRPr lang="pt-BR" sz="2800" b="1" i="1" dirty="0">
-              <a:ln w="0">
-                <a:solidFill>
-                  <a:schemeClr val="tx1"/>
-                </a:solidFill>
-              </a:ln>
-              <a:gradFill flip="none" rotWithShape="1">
-                <a:gsLst>
-                  <a:gs pos="0">
-                    <a:schemeClr val="accent4">
-                      <a:lumMod val="40000"/>
-                      <a:lumOff val="60000"/>
-                    </a:schemeClr>
-                  </a:gs>
-                  <a:gs pos="49000">
-                    <a:schemeClr val="accent4">
-                      <a:lumMod val="40000"/>
-                      <a:lumOff val="60000"/>
-                    </a:schemeClr>
-                  </a:gs>
-                  <a:gs pos="100000">
-                    <a:schemeClr val="accent4">
-                      <a:lumMod val="20000"/>
-                      <a:lumOff val="80000"/>
-                    </a:schemeClr>
-                  </a:gs>
-                </a:gsLst>
-                <a:path path="circle">
-                  <a:fillToRect l="50000" t="50000" r="50000" b="50000"/>
-                </a:path>
-                <a:tileRect/>
-              </a:gradFill>
-              <a:effectLst>
-                <a:outerShdw blurRad="88900" dist="19050" dir="2700000" algn="tl" rotWithShape="0">
-                  <a:schemeClr val="dk1">
-                    <a:alpha val="40000"/>
-                  </a:schemeClr>
-                </a:outerShdw>
-              </a:effectLst>
-            </a:endParaRPr>
           </a:p>
         </p:txBody>
       </p:sp>
@@ -16047,10 +15111,10 @@
       </p:pic>
       <p:sp>
         <p:nvSpPr>
-          <p:cNvPr id="23" name="Retângulo 22">
-            <a:extLst>
-              <a:ext uri="{FF2B5EF4-FFF2-40B4-BE49-F238E27FC236}">
-                <a16:creationId xmlns:a16="http://schemas.microsoft.com/office/drawing/2014/main" id="{ADFB4842-FCA5-4554-97E4-B5244A1180EC}"/>
+          <p:cNvPr id="21" name="Retângulo 20">
+            <a:extLst>
+              <a:ext uri="{FF2B5EF4-FFF2-40B4-BE49-F238E27FC236}">
+                <a16:creationId xmlns:a16="http://schemas.microsoft.com/office/drawing/2014/main" id="{FC31F8A5-78DF-4EC7-A974-819F912A3AEB}"/>
               </a:ext>
             </a:extLst>
           </p:cNvPr>
@@ -16059,8 +15123,8 @@
         </p:nvSpPr>
         <p:spPr>
           <a:xfrm>
-            <a:off x="432797" y="3431698"/>
-            <a:ext cx="4683624" cy="523220"/>
+            <a:off x="2515237" y="3500022"/>
+            <a:ext cx="7358006" cy="523220"/>
           </a:xfrm>
           <a:prstGeom prst="rect">
             <a:avLst/>
@@ -16114,60 +15178,17 @@
                   </a:outerShdw>
                 </a:effectLst>
               </a:rPr>
-              <a:t>       -Estado </a:t>
-            </a:r>
-            <a:r>
-              <a:rPr lang="pt-BR" sz="2800" b="1" i="1" dirty="0">
-                <a:ln w="0">
-                  <a:solidFill>
-                    <a:schemeClr val="tx1"/>
-                  </a:solidFill>
-                </a:ln>
-                <a:gradFill flip="none" rotWithShape="1">
-                  <a:gsLst>
-                    <a:gs pos="0">
-                      <a:schemeClr val="accent4">
-                        <a:lumMod val="40000"/>
-                        <a:lumOff val="60000"/>
-                      </a:schemeClr>
-                    </a:gs>
-                    <a:gs pos="49000">
-                      <a:schemeClr val="accent4">
-                        <a:lumMod val="40000"/>
-                        <a:lumOff val="60000"/>
-                      </a:schemeClr>
-                    </a:gs>
-                    <a:gs pos="100000">
-                      <a:schemeClr val="accent4">
-                        <a:lumMod val="20000"/>
-                        <a:lumOff val="80000"/>
-                      </a:schemeClr>
-                    </a:gs>
-                  </a:gsLst>
-                  <a:path path="circle">
-                    <a:fillToRect l="50000" t="50000" r="50000" b="50000"/>
-                  </a:path>
-                  <a:tileRect/>
-                </a:gradFill>
-                <a:effectLst>
-                  <a:outerShdw blurRad="88900" dist="19050" dir="2700000" algn="tl" rotWithShape="0">
-                    <a:schemeClr val="dk1">
-                      <a:alpha val="40000"/>
-                    </a:schemeClr>
-                  </a:outerShdw>
-                </a:effectLst>
-              </a:rPr>
-              <a:t>de Nascimento</a:t>
+              <a:t>Professores Membros da Banca:</a:t>
             </a:r>
           </a:p>
         </p:txBody>
       </p:sp>
       <p:sp>
         <p:nvSpPr>
-          <p:cNvPr id="24" name="Retângulo 23">
-            <a:extLst>
-              <a:ext uri="{FF2B5EF4-FFF2-40B4-BE49-F238E27FC236}">
-                <a16:creationId xmlns:a16="http://schemas.microsoft.com/office/drawing/2014/main" id="{B04BC7BD-DA93-4EA9-85BB-46C4FFAEB56B}"/>
+          <p:cNvPr id="26" name="Retângulo 25">
+            <a:extLst>
+              <a:ext uri="{FF2B5EF4-FFF2-40B4-BE49-F238E27FC236}">
+                <a16:creationId xmlns:a16="http://schemas.microsoft.com/office/drawing/2014/main" id="{FC31F8A5-78DF-4EC7-A974-819F912A3AEB}"/>
               </a:ext>
             </a:extLst>
           </p:cNvPr>
@@ -16176,8 +15197,8 @@
         </p:nvSpPr>
         <p:spPr>
           <a:xfrm>
-            <a:off x="414915" y="4165153"/>
-            <a:ext cx="4701506" cy="523220"/>
+            <a:off x="2435333" y="4082310"/>
+            <a:ext cx="7358006" cy="523220"/>
           </a:xfrm>
           <a:prstGeom prst="rect">
             <a:avLst/>
@@ -16231,60 +15252,17 @@
                   </a:outerShdw>
                 </a:effectLst>
               </a:rPr>
-              <a:t>       -Cidade </a:t>
-            </a:r>
-            <a:r>
-              <a:rPr lang="pt-BR" sz="2800" b="1" i="1" dirty="0">
-                <a:ln w="0">
-                  <a:solidFill>
-                    <a:schemeClr val="tx1"/>
-                  </a:solidFill>
-                </a:ln>
-                <a:gradFill flip="none" rotWithShape="1">
-                  <a:gsLst>
-                    <a:gs pos="0">
-                      <a:schemeClr val="accent4">
-                        <a:lumMod val="40000"/>
-                        <a:lumOff val="60000"/>
-                      </a:schemeClr>
-                    </a:gs>
-                    <a:gs pos="49000">
-                      <a:schemeClr val="accent4">
-                        <a:lumMod val="40000"/>
-                        <a:lumOff val="60000"/>
-                      </a:schemeClr>
-                    </a:gs>
-                    <a:gs pos="100000">
-                      <a:schemeClr val="accent4">
-                        <a:lumMod val="20000"/>
-                        <a:lumOff val="80000"/>
-                      </a:schemeClr>
-                    </a:gs>
-                  </a:gsLst>
-                  <a:path path="circle">
-                    <a:fillToRect l="50000" t="50000" r="50000" b="50000"/>
-                  </a:path>
-                  <a:tileRect/>
-                </a:gradFill>
-                <a:effectLst>
-                  <a:outerShdw blurRad="88900" dist="19050" dir="2700000" algn="tl" rotWithShape="0">
-                    <a:schemeClr val="dk1">
-                      <a:alpha val="40000"/>
-                    </a:schemeClr>
-                  </a:outerShdw>
-                </a:effectLst>
-              </a:rPr>
-              <a:t>de Nascimento</a:t>
+              <a:t>-Prof. Luana Fernandes</a:t>
             </a:r>
           </a:p>
         </p:txBody>
       </p:sp>
       <p:sp>
         <p:nvSpPr>
-          <p:cNvPr id="29" name="Retângulo 28">
-            <a:extLst>
-              <a:ext uri="{FF2B5EF4-FFF2-40B4-BE49-F238E27FC236}">
-                <a16:creationId xmlns:a16="http://schemas.microsoft.com/office/drawing/2014/main" id="{2AC73C74-C57E-4F2F-A1DF-28B2421C9255}"/>
+          <p:cNvPr id="27" name="Retângulo 26">
+            <a:extLst>
+              <a:ext uri="{FF2B5EF4-FFF2-40B4-BE49-F238E27FC236}">
+                <a16:creationId xmlns:a16="http://schemas.microsoft.com/office/drawing/2014/main" id="{FC31F8A5-78DF-4EC7-A974-819F912A3AEB}"/>
               </a:ext>
             </a:extLst>
           </p:cNvPr>
@@ -16293,8 +15271,8 @@
         </p:nvSpPr>
         <p:spPr>
           <a:xfrm>
-            <a:off x="644568" y="4927593"/>
-            <a:ext cx="2892877" cy="523220"/>
+            <a:off x="1931740" y="4543709"/>
+            <a:ext cx="7358006" cy="523220"/>
           </a:xfrm>
           <a:prstGeom prst="rect">
             <a:avLst/>
@@ -16348,10 +15326,41 @@
                   </a:outerShdw>
                 </a:effectLst>
               </a:rPr>
-              <a:t>    -Estado </a:t>
+              <a:t>-Prof. Ana Carla</a:t>
             </a:r>
+          </a:p>
+        </p:txBody>
+      </p:sp>
+      <p:sp>
+        <p:nvSpPr>
+          <p:cNvPr id="31" name="Retângulo 30">
+            <a:extLst>
+              <a:ext uri="{FF2B5EF4-FFF2-40B4-BE49-F238E27FC236}">
+                <a16:creationId xmlns:a16="http://schemas.microsoft.com/office/drawing/2014/main" id="{FC31F8A5-78DF-4EC7-A974-819F912A3AEB}"/>
+              </a:ext>
+            </a:extLst>
+          </p:cNvPr>
+          <p:cNvSpPr/>
+          <p:nvPr/>
+        </p:nvSpPr>
+        <p:spPr>
+          <a:xfrm>
+            <a:off x="2322432" y="5030613"/>
+            <a:ext cx="7358006" cy="523220"/>
+          </a:xfrm>
+          <a:prstGeom prst="rect">
+            <a:avLst/>
+          </a:prstGeom>
+        </p:spPr>
+        <p:txBody>
+          <a:bodyPr wrap="square" lIns="91440" tIns="45720" rIns="91440" bIns="45720">
+            <a:spAutoFit/>
+          </a:bodyPr>
+          <a:lstStyle/>
+          <a:p>
+            <a:pPr algn="ctr"/>
             <a:r>
-              <a:rPr lang="pt-BR" sz="2800" b="1" i="1" dirty="0">
+              <a:rPr lang="pt-BR" sz="2800" b="1" i="1" dirty="0" smtClean="0">
                 <a:ln w="0">
                   <a:solidFill>
                     <a:schemeClr val="tx1"/>
@@ -16391,7 +15400,81 @@
                   </a:outerShdw>
                 </a:effectLst>
               </a:rPr>
-              <a:t>Civil</a:t>
+              <a:t>-Prof. Sandro Barbosa</a:t>
+            </a:r>
+          </a:p>
+        </p:txBody>
+      </p:sp>
+      <p:sp>
+        <p:nvSpPr>
+          <p:cNvPr id="32" name="Retângulo 31">
+            <a:extLst>
+              <a:ext uri="{FF2B5EF4-FFF2-40B4-BE49-F238E27FC236}">
+                <a16:creationId xmlns:a16="http://schemas.microsoft.com/office/drawing/2014/main" id="{FC31F8A5-78DF-4EC7-A974-819F912A3AEB}"/>
+              </a:ext>
+            </a:extLst>
+          </p:cNvPr>
+          <p:cNvSpPr/>
+          <p:nvPr/>
+        </p:nvSpPr>
+        <p:spPr>
+          <a:xfrm>
+            <a:off x="2287885" y="2606571"/>
+            <a:ext cx="7358006" cy="523220"/>
+          </a:xfrm>
+          <a:prstGeom prst="rect">
+            <a:avLst/>
+          </a:prstGeom>
+        </p:spPr>
+        <p:txBody>
+          <a:bodyPr wrap="square" lIns="91440" tIns="45720" rIns="91440" bIns="45720">
+            <a:spAutoFit/>
+          </a:bodyPr>
+          <a:lstStyle/>
+          <a:p>
+            <a:pPr algn="ctr"/>
+            <a:r>
+              <a:rPr lang="pt-BR" sz="2800" b="1" i="1" dirty="0" smtClean="0">
+                <a:ln w="0">
+                  <a:solidFill>
+                    <a:schemeClr val="tx1"/>
+                  </a:solidFill>
+                </a:ln>
+                <a:gradFill flip="none" rotWithShape="1">
+                  <a:gsLst>
+                    <a:gs pos="0">
+                      <a:schemeClr val="accent4">
+                        <a:lumMod val="40000"/>
+                        <a:lumOff val="60000"/>
+                      </a:schemeClr>
+                    </a:gs>
+                    <a:gs pos="49000">
+                      <a:schemeClr val="accent4">
+                        <a:lumMod val="40000"/>
+                        <a:lumOff val="60000"/>
+                      </a:schemeClr>
+                    </a:gs>
+                    <a:gs pos="100000">
+                      <a:schemeClr val="accent4">
+                        <a:lumMod val="20000"/>
+                        <a:lumOff val="80000"/>
+                      </a:schemeClr>
+                    </a:gs>
+                  </a:gsLst>
+                  <a:path path="circle">
+                    <a:fillToRect l="50000" t="50000" r="50000" b="50000"/>
+                  </a:path>
+                  <a:tileRect/>
+                </a:gradFill>
+                <a:effectLst>
+                  <a:outerShdw blurRad="88900" dist="19050" dir="2700000" algn="tl" rotWithShape="0">
+                    <a:schemeClr val="dk1">
+                      <a:alpha val="40000"/>
+                    </a:schemeClr>
+                  </a:outerShdw>
+                </a:effectLst>
+              </a:rPr>
+              <a:t>-Prof. Adriana</a:t>
             </a:r>
           </a:p>
         </p:txBody>
@@ -16425,7 +15508,7 @@
 </file>
 
 <file path=ppt/slides/slide5.xml><?xml version="1.0" encoding="utf-8"?>
-<p:sld xmlns:a="http://schemas.openxmlformats.org/drawingml/2006/main" xmlns:r="http://schemas.openxmlformats.org/officeDocument/2006/relationships" xmlns:p="http://schemas.openxmlformats.org/presentationml/2006/main">
+<p:sld xmlns:a="http://schemas.openxmlformats.org/drawingml/2006/main" xmlns:r="http://schemas.openxmlformats.org/officeDocument/2006/relationships" xmlns:p="http://schemas.openxmlformats.org/presentationml/2006/main" show="0">
   <p:cSld>
     <p:bg>
       <p:bgPr>
@@ -18066,11 +17149,11 @@
   <p:clrMapOvr>
     <a:masterClrMapping/>
   </p:clrMapOvr>
-  <mc:AlternateContent xmlns:mc="http://schemas.openxmlformats.org/markup-compatibility/2006" xmlns:p14="http://schemas.microsoft.com/office/powerpoint/2010/main">
-    <mc:Choice Requires="p14">
+  <mc:AlternateContent xmlns:mc="http://schemas.openxmlformats.org/markup-compatibility/2006">
+    <mc:Choice xmlns:p14="http://schemas.microsoft.com/office/powerpoint/2010/main" Requires="p14">
       <p:transition spd="slow" p14:dur="2000"/>
     </mc:Choice>
-    <mc:Fallback xmlns="">
+    <mc:Fallback>
       <p:transition spd="slow"/>
     </mc:Fallback>
   </mc:AlternateContent>
@@ -19144,7 +18227,7 @@
         </p:nvSpPr>
         <p:spPr>
           <a:xfrm>
-            <a:off x="1036504" y="1759565"/>
+            <a:off x="1036504" y="2524335"/>
             <a:ext cx="6666834" cy="954107"/>
           </a:xfrm>
           <a:prstGeom prst="rect">
@@ -19346,7 +18429,7 @@
         </p:nvSpPr>
         <p:spPr>
           <a:xfrm>
-            <a:off x="1036504" y="3307901"/>
+            <a:off x="1036504" y="4072671"/>
             <a:ext cx="7215381" cy="954107"/>
           </a:xfrm>
           <a:prstGeom prst="rect">
@@ -19448,205 +18531,6 @@
           </a:p>
         </p:txBody>
       </p:sp>
-      <p:sp>
-        <p:nvSpPr>
-          <p:cNvPr id="20" name="Retângulo 19">
-            <a:extLst>
-              <a:ext uri="{FF2B5EF4-FFF2-40B4-BE49-F238E27FC236}">
-                <a16:creationId xmlns:a16="http://schemas.microsoft.com/office/drawing/2014/main" id="{618289CA-3734-482B-B224-3E836B3873C0}"/>
-              </a:ext>
-            </a:extLst>
-          </p:cNvPr>
-          <p:cNvSpPr/>
-          <p:nvPr/>
-        </p:nvSpPr>
-        <p:spPr>
-          <a:xfrm>
-            <a:off x="1036504" y="4856236"/>
-            <a:ext cx="6849847" cy="954107"/>
-          </a:xfrm>
-          <a:prstGeom prst="rect">
-            <a:avLst/>
-          </a:prstGeom>
-        </p:spPr>
-        <p:txBody>
-          <a:bodyPr wrap="square" lIns="91440" tIns="45720" rIns="91440" bIns="45720">
-            <a:spAutoFit/>
-          </a:bodyPr>
-          <a:lstStyle/>
-          <a:p>
-            <a:r>
-              <a:rPr lang="pt-BR" sz="2800" b="1" i="1" dirty="0" smtClean="0">
-                <a:ln w="0">
-                  <a:solidFill>
-                    <a:schemeClr val="tx1"/>
-                  </a:solidFill>
-                </a:ln>
-                <a:gradFill flip="none" rotWithShape="1">
-                  <a:gsLst>
-                    <a:gs pos="0">
-                      <a:schemeClr val="accent4">
-                        <a:lumMod val="40000"/>
-                        <a:lumOff val="60000"/>
-                      </a:schemeClr>
-                    </a:gs>
-                    <a:gs pos="49000">
-                      <a:schemeClr val="accent4">
-                        <a:lumMod val="40000"/>
-                        <a:lumOff val="60000"/>
-                      </a:schemeClr>
-                    </a:gs>
-                    <a:gs pos="100000">
-                      <a:schemeClr val="accent4">
-                        <a:lumMod val="20000"/>
-                        <a:lumOff val="80000"/>
-                      </a:schemeClr>
-                    </a:gs>
-                  </a:gsLst>
-                  <a:path path="circle">
-                    <a:fillToRect l="50000" t="50000" r="50000" b="50000"/>
-                  </a:path>
-                  <a:tileRect/>
-                </a:gradFill>
-                <a:effectLst>
-                  <a:outerShdw blurRad="88900" dist="19050" dir="2700000" algn="tl" rotWithShape="0">
-                    <a:schemeClr val="dk1">
-                      <a:alpha val="40000"/>
-                    </a:schemeClr>
-                  </a:outerShdw>
-                </a:effectLst>
-              </a:rPr>
-              <a:t>- Preparação </a:t>
-            </a:r>
-            <a:r>
-              <a:rPr lang="pt-BR" sz="2800" b="1" i="1" dirty="0">
-                <a:ln w="0">
-                  <a:solidFill>
-                    <a:schemeClr val="tx1"/>
-                  </a:solidFill>
-                </a:ln>
-                <a:gradFill flip="none" rotWithShape="1">
-                  <a:gsLst>
-                    <a:gs pos="0">
-                      <a:schemeClr val="accent4">
-                        <a:lumMod val="40000"/>
-                        <a:lumOff val="60000"/>
-                      </a:schemeClr>
-                    </a:gs>
-                    <a:gs pos="49000">
-                      <a:schemeClr val="accent4">
-                        <a:lumMod val="40000"/>
-                        <a:lumOff val="60000"/>
-                      </a:schemeClr>
-                    </a:gs>
-                    <a:gs pos="100000">
-                      <a:schemeClr val="accent4">
-                        <a:lumMod val="20000"/>
-                        <a:lumOff val="80000"/>
-                      </a:schemeClr>
-                    </a:gs>
-                  </a:gsLst>
-                  <a:path path="circle">
-                    <a:fillToRect l="50000" t="50000" r="50000" b="50000"/>
-                  </a:path>
-                  <a:tileRect/>
-                </a:gradFill>
-                <a:effectLst>
-                  <a:outerShdw blurRad="88900" dist="19050" dir="2700000" algn="tl" rotWithShape="0">
-                    <a:schemeClr val="dk1">
-                      <a:alpha val="40000"/>
-                    </a:schemeClr>
-                  </a:outerShdw>
-                </a:effectLst>
-              </a:rPr>
-              <a:t>de um sistema, para um futuro </a:t>
-            </a:r>
-            <a:r>
-              <a:rPr lang="pt-BR" sz="2800" b="1" i="1" dirty="0" smtClean="0">
-                <a:ln w="0">
-                  <a:solidFill>
-                    <a:schemeClr val="tx1"/>
-                  </a:solidFill>
-                </a:ln>
-                <a:gradFill flip="none" rotWithShape="1">
-                  <a:gsLst>
-                    <a:gs pos="0">
-                      <a:schemeClr val="accent4">
-                        <a:lumMod val="40000"/>
-                        <a:lumOff val="60000"/>
-                      </a:schemeClr>
-                    </a:gs>
-                    <a:gs pos="49000">
-                      <a:schemeClr val="accent4">
-                        <a:lumMod val="40000"/>
-                        <a:lumOff val="60000"/>
-                      </a:schemeClr>
-                    </a:gs>
-                    <a:gs pos="100000">
-                      <a:schemeClr val="accent4">
-                        <a:lumMod val="20000"/>
-                        <a:lumOff val="80000"/>
-                      </a:schemeClr>
-                    </a:gs>
-                  </a:gsLst>
-                  <a:path path="circle">
-                    <a:fillToRect l="50000" t="50000" r="50000" b="50000"/>
-                  </a:path>
-                  <a:tileRect/>
-                </a:gradFill>
-                <a:effectLst>
-                  <a:outerShdw blurRad="88900" dist="19050" dir="2700000" algn="tl" rotWithShape="0">
-                    <a:schemeClr val="dk1">
-                      <a:alpha val="40000"/>
-                    </a:schemeClr>
-                  </a:outerShdw>
-                </a:effectLst>
-              </a:rPr>
-              <a:t>e-commerce </a:t>
-            </a:r>
-            <a:endParaRPr lang="pt-BR" sz="2800" b="1" i="1" dirty="0">
-              <a:ln w="0">
-                <a:solidFill>
-                  <a:schemeClr val="tx1"/>
-                </a:solidFill>
-              </a:ln>
-              <a:gradFill flip="none" rotWithShape="1">
-                <a:gsLst>
-                  <a:gs pos="0">
-                    <a:schemeClr val="accent4">
-                      <a:lumMod val="40000"/>
-                      <a:lumOff val="60000"/>
-                    </a:schemeClr>
-                  </a:gs>
-                  <a:gs pos="49000">
-                    <a:schemeClr val="accent4">
-                      <a:lumMod val="40000"/>
-                      <a:lumOff val="60000"/>
-                    </a:schemeClr>
-                  </a:gs>
-                  <a:gs pos="100000">
-                    <a:schemeClr val="accent4">
-                      <a:lumMod val="20000"/>
-                      <a:lumOff val="80000"/>
-                    </a:schemeClr>
-                  </a:gs>
-                </a:gsLst>
-                <a:path path="circle">
-                  <a:fillToRect l="50000" t="50000" r="50000" b="50000"/>
-                </a:path>
-                <a:tileRect/>
-              </a:gradFill>
-              <a:effectLst>
-                <a:outerShdw blurRad="88900" dist="19050" dir="2700000" algn="tl" rotWithShape="0">
-                  <a:schemeClr val="dk1">
-                    <a:alpha val="40000"/>
-                  </a:schemeClr>
-                </a:outerShdw>
-              </a:effectLst>
-            </a:endParaRPr>
-          </a:p>
-        </p:txBody>
-      </p:sp>
     </p:spTree>
     <p:extLst>
       <p:ext uri="{BB962C8B-B14F-4D97-AF65-F5344CB8AC3E}">
@@ -20683,7 +19567,7 @@
         </p:nvSpPr>
         <p:spPr>
           <a:xfrm>
-            <a:off x="5251534" y="2184646"/>
+            <a:off x="5251534" y="2774849"/>
             <a:ext cx="5803813" cy="954107"/>
           </a:xfrm>
           <a:prstGeom prst="rect">
@@ -20780,7 +19664,93 @@
                   </a:outerShdw>
                 </a:effectLst>
               </a:rPr>
-              <a:t>o sistema bem interativo e de fácil usabilidade para o cliente.  </a:t>
+              <a:t>o </a:t>
+            </a:r>
+            <a:r>
+              <a:rPr lang="pt-BR" sz="2800" b="1" i="1" dirty="0" smtClean="0">
+                <a:ln w="0">
+                  <a:solidFill>
+                    <a:schemeClr val="tx1"/>
+                  </a:solidFill>
+                </a:ln>
+                <a:gradFill flip="none" rotWithShape="1">
+                  <a:gsLst>
+                    <a:gs pos="0">
+                      <a:schemeClr val="accent4">
+                        <a:lumMod val="40000"/>
+                        <a:lumOff val="60000"/>
+                      </a:schemeClr>
+                    </a:gs>
+                    <a:gs pos="49000">
+                      <a:schemeClr val="accent4">
+                        <a:lumMod val="40000"/>
+                        <a:lumOff val="60000"/>
+                      </a:schemeClr>
+                    </a:gs>
+                    <a:gs pos="100000">
+                      <a:schemeClr val="accent4">
+                        <a:lumMod val="20000"/>
+                        <a:lumOff val="80000"/>
+                      </a:schemeClr>
+                    </a:gs>
+                  </a:gsLst>
+                  <a:path path="circle">
+                    <a:fillToRect l="50000" t="50000" r="50000" b="50000"/>
+                  </a:path>
+                  <a:tileRect/>
+                </a:gradFill>
+                <a:effectLst>
+                  <a:outerShdw blurRad="88900" dist="19050" dir="2700000" algn="tl" rotWithShape="0">
+                    <a:schemeClr val="dk1">
+                      <a:alpha val="40000"/>
+                    </a:schemeClr>
+                  </a:outerShdw>
+                </a:effectLst>
+              </a:rPr>
+              <a:t>sistema interativo </a:t>
+            </a:r>
+            <a:r>
+              <a:rPr lang="pt-BR" sz="2800" b="1" i="1" dirty="0">
+                <a:ln w="0">
+                  <a:solidFill>
+                    <a:schemeClr val="tx1"/>
+                  </a:solidFill>
+                </a:ln>
+                <a:gradFill flip="none" rotWithShape="1">
+                  <a:gsLst>
+                    <a:gs pos="0">
+                      <a:schemeClr val="accent4">
+                        <a:lumMod val="40000"/>
+                        <a:lumOff val="60000"/>
+                      </a:schemeClr>
+                    </a:gs>
+                    <a:gs pos="49000">
+                      <a:schemeClr val="accent4">
+                        <a:lumMod val="40000"/>
+                        <a:lumOff val="60000"/>
+                      </a:schemeClr>
+                    </a:gs>
+                    <a:gs pos="100000">
+                      <a:schemeClr val="accent4">
+                        <a:lumMod val="20000"/>
+                        <a:lumOff val="80000"/>
+                      </a:schemeClr>
+                    </a:gs>
+                  </a:gsLst>
+                  <a:path path="circle">
+                    <a:fillToRect l="50000" t="50000" r="50000" b="50000"/>
+                  </a:path>
+                  <a:tileRect/>
+                </a:gradFill>
+                <a:effectLst>
+                  <a:outerShdw blurRad="88900" dist="19050" dir="2700000" algn="tl" rotWithShape="0">
+                    <a:schemeClr val="dk1">
+                      <a:alpha val="40000"/>
+                    </a:schemeClr>
+                  </a:outerShdw>
+                </a:effectLst>
+              </a:rPr>
+              <a:t>e de fácil usabilidade para o cliente.  </a:t>
             </a:r>
           </a:p>
         </p:txBody>
@@ -20838,7 +19808,7 @@
         </p:nvSpPr>
         <p:spPr>
           <a:xfrm>
-            <a:off x="5320859" y="3515382"/>
+            <a:off x="5320859" y="4105585"/>
             <a:ext cx="5803813" cy="954107"/>
           </a:xfrm>
           <a:prstGeom prst="rect">
@@ -20937,205 +19907,6 @@
               </a:rPr>
               <a:t>a identidade visual através das cores e estilos do site.  </a:t>
             </a:r>
-          </a:p>
-        </p:txBody>
-      </p:sp>
-      <p:sp>
-        <p:nvSpPr>
-          <p:cNvPr id="19" name="Retângulo 18">
-            <a:extLst>
-              <a:ext uri="{FF2B5EF4-FFF2-40B4-BE49-F238E27FC236}">
-                <a16:creationId xmlns:a16="http://schemas.microsoft.com/office/drawing/2014/main" id="{36F82F01-D6FE-4253-81DF-6B9A8A68B30C}"/>
-              </a:ext>
-            </a:extLst>
-          </p:cNvPr>
-          <p:cNvSpPr/>
-          <p:nvPr/>
-        </p:nvSpPr>
-        <p:spPr>
-          <a:xfrm>
-            <a:off x="5285099" y="4789698"/>
-            <a:ext cx="5803813" cy="1384995"/>
-          </a:xfrm>
-          <a:prstGeom prst="rect">
-            <a:avLst/>
-          </a:prstGeom>
-        </p:spPr>
-        <p:txBody>
-          <a:bodyPr wrap="square" lIns="91440" tIns="45720" rIns="91440" bIns="45720">
-            <a:spAutoFit/>
-          </a:bodyPr>
-          <a:lstStyle/>
-          <a:p>
-            <a:r>
-              <a:rPr lang="pt-BR" sz="2800" b="1" i="1" dirty="0" smtClean="0">
-                <a:ln w="0">
-                  <a:solidFill>
-                    <a:schemeClr val="tx1"/>
-                  </a:solidFill>
-                </a:ln>
-                <a:gradFill flip="none" rotWithShape="1">
-                  <a:gsLst>
-                    <a:gs pos="0">
-                      <a:schemeClr val="accent4">
-                        <a:lumMod val="40000"/>
-                        <a:lumOff val="60000"/>
-                      </a:schemeClr>
-                    </a:gs>
-                    <a:gs pos="49000">
-                      <a:schemeClr val="accent4">
-                        <a:lumMod val="40000"/>
-                        <a:lumOff val="60000"/>
-                      </a:schemeClr>
-                    </a:gs>
-                    <a:gs pos="100000">
-                      <a:schemeClr val="accent4">
-                        <a:lumMod val="20000"/>
-                        <a:lumOff val="80000"/>
-                      </a:schemeClr>
-                    </a:gs>
-                  </a:gsLst>
-                  <a:path path="circle">
-                    <a:fillToRect l="50000" t="50000" r="50000" b="50000"/>
-                  </a:path>
-                  <a:tileRect/>
-                </a:gradFill>
-                <a:effectLst>
-                  <a:outerShdw blurRad="88900" dist="19050" dir="2700000" algn="tl" rotWithShape="0">
-                    <a:schemeClr val="dk1">
-                      <a:alpha val="40000"/>
-                    </a:schemeClr>
-                  </a:outerShdw>
-                </a:effectLst>
-              </a:rPr>
-              <a:t>-Desenvolver </a:t>
-            </a:r>
-            <a:r>
-              <a:rPr lang="pt-BR" sz="2800" b="1" i="1" dirty="0">
-                <a:ln w="0">
-                  <a:solidFill>
-                    <a:schemeClr val="tx1"/>
-                  </a:solidFill>
-                </a:ln>
-                <a:gradFill flip="none" rotWithShape="1">
-                  <a:gsLst>
-                    <a:gs pos="0">
-                      <a:schemeClr val="accent4">
-                        <a:lumMod val="40000"/>
-                        <a:lumOff val="60000"/>
-                      </a:schemeClr>
-                    </a:gs>
-                    <a:gs pos="49000">
-                      <a:schemeClr val="accent4">
-                        <a:lumMod val="40000"/>
-                        <a:lumOff val="60000"/>
-                      </a:schemeClr>
-                    </a:gs>
-                    <a:gs pos="100000">
-                      <a:schemeClr val="accent4">
-                        <a:lumMod val="20000"/>
-                        <a:lumOff val="80000"/>
-                      </a:schemeClr>
-                    </a:gs>
-                  </a:gsLst>
-                  <a:path path="circle">
-                    <a:fillToRect l="50000" t="50000" r="50000" b="50000"/>
-                  </a:path>
-                  <a:tileRect/>
-                </a:gradFill>
-                <a:effectLst>
-                  <a:outerShdw blurRad="88900" dist="19050" dir="2700000" algn="tl" rotWithShape="0">
-                    <a:schemeClr val="dk1">
-                      <a:alpha val="40000"/>
-                    </a:schemeClr>
-                  </a:outerShdw>
-                </a:effectLst>
-              </a:rPr>
-              <a:t>um sistema já com possíveis funcionalidades usadas no </a:t>
-            </a:r>
-            <a:r>
-              <a:rPr lang="pt-BR" sz="2800" b="1" i="1" dirty="0" smtClean="0">
-                <a:ln w="0">
-                  <a:solidFill>
-                    <a:schemeClr val="tx1"/>
-                  </a:solidFill>
-                </a:ln>
-                <a:gradFill flip="none" rotWithShape="1">
-                  <a:gsLst>
-                    <a:gs pos="0">
-                      <a:schemeClr val="accent4">
-                        <a:lumMod val="40000"/>
-                        <a:lumOff val="60000"/>
-                      </a:schemeClr>
-                    </a:gs>
-                    <a:gs pos="49000">
-                      <a:schemeClr val="accent4">
-                        <a:lumMod val="40000"/>
-                        <a:lumOff val="60000"/>
-                      </a:schemeClr>
-                    </a:gs>
-                    <a:gs pos="100000">
-                      <a:schemeClr val="accent4">
-                        <a:lumMod val="20000"/>
-                        <a:lumOff val="80000"/>
-                      </a:schemeClr>
-                    </a:gs>
-                  </a:gsLst>
-                  <a:path path="circle">
-                    <a:fillToRect l="50000" t="50000" r="50000" b="50000"/>
-                  </a:path>
-                  <a:tileRect/>
-                </a:gradFill>
-                <a:effectLst>
-                  <a:outerShdw blurRad="88900" dist="19050" dir="2700000" algn="tl" rotWithShape="0">
-                    <a:schemeClr val="dk1">
-                      <a:alpha val="40000"/>
-                    </a:schemeClr>
-                  </a:outerShdw>
-                </a:effectLst>
-              </a:rPr>
-              <a:t>e-commerce   </a:t>
-            </a:r>
-            <a:endParaRPr lang="pt-BR" sz="2800" b="1" i="1" dirty="0">
-              <a:ln w="0">
-                <a:solidFill>
-                  <a:schemeClr val="tx1"/>
-                </a:solidFill>
-              </a:ln>
-              <a:gradFill flip="none" rotWithShape="1">
-                <a:gsLst>
-                  <a:gs pos="0">
-                    <a:schemeClr val="accent4">
-                      <a:lumMod val="40000"/>
-                      <a:lumOff val="60000"/>
-                    </a:schemeClr>
-                  </a:gs>
-                  <a:gs pos="49000">
-                    <a:schemeClr val="accent4">
-                      <a:lumMod val="40000"/>
-                      <a:lumOff val="60000"/>
-                    </a:schemeClr>
-                  </a:gs>
-                  <a:gs pos="100000">
-                    <a:schemeClr val="accent4">
-                      <a:lumMod val="20000"/>
-                      <a:lumOff val="80000"/>
-                    </a:schemeClr>
-                  </a:gs>
-                </a:gsLst>
-                <a:path path="circle">
-                  <a:fillToRect l="50000" t="50000" r="50000" b="50000"/>
-                </a:path>
-                <a:tileRect/>
-              </a:gradFill>
-              <a:effectLst>
-                <a:outerShdw blurRad="88900" dist="19050" dir="2700000" algn="tl" rotWithShape="0">
-                  <a:schemeClr val="dk1">
-                    <a:alpha val="40000"/>
-                  </a:schemeClr>
-                </a:outerShdw>
-              </a:effectLst>
-            </a:endParaRPr>
           </a:p>
         </p:txBody>
       </p:sp>
@@ -23575,7 +22346,7 @@
         </p:nvSpPr>
         <p:spPr>
           <a:xfrm>
-            <a:off x="566962" y="291643"/>
+            <a:off x="566962" y="299956"/>
             <a:ext cx="11061520" cy="6299200"/>
           </a:xfrm>
           <a:prstGeom prst="roundRect">
@@ -24196,8 +22967,8 @@
         </p:nvSpPr>
         <p:spPr>
           <a:xfrm>
-            <a:off x="4514089" y="4409091"/>
-            <a:ext cx="6898390" cy="830997"/>
+            <a:off x="4182010" y="4409091"/>
+            <a:ext cx="6889645" cy="830997"/>
           </a:xfrm>
           <a:prstGeom prst="rect">
             <a:avLst/>
@@ -24251,137 +23022,48 @@
                   </a:outerShdw>
                 </a:effectLst>
               </a:rPr>
-              <a:t>-Já </a:t>
+              <a:t>-Só será possível acessar o sistema se o usuário estiver cadastrado no mesmo.</a:t>
             </a:r>
-            <a:r>
-              <a:rPr lang="pt-BR" sz="2400" b="1" i="1" dirty="0">
-                <a:ln w="0">
-                  <a:solidFill>
-                    <a:schemeClr val="tx1"/>
-                  </a:solidFill>
-                </a:ln>
-                <a:gradFill flip="none" rotWithShape="1">
-                  <a:gsLst>
-                    <a:gs pos="0">
-                      <a:schemeClr val="accent4">
-                        <a:lumMod val="40000"/>
-                        <a:lumOff val="60000"/>
-                      </a:schemeClr>
-                    </a:gs>
-                    <a:gs pos="49000">
-                      <a:schemeClr val="accent4">
-                        <a:lumMod val="40000"/>
-                        <a:lumOff val="60000"/>
-                      </a:schemeClr>
-                    </a:gs>
-                    <a:gs pos="100000">
-                      <a:schemeClr val="accent4">
-                        <a:lumMod val="20000"/>
-                        <a:lumOff val="80000"/>
-                      </a:schemeClr>
-                    </a:gs>
-                  </a:gsLst>
-                  <a:path path="circle">
-                    <a:fillToRect l="50000" t="50000" r="50000" b="50000"/>
-                  </a:path>
-                  <a:tileRect/>
-                </a:gradFill>
-                <a:effectLst>
-                  <a:outerShdw blurRad="88900" dist="19050" dir="2700000" algn="tl" rotWithShape="0">
-                    <a:schemeClr val="dk1">
-                      <a:alpha val="40000"/>
+            <a:endParaRPr lang="pt-BR" sz="2400" b="1" i="1" dirty="0">
+              <a:ln w="0">
+                <a:solidFill>
+                  <a:schemeClr val="tx1"/>
+                </a:solidFill>
+              </a:ln>
+              <a:gradFill flip="none" rotWithShape="1">
+                <a:gsLst>
+                  <a:gs pos="0">
+                    <a:schemeClr val="accent4">
+                      <a:lumMod val="40000"/>
+                      <a:lumOff val="60000"/>
                     </a:schemeClr>
-                  </a:outerShdw>
-                </a:effectLst>
-              </a:rPr>
-              <a:t>tendo se cadastrado, deve-se clicar </a:t>
-            </a:r>
-            <a:r>
-              <a:rPr lang="pt-BR" sz="2400" b="1" i="1" dirty="0" smtClean="0">
-                <a:ln w="0">
-                  <a:solidFill>
-                    <a:schemeClr val="tx1"/>
-                  </a:solidFill>
-                </a:ln>
-                <a:gradFill flip="none" rotWithShape="1">
-                  <a:gsLst>
-                    <a:gs pos="0">
-                      <a:schemeClr val="accent4">
-                        <a:lumMod val="40000"/>
-                        <a:lumOff val="60000"/>
-                      </a:schemeClr>
-                    </a:gs>
-                    <a:gs pos="49000">
-                      <a:schemeClr val="accent4">
-                        <a:lumMod val="40000"/>
-                        <a:lumOff val="60000"/>
-                      </a:schemeClr>
-                    </a:gs>
-                    <a:gs pos="100000">
-                      <a:schemeClr val="accent4">
-                        <a:lumMod val="20000"/>
-                        <a:lumOff val="80000"/>
-                      </a:schemeClr>
-                    </a:gs>
-                  </a:gsLst>
-                  <a:path path="circle">
-                    <a:fillToRect l="50000" t="50000" r="50000" b="50000"/>
-                  </a:path>
-                  <a:tileRect/>
-                </a:gradFill>
-                <a:effectLst>
-                  <a:outerShdw blurRad="88900" dist="19050" dir="2700000" algn="tl" rotWithShape="0">
-                    <a:schemeClr val="dk1">
-                      <a:alpha val="40000"/>
+                  </a:gs>
+                  <a:gs pos="49000">
+                    <a:schemeClr val="accent4">
+                      <a:lumMod val="40000"/>
+                      <a:lumOff val="60000"/>
                     </a:schemeClr>
-                  </a:outerShdw>
-                </a:effectLst>
-              </a:rPr>
-              <a:t>em um </a:t>
-            </a:r>
-            <a:r>
-              <a:rPr lang="pt-BR" sz="2400" b="1" i="1" dirty="0">
-                <a:ln w="0">
-                  <a:solidFill>
-                    <a:schemeClr val="tx1"/>
-                  </a:solidFill>
-                </a:ln>
-                <a:gradFill flip="none" rotWithShape="1">
-                  <a:gsLst>
-                    <a:gs pos="0">
-                      <a:schemeClr val="accent4">
-                        <a:lumMod val="40000"/>
-                        <a:lumOff val="60000"/>
-                      </a:schemeClr>
-                    </a:gs>
-                    <a:gs pos="49000">
-                      <a:schemeClr val="accent4">
-                        <a:lumMod val="40000"/>
-                        <a:lumOff val="60000"/>
-                      </a:schemeClr>
-                    </a:gs>
-                    <a:gs pos="100000">
-                      <a:schemeClr val="accent4">
-                        <a:lumMod val="20000"/>
-                        <a:lumOff val="80000"/>
-                      </a:schemeClr>
-                    </a:gs>
-                  </a:gsLst>
-                  <a:path path="circle">
-                    <a:fillToRect l="50000" t="50000" r="50000" b="50000"/>
-                  </a:path>
-                  <a:tileRect/>
-                </a:gradFill>
-                <a:effectLst>
-                  <a:outerShdw blurRad="88900" dist="19050" dir="2700000" algn="tl" rotWithShape="0">
-                    <a:schemeClr val="dk1">
-                      <a:alpha val="40000"/>
+                  </a:gs>
+                  <a:gs pos="100000">
+                    <a:schemeClr val="accent4">
+                      <a:lumMod val="20000"/>
+                      <a:lumOff val="80000"/>
                     </a:schemeClr>
-                  </a:outerShdw>
-                </a:effectLst>
-              </a:rPr>
-              <a:t>botão com o nome de “Login”, para realizar o mesmo.</a:t>
-            </a:r>
+                  </a:gs>
+                </a:gsLst>
+                <a:path path="circle">
+                  <a:fillToRect l="50000" t="50000" r="50000" b="50000"/>
+                </a:path>
+                <a:tileRect/>
+              </a:gradFill>
+              <a:effectLst>
+                <a:outerShdw blurRad="88900" dist="19050" dir="2700000" algn="tl" rotWithShape="0">
+                  <a:schemeClr val="dk1">
+                    <a:alpha val="40000"/>
+                  </a:schemeClr>
+                </a:outerShdw>
+              </a:effectLst>
+            </a:endParaRPr>
           </a:p>
         </p:txBody>
       </p:sp>

--- a/TCCApresentaçãonNovaDefinida.pptx
+++ b/TCCApresentaçãonNovaDefinida.pptx
@@ -1391,7 +1391,7 @@
           <a:p>
             <a:fld id="{C5F47BAE-871B-401A-ADFC-7E274EE33322}" type="datetimeFigureOut">
               <a:rPr lang="pt-BR" smtClean="0"/>
-              <a:t>14/11/2019</a:t>
+              <a:t>21/11/2019</a:t>
             </a:fld>
             <a:endParaRPr lang="pt-BR"/>
           </a:p>
@@ -1589,7 +1589,7 @@
           <a:p>
             <a:fld id="{C5F47BAE-871B-401A-ADFC-7E274EE33322}" type="datetimeFigureOut">
               <a:rPr lang="pt-BR" smtClean="0"/>
-              <a:t>14/11/2019</a:t>
+              <a:t>21/11/2019</a:t>
             </a:fld>
             <a:endParaRPr lang="pt-BR"/>
           </a:p>
@@ -1797,7 +1797,7 @@
           <a:p>
             <a:fld id="{C5F47BAE-871B-401A-ADFC-7E274EE33322}" type="datetimeFigureOut">
               <a:rPr lang="pt-BR" smtClean="0"/>
-              <a:t>14/11/2019</a:t>
+              <a:t>21/11/2019</a:t>
             </a:fld>
             <a:endParaRPr lang="pt-BR"/>
           </a:p>
@@ -1995,7 +1995,7 @@
           <a:p>
             <a:fld id="{C5F47BAE-871B-401A-ADFC-7E274EE33322}" type="datetimeFigureOut">
               <a:rPr lang="pt-BR" smtClean="0"/>
-              <a:t>14/11/2019</a:t>
+              <a:t>21/11/2019</a:t>
             </a:fld>
             <a:endParaRPr lang="pt-BR"/>
           </a:p>
@@ -2270,7 +2270,7 @@
           <a:p>
             <a:fld id="{C5F47BAE-871B-401A-ADFC-7E274EE33322}" type="datetimeFigureOut">
               <a:rPr lang="pt-BR" smtClean="0"/>
-              <a:t>14/11/2019</a:t>
+              <a:t>21/11/2019</a:t>
             </a:fld>
             <a:endParaRPr lang="pt-BR"/>
           </a:p>
@@ -2535,7 +2535,7 @@
           <a:p>
             <a:fld id="{C5F47BAE-871B-401A-ADFC-7E274EE33322}" type="datetimeFigureOut">
               <a:rPr lang="pt-BR" smtClean="0"/>
-              <a:t>14/11/2019</a:t>
+              <a:t>21/11/2019</a:t>
             </a:fld>
             <a:endParaRPr lang="pt-BR"/>
           </a:p>
@@ -2947,7 +2947,7 @@
           <a:p>
             <a:fld id="{C5F47BAE-871B-401A-ADFC-7E274EE33322}" type="datetimeFigureOut">
               <a:rPr lang="pt-BR" smtClean="0"/>
-              <a:t>14/11/2019</a:t>
+              <a:t>21/11/2019</a:t>
             </a:fld>
             <a:endParaRPr lang="pt-BR"/>
           </a:p>
@@ -3088,7 +3088,7 @@
           <a:p>
             <a:fld id="{C5F47BAE-871B-401A-ADFC-7E274EE33322}" type="datetimeFigureOut">
               <a:rPr lang="pt-BR" smtClean="0"/>
-              <a:t>14/11/2019</a:t>
+              <a:t>21/11/2019</a:t>
             </a:fld>
             <a:endParaRPr lang="pt-BR"/>
           </a:p>
@@ -3201,7 +3201,7 @@
           <a:p>
             <a:fld id="{C5F47BAE-871B-401A-ADFC-7E274EE33322}" type="datetimeFigureOut">
               <a:rPr lang="pt-BR" smtClean="0"/>
-              <a:t>14/11/2019</a:t>
+              <a:t>21/11/2019</a:t>
             </a:fld>
             <a:endParaRPr lang="pt-BR"/>
           </a:p>
@@ -3512,7 +3512,7 @@
           <a:p>
             <a:fld id="{C5F47BAE-871B-401A-ADFC-7E274EE33322}" type="datetimeFigureOut">
               <a:rPr lang="pt-BR" smtClean="0"/>
-              <a:t>14/11/2019</a:t>
+              <a:t>21/11/2019</a:t>
             </a:fld>
             <a:endParaRPr lang="pt-BR"/>
           </a:p>
@@ -3800,7 +3800,7 @@
           <a:p>
             <a:fld id="{C5F47BAE-871B-401A-ADFC-7E274EE33322}" type="datetimeFigureOut">
               <a:rPr lang="pt-BR" smtClean="0"/>
-              <a:t>14/11/2019</a:t>
+              <a:t>21/11/2019</a:t>
             </a:fld>
             <a:endParaRPr lang="pt-BR"/>
           </a:p>
@@ -4041,7 +4041,7 @@
           <a:p>
             <a:fld id="{C5F47BAE-871B-401A-ADFC-7E274EE33322}" type="datetimeFigureOut">
               <a:rPr lang="pt-BR" smtClean="0"/>
-              <a:t>14/11/2019</a:t>
+              <a:t>21/11/2019</a:t>
             </a:fld>
             <a:endParaRPr lang="pt-BR"/>
           </a:p>
@@ -4474,7 +4474,7 @@
                 <a16:creationId xmlns:a16="http://schemas.microsoft.com/office/drawing/2014/main" id="{6C2997EE-0889-44C3-AC0D-18F26AC9AAAB}"/>
               </a:ext>
               <a:ext uri="{C183D7F6-B498-43B3-948B-1728B52AA6E4}">
-                <adec:decorative xmlns:adec="http://schemas.microsoft.com/office/drawing/2017/decorative" xmlns="" val="1"/>
+                <adec:decorative xmlns="" xmlns:adec="http://schemas.microsoft.com/office/drawing/2017/decorative" val="1"/>
               </a:ext>
             </a:extLst>
           </p:cNvPr>
@@ -6850,15 +6850,7 @@
                   <a:srgbClr val="E2C560"/>
                 </a:solidFill>
               </a:rPr>
-              <a:t>A </a:t>
-            </a:r>
-            <a:r>
-              <a:rPr lang="pt-BR" sz="2000" dirty="0" smtClean="0">
-                <a:solidFill>
-                  <a:srgbClr val="E2C560"/>
-                </a:solidFill>
-              </a:rPr>
-              <a:t>metodologia utilizada no Desenvolvimento do Sistema </a:t>
+              <a:t>A metodologia utilizada no Desenvolvimento do Sistema </a:t>
             </a:r>
             <a:r>
               <a:rPr lang="pt-BR" sz="2000" dirty="0">
@@ -6874,31 +6866,7 @@
                   <a:srgbClr val="E2C560"/>
                 </a:solidFill>
               </a:rPr>
-              <a:t>. foi em cascata, na qual o plano segue uma série de passos ordenados </a:t>
-            </a:r>
-            <a:r>
-              <a:rPr lang="pt-BR" sz="2000" dirty="0" smtClean="0">
-                <a:solidFill>
-                  <a:srgbClr val="E2C560"/>
-                </a:solidFill>
-              </a:rPr>
-              <a:t>como o levantamento </a:t>
-            </a:r>
-            <a:r>
-              <a:rPr lang="pt-BR" sz="2000" dirty="0" smtClean="0">
-                <a:solidFill>
-                  <a:srgbClr val="E2C560"/>
-                </a:solidFill>
-              </a:rPr>
-              <a:t>de requisitos, concepção, modelagem, codificação e </a:t>
-            </a:r>
-            <a:r>
-              <a:rPr lang="pt-BR" sz="2000" dirty="0" smtClean="0">
-                <a:solidFill>
-                  <a:srgbClr val="E2C560"/>
-                </a:solidFill>
-              </a:rPr>
-              <a:t>testes.</a:t>
+              <a:t>. foi em cascata, na qual o plano segue uma série de passos ordenados como o levantamento de requisitos, concepção, modelagem, codificação e testes.</a:t>
             </a:r>
             <a:endParaRPr lang="pt-BR" sz="2000" dirty="0">
               <a:solidFill>
@@ -7987,7 +7955,7 @@
       </p:pic>
       <p:pic>
         <p:nvPicPr>
-          <p:cNvPr id="4" name="Imagem 3"/>
+          <p:cNvPr id="7" name="Imagem 6"/>
           <p:cNvPicPr>
             <a:picLocks noChangeAspect="1"/>
           </p:cNvPicPr>
@@ -8007,8 +7975,8 @@
         </p:blipFill>
         <p:spPr>
           <a:xfrm>
-            <a:off x="2258909" y="1251012"/>
-            <a:ext cx="7980590" cy="5161949"/>
+            <a:off x="2324204" y="1301136"/>
+            <a:ext cx="7703611" cy="5036357"/>
           </a:xfrm>
           <a:prstGeom prst="rect">
             <a:avLst/>
@@ -17149,11 +17117,11 @@
   <p:clrMapOvr>
     <a:masterClrMapping/>
   </p:clrMapOvr>
-  <mc:AlternateContent xmlns:mc="http://schemas.openxmlformats.org/markup-compatibility/2006">
-    <mc:Choice xmlns:p14="http://schemas.microsoft.com/office/powerpoint/2010/main" Requires="p14">
+  <mc:AlternateContent xmlns:mc="http://schemas.openxmlformats.org/markup-compatibility/2006" xmlns:p14="http://schemas.microsoft.com/office/powerpoint/2010/main">
+    <mc:Choice Requires="p14">
       <p:transition spd="slow" p14:dur="2000"/>
     </mc:Choice>
-    <mc:Fallback>
+    <mc:Fallback xmlns="">
       <p:transition spd="slow"/>
     </mc:Fallback>
   </mc:AlternateContent>
